--- a/Offline/BusinessManagement/Marketing/AI marketing/AIBrochure.pptx
+++ b/Offline/BusinessManagement/Marketing/AI marketing/AIBrochure.pptx
@@ -104,6 +104,11 @@
       </a:defRPr>
     </a:lvl9pPr>
   </p:defaultTextStyle>
+  <p:extLst>
+    <p:ext uri="{EFAFB233-063F-42B5-8137-9DF3F51BA10A}">
+      <p15:sldGuideLst xmlns:p15="http://schemas.microsoft.com/office/powerpoint/2012/main"/>
+    </p:ext>
+  </p:extLst>
 </p:presentation>
 </file>
 
@@ -2968,142 +2973,10 @@
       </p:grpSpPr>
       <p:pic>
         <p:nvPicPr>
-          <p:cNvPr id="1026" name="Picture 2">
+          <p:cNvPr id="3" name="Picture 2">
             <a:extLst>
               <a:ext uri="{FF2B5EF4-FFF2-40B4-BE49-F238E27FC236}">
-                <a16:creationId xmlns:a16="http://schemas.microsoft.com/office/drawing/2014/main" id="{681B7FFA-2532-C1EE-1C21-2FDB24C2F117}"/>
-              </a:ext>
-            </a:extLst>
-          </p:cNvPr>
-          <p:cNvPicPr>
-            <a:picLocks noChangeAspect="1" noChangeArrowheads="1"/>
-          </p:cNvPicPr>
-          <p:nvPr/>
-        </p:nvPicPr>
-        <p:blipFill>
-          <a:blip r:embed="rId2">
-            <a:extLst>
-              <a:ext uri="{28A0092B-C50C-407E-A947-70E740481C1C}">
-                <a14:useLocalDpi xmlns:a14="http://schemas.microsoft.com/office/drawing/2010/main" val="0"/>
-              </a:ext>
-            </a:extLst>
-          </a:blip>
-          <a:srcRect/>
-          <a:stretch>
-            <a:fillRect/>
-          </a:stretch>
-        </p:blipFill>
-        <p:spPr bwMode="auto">
-          <a:xfrm>
-            <a:off x="468530" y="200546"/>
-            <a:ext cx="2634810" cy="884775"/>
-          </a:xfrm>
-          <a:prstGeom prst="rect">
-            <a:avLst/>
-          </a:prstGeom>
-          <a:noFill/>
-          <a:extLst>
-            <a:ext uri="{909E8E84-426E-40DD-AFC4-6F175D3DCCD1}">
-              <a14:hiddenFill xmlns:a14="http://schemas.microsoft.com/office/drawing/2010/main">
-                <a:solidFill>
-                  <a:srgbClr val="FFFFFF"/>
-                </a:solidFill>
-              </a14:hiddenFill>
-            </a:ext>
-          </a:extLst>
-        </p:spPr>
-      </p:pic>
-      <p:sp>
-        <p:nvSpPr>
-          <p:cNvPr id="7" name="TextBox 6">
-            <a:extLst>
-              <a:ext uri="{FF2B5EF4-FFF2-40B4-BE49-F238E27FC236}">
-                <a16:creationId xmlns:a16="http://schemas.microsoft.com/office/drawing/2014/main" id="{0CAEC218-7251-50A8-E97C-A8D380973EFD}"/>
-              </a:ext>
-            </a:extLst>
-          </p:cNvPr>
-          <p:cNvSpPr txBox="1"/>
-          <p:nvPr/>
-        </p:nvSpPr>
-        <p:spPr>
-          <a:xfrm>
-            <a:off x="128591" y="2911770"/>
-            <a:ext cx="3287276" cy="307777"/>
-          </a:xfrm>
-          <a:prstGeom prst="rect">
-            <a:avLst/>
-          </a:prstGeom>
-          <a:noFill/>
-        </p:spPr>
-        <p:txBody>
-          <a:bodyPr wrap="square" rtlCol="0">
-            <a:spAutoFit/>
-          </a:bodyPr>
-          <a:lstStyle/>
-          <a:p>
-            <a:r>
-              <a:rPr lang="en-US" sz="1400" b="1" dirty="0">
-                <a:solidFill>
-                  <a:schemeClr val="bg1"/>
-                </a:solidFill>
-                <a:latin typeface="Oxygen" panose="02000503000000000000" pitchFamily="2" charset="0"/>
-              </a:rPr>
-              <a:t>Download the “Anodiam” app now!</a:t>
-            </a:r>
-          </a:p>
-        </p:txBody>
-      </p:sp>
-      <p:sp>
-        <p:nvSpPr>
-          <p:cNvPr id="8" name="AutoShape 4">
-            <a:extLst>
-              <a:ext uri="{FF2B5EF4-FFF2-40B4-BE49-F238E27FC236}">
-                <a16:creationId xmlns:a16="http://schemas.microsoft.com/office/drawing/2014/main" id="{1318FC0C-697E-A4A7-9959-76F6F061A167}"/>
-              </a:ext>
-            </a:extLst>
-          </p:cNvPr>
-          <p:cNvSpPr>
-            <a:spLocks noChangeAspect="1" noChangeArrowheads="1"/>
-          </p:cNvSpPr>
-          <p:nvPr/>
-        </p:nvSpPr>
-        <p:spPr bwMode="auto">
-          <a:xfrm>
-            <a:off x="4729162" y="5628212"/>
-            <a:ext cx="304800" cy="304800"/>
-          </a:xfrm>
-          <a:prstGeom prst="rect">
-            <a:avLst/>
-          </a:prstGeom>
-          <a:noFill/>
-          <a:extLst>
-            <a:ext uri="{909E8E84-426E-40DD-AFC4-6F175D3DCCD1}">
-              <a14:hiddenFill xmlns:a14="http://schemas.microsoft.com/office/drawing/2010/main">
-                <a:solidFill>
-                  <a:srgbClr val="FFFFFF"/>
-                </a:solidFill>
-              </a14:hiddenFill>
-            </a:ext>
-          </a:extLst>
-        </p:spPr>
-        <p:txBody>
-          <a:bodyPr vert="horz" wrap="square" lIns="91440" tIns="45720" rIns="91440" bIns="45720" numCol="1" anchor="t" anchorCtr="0" compatLnSpc="1">
-            <a:prstTxWarp prst="textNoShape">
-              <a:avLst/>
-            </a:prstTxWarp>
-          </a:bodyPr>
-          <a:lstStyle/>
-          <a:p>
-            <a:endParaRPr lang="en-US"/>
-          </a:p>
-        </p:txBody>
-      </p:sp>
-      <p:pic>
-        <p:nvPicPr>
-          <p:cNvPr id="9" name="Picture 8">
-            <a:extLst>
-              <a:ext uri="{FF2B5EF4-FFF2-40B4-BE49-F238E27FC236}">
-                <a16:creationId xmlns:a16="http://schemas.microsoft.com/office/drawing/2014/main" id="{51B0968E-01CD-F26F-3B78-FEDBDD032F2E}"/>
+                <a16:creationId xmlns:a16="http://schemas.microsoft.com/office/drawing/2014/main" id="{E1CBB64D-74C9-94EE-1532-B2102D356DC5}"/>
               </a:ext>
             </a:extLst>
           </p:cNvPr>
@@ -3113,149 +2986,150 @@
           <p:nvPr/>
         </p:nvPicPr>
         <p:blipFill>
-          <a:blip r:embed="rId3"/>
+          <a:blip r:embed="rId2">
+            <a:duotone>
+              <a:prstClr val="black"/>
+              <a:schemeClr val="tx2">
+                <a:tint val="45000"/>
+                <a:satMod val="400000"/>
+              </a:schemeClr>
+            </a:duotone>
+            <a:extLst>
+              <a:ext uri="{BEBA8EAE-BF5A-486C-A8C5-ECC9F3942E4B}">
+                <a14:imgProps xmlns:a14="http://schemas.microsoft.com/office/drawing/2010/main">
+                  <a14:imgLayer r:embed="rId3">
+                    <a14:imgEffect>
+                      <a14:saturation sat="33000"/>
+                    </a14:imgEffect>
+                  </a14:imgLayer>
+                </a14:imgProps>
+              </a:ext>
+            </a:extLst>
+          </a:blip>
           <a:stretch>
             <a:fillRect/>
           </a:stretch>
         </p:blipFill>
         <p:spPr>
           <a:xfrm>
-            <a:off x="165833" y="2402324"/>
-            <a:ext cx="1504938" cy="627058"/>
+            <a:off x="0" y="0"/>
+            <a:ext cx="6422936" cy="3363388"/>
           </a:xfrm>
           <a:prstGeom prst="rect">
             <a:avLst/>
           </a:prstGeom>
         </p:spPr>
       </p:pic>
-      <p:sp>
-        <p:nvSpPr>
-          <p:cNvPr id="10" name="AutoShape 6">
+      <p:grpSp>
+        <p:nvGrpSpPr>
+          <p:cNvPr id="11" name="Group 10">
             <a:extLst>
               <a:ext uri="{FF2B5EF4-FFF2-40B4-BE49-F238E27FC236}">
-                <a16:creationId xmlns:a16="http://schemas.microsoft.com/office/drawing/2014/main" id="{08B62385-CE0C-9E79-30D1-BA728C928F82}"/>
+                <a16:creationId xmlns:a16="http://schemas.microsoft.com/office/drawing/2014/main" id="{4AA752BA-38B9-80A9-4347-5FC136F95E76}"/>
               </a:ext>
             </a:extLst>
           </p:cNvPr>
-          <p:cNvSpPr>
-            <a:spLocks noChangeAspect="1" noChangeArrowheads="1"/>
-          </p:cNvSpPr>
+          <p:cNvGrpSpPr/>
           <p:nvPr/>
-        </p:nvSpPr>
-        <p:spPr bwMode="auto">
-          <a:xfrm>
-            <a:off x="4881562" y="5780612"/>
-            <a:ext cx="304800" cy="304800"/>
-          </a:xfrm>
-          <a:prstGeom prst="rect">
-            <a:avLst/>
-          </a:prstGeom>
-          <a:noFill/>
-          <a:extLst>
-            <a:ext uri="{909E8E84-426E-40DD-AFC4-6F175D3DCCD1}">
-              <a14:hiddenFill xmlns:a14="http://schemas.microsoft.com/office/drawing/2010/main">
-                <a:solidFill>
-                  <a:srgbClr val="FFFFFF"/>
-                </a:solidFill>
-              </a14:hiddenFill>
-            </a:ext>
-          </a:extLst>
-        </p:spPr>
-        <p:txBody>
-          <a:bodyPr vert="horz" wrap="square" lIns="91440" tIns="45720" rIns="91440" bIns="45720" numCol="1" anchor="t" anchorCtr="0" compatLnSpc="1">
-            <a:prstTxWarp prst="textNoShape">
+        </p:nvGrpSpPr>
+        <p:grpSpPr>
+          <a:xfrm>
+            <a:off x="2479012" y="125508"/>
+            <a:ext cx="3852215" cy="4717473"/>
+            <a:chOff x="4860843" y="1383147"/>
+            <a:chExt cx="4356707" cy="5474853"/>
+          </a:xfrm>
+        </p:grpSpPr>
+        <p:pic>
+          <p:nvPicPr>
+            <p:cNvPr id="12" name="Picture 11">
+              <a:extLst>
+                <a:ext uri="{FF2B5EF4-FFF2-40B4-BE49-F238E27FC236}">
+                  <a16:creationId xmlns:a16="http://schemas.microsoft.com/office/drawing/2014/main" id="{C1DE035E-0FBC-23D0-36D5-851BE8E22916}"/>
+                </a:ext>
+              </a:extLst>
+            </p:cNvPr>
+            <p:cNvPicPr>
+              <a:picLocks noChangeAspect="1" noChangeArrowheads="1"/>
+            </p:cNvPicPr>
+            <p:nvPr/>
+          </p:nvPicPr>
+          <p:blipFill>
+            <a:blip r:embed="rId4">
+              <a:extLst>
+                <a:ext uri="{28A0092B-C50C-407E-A947-70E740481C1C}">
+                  <a14:useLocalDpi xmlns:a14="http://schemas.microsoft.com/office/drawing/2010/main" val="0"/>
+                </a:ext>
+              </a:extLst>
+            </a:blip>
+            <a:srcRect/>
+            <a:stretch>
+              <a:fillRect/>
+            </a:stretch>
+          </p:blipFill>
+          <p:spPr bwMode="auto">
+            <a:xfrm>
+              <a:off x="4860843" y="1383147"/>
+              <a:ext cx="4356707" cy="5474853"/>
+            </a:xfrm>
+            <a:prstGeom prst="rect">
               <a:avLst/>
-            </a:prstTxWarp>
-          </a:bodyPr>
-          <a:lstStyle/>
-          <a:p>
-            <a:endParaRPr lang="en-US"/>
-          </a:p>
-        </p:txBody>
-      </p:sp>
+            </a:prstGeom>
+            <a:noFill/>
+            <a:extLst>
+              <a:ext uri="{909E8E84-426E-40DD-AFC4-6F175D3DCCD1}">
+                <a14:hiddenFill xmlns:a14="http://schemas.microsoft.com/office/drawing/2010/main">
+                  <a:solidFill>
+                    <a:srgbClr val="FFFFFF"/>
+                  </a:solidFill>
+                </a14:hiddenFill>
+              </a:ext>
+            </a:extLst>
+          </p:spPr>
+        </p:pic>
+        <p:pic>
+          <p:nvPicPr>
+            <p:cNvPr id="14" name="Picture 13">
+              <a:extLst>
+                <a:ext uri="{FF2B5EF4-FFF2-40B4-BE49-F238E27FC236}">
+                  <a16:creationId xmlns:a16="http://schemas.microsoft.com/office/drawing/2014/main" id="{D4E9F3EC-733F-C70D-7804-58E1BF471D81}"/>
+                </a:ext>
+              </a:extLst>
+            </p:cNvPr>
+            <p:cNvPicPr>
+              <a:picLocks noChangeAspect="1"/>
+            </p:cNvPicPr>
+            <p:nvPr/>
+          </p:nvPicPr>
+          <p:blipFill>
+            <a:blip r:embed="rId5">
+              <a:extLst>
+                <a:ext uri="{28A0092B-C50C-407E-A947-70E740481C1C}">
+                  <a14:useLocalDpi xmlns:a14="http://schemas.microsoft.com/office/drawing/2010/main" val="0"/>
+                </a:ext>
+              </a:extLst>
+            </a:blip>
+            <a:stretch>
+              <a:fillRect/>
+            </a:stretch>
+          </p:blipFill>
+          <p:spPr>
+            <a:xfrm rot="21432795">
+              <a:off x="5026055" y="4112237"/>
+              <a:ext cx="419665" cy="396739"/>
+            </a:xfrm>
+            <a:prstGeom prst="rect">
+              <a:avLst/>
+            </a:prstGeom>
+          </p:spPr>
+        </p:pic>
+      </p:grpSp>
       <p:pic>
         <p:nvPicPr>
-          <p:cNvPr id="1032" name="Picture 8" descr="YouTube">
+          <p:cNvPr id="1026" name="Picture 2">
             <a:extLst>
               <a:ext uri="{FF2B5EF4-FFF2-40B4-BE49-F238E27FC236}">
-                <a16:creationId xmlns:a16="http://schemas.microsoft.com/office/drawing/2014/main" id="{09B174C1-FD9F-471A-1364-8517DAF38C55}"/>
-              </a:ext>
-            </a:extLst>
-          </p:cNvPr>
-          <p:cNvPicPr>
-            <a:picLocks noChangeAspect="1" noChangeArrowheads="1"/>
-          </p:cNvPicPr>
-          <p:nvPr/>
-        </p:nvPicPr>
-        <p:blipFill>
-          <a:blip r:embed="rId4">
-            <a:extLst>
-              <a:ext uri="{28A0092B-C50C-407E-A947-70E740481C1C}">
-                <a14:useLocalDpi xmlns:a14="http://schemas.microsoft.com/office/drawing/2010/main" val="0"/>
-              </a:ext>
-            </a:extLst>
-          </a:blip>
-          <a:srcRect/>
-          <a:stretch>
-            <a:fillRect/>
-          </a:stretch>
-        </p:blipFill>
-        <p:spPr bwMode="auto">
-          <a:xfrm>
-            <a:off x="5139396" y="8629656"/>
-            <a:ext cx="400751" cy="400751"/>
-          </a:xfrm>
-          <a:prstGeom prst="rect">
-            <a:avLst/>
-          </a:prstGeom>
-          <a:noFill/>
-          <a:extLst>
-            <a:ext uri="{909E8E84-426E-40DD-AFC4-6F175D3DCCD1}">
-              <a14:hiddenFill xmlns:a14="http://schemas.microsoft.com/office/drawing/2010/main">
-                <a:solidFill>
-                  <a:srgbClr val="FFFFFF"/>
-                </a:solidFill>
-              </a14:hiddenFill>
-            </a:ext>
-          </a:extLst>
-        </p:spPr>
-      </p:pic>
-      <p:pic>
-        <p:nvPicPr>
-          <p:cNvPr id="13" name="Picture 12">
-            <a:extLst>
-              <a:ext uri="{FF2B5EF4-FFF2-40B4-BE49-F238E27FC236}">
-                <a16:creationId xmlns:a16="http://schemas.microsoft.com/office/drawing/2014/main" id="{1B10D8FB-DD14-ED8F-3663-7285F6D36A95}"/>
-              </a:ext>
-            </a:extLst>
-          </p:cNvPr>
-          <p:cNvPicPr>
-            <a:picLocks noChangeAspect="1"/>
-          </p:cNvPicPr>
-          <p:nvPr/>
-        </p:nvPicPr>
-        <p:blipFill>
-          <a:blip r:embed="rId5"/>
-          <a:stretch>
-            <a:fillRect/>
-          </a:stretch>
-        </p:blipFill>
-        <p:spPr>
-          <a:xfrm>
-            <a:off x="5902247" y="8699446"/>
-            <a:ext cx="284384" cy="284384"/>
-          </a:xfrm>
-          <a:prstGeom prst="rect">
-            <a:avLst/>
-          </a:prstGeom>
-        </p:spPr>
-      </p:pic>
-      <p:pic>
-        <p:nvPicPr>
-          <p:cNvPr id="1036" name="Picture 12" descr="LinkedIn">
-            <a:extLst>
-              <a:ext uri="{FF2B5EF4-FFF2-40B4-BE49-F238E27FC236}">
-                <a16:creationId xmlns:a16="http://schemas.microsoft.com/office/drawing/2014/main" id="{B8728633-2A06-8D51-9CB4-DD25478D0E4D}"/>
+                <a16:creationId xmlns:a16="http://schemas.microsoft.com/office/drawing/2014/main" id="{681B7FFA-2532-C1EE-1C21-2FDB24C2F117}"/>
               </a:ext>
             </a:extLst>
           </p:cNvPr>
@@ -3279,8 +3153,8 @@
         </p:blipFill>
         <p:spPr bwMode="auto">
           <a:xfrm>
-            <a:off x="4760863" y="8641263"/>
-            <a:ext cx="400751" cy="400751"/>
+            <a:off x="213573" y="200546"/>
+            <a:ext cx="3307373" cy="1110623"/>
           </a:xfrm>
           <a:prstGeom prst="rect">
             <a:avLst/>
@@ -3297,12 +3171,142 @@
           </a:extLst>
         </p:spPr>
       </p:pic>
+      <p:sp>
+        <p:nvSpPr>
+          <p:cNvPr id="7" name="TextBox 6">
+            <a:extLst>
+              <a:ext uri="{FF2B5EF4-FFF2-40B4-BE49-F238E27FC236}">
+                <a16:creationId xmlns:a16="http://schemas.microsoft.com/office/drawing/2014/main" id="{0CAEC218-7251-50A8-E97C-A8D380973EFD}"/>
+              </a:ext>
+            </a:extLst>
+          </p:cNvPr>
+          <p:cNvSpPr txBox="1"/>
+          <p:nvPr/>
+        </p:nvSpPr>
+        <p:spPr>
+          <a:xfrm>
+            <a:off x="3579055" y="2816309"/>
+            <a:ext cx="2363616" cy="369849"/>
+          </a:xfrm>
+          <a:prstGeom prst="rect">
+            <a:avLst/>
+          </a:prstGeom>
+          <a:noFill/>
+        </p:spPr>
+        <p:txBody>
+          <a:bodyPr wrap="square" rtlCol="0">
+            <a:spAutoFit/>
+          </a:bodyPr>
+          <a:lstStyle/>
+          <a:p>
+            <a:r>
+              <a:rPr lang="en-US" b="1" dirty="0">
+                <a:solidFill>
+                  <a:schemeClr val="bg1"/>
+                </a:solidFill>
+                <a:latin typeface="Oxygen" panose="02000503000000000000" pitchFamily="2" charset="0"/>
+              </a:rPr>
+              <a:t>Download our app!</a:t>
+            </a:r>
+          </a:p>
+        </p:txBody>
+      </p:sp>
+      <p:sp>
+        <p:nvSpPr>
+          <p:cNvPr id="8" name="AutoShape 4">
+            <a:extLst>
+              <a:ext uri="{FF2B5EF4-FFF2-40B4-BE49-F238E27FC236}">
+                <a16:creationId xmlns:a16="http://schemas.microsoft.com/office/drawing/2014/main" id="{1318FC0C-697E-A4A7-9959-76F6F061A167}"/>
+              </a:ext>
+            </a:extLst>
+          </p:cNvPr>
+          <p:cNvSpPr>
+            <a:spLocks noChangeAspect="1" noChangeArrowheads="1"/>
+          </p:cNvSpPr>
+          <p:nvPr/>
+        </p:nvSpPr>
+        <p:spPr bwMode="auto">
+          <a:xfrm>
+            <a:off x="4729162" y="5628212"/>
+            <a:ext cx="304800" cy="304800"/>
+          </a:xfrm>
+          <a:prstGeom prst="rect">
+            <a:avLst/>
+          </a:prstGeom>
+          <a:noFill/>
+          <a:extLst>
+            <a:ext uri="{909E8E84-426E-40DD-AFC4-6F175D3DCCD1}">
+              <a14:hiddenFill xmlns:a14="http://schemas.microsoft.com/office/drawing/2010/main">
+                <a:solidFill>
+                  <a:srgbClr val="FFFFFF"/>
+                </a:solidFill>
+              </a14:hiddenFill>
+            </a:ext>
+          </a:extLst>
+        </p:spPr>
+        <p:txBody>
+          <a:bodyPr vert="horz" wrap="square" lIns="91440" tIns="45720" rIns="91440" bIns="45720" numCol="1" anchor="t" anchorCtr="0" compatLnSpc="1">
+            <a:prstTxWarp prst="textNoShape">
+              <a:avLst/>
+            </a:prstTxWarp>
+          </a:bodyPr>
+          <a:lstStyle/>
+          <a:p>
+            <a:endParaRPr lang="en-US"/>
+          </a:p>
+        </p:txBody>
+      </p:sp>
+      <p:sp>
+        <p:nvSpPr>
+          <p:cNvPr id="10" name="AutoShape 6">
+            <a:extLst>
+              <a:ext uri="{FF2B5EF4-FFF2-40B4-BE49-F238E27FC236}">
+                <a16:creationId xmlns:a16="http://schemas.microsoft.com/office/drawing/2014/main" id="{08B62385-CE0C-9E79-30D1-BA728C928F82}"/>
+              </a:ext>
+            </a:extLst>
+          </p:cNvPr>
+          <p:cNvSpPr>
+            <a:spLocks noChangeAspect="1" noChangeArrowheads="1"/>
+          </p:cNvSpPr>
+          <p:nvPr/>
+        </p:nvSpPr>
+        <p:spPr bwMode="auto">
+          <a:xfrm>
+            <a:off x="4881562" y="5780612"/>
+            <a:ext cx="304800" cy="304800"/>
+          </a:xfrm>
+          <a:prstGeom prst="rect">
+            <a:avLst/>
+          </a:prstGeom>
+          <a:noFill/>
+          <a:extLst>
+            <a:ext uri="{909E8E84-426E-40DD-AFC4-6F175D3DCCD1}">
+              <a14:hiddenFill xmlns:a14="http://schemas.microsoft.com/office/drawing/2010/main">
+                <a:solidFill>
+                  <a:srgbClr val="FFFFFF"/>
+                </a:solidFill>
+              </a14:hiddenFill>
+            </a:ext>
+          </a:extLst>
+        </p:spPr>
+        <p:txBody>
+          <a:bodyPr vert="horz" wrap="square" lIns="91440" tIns="45720" rIns="91440" bIns="45720" numCol="1" anchor="t" anchorCtr="0" compatLnSpc="1">
+            <a:prstTxWarp prst="textNoShape">
+              <a:avLst/>
+            </a:prstTxWarp>
+          </a:bodyPr>
+          <a:lstStyle/>
+          <a:p>
+            <a:endParaRPr lang="en-US"/>
+          </a:p>
+        </p:txBody>
+      </p:sp>
       <p:pic>
         <p:nvPicPr>
-          <p:cNvPr id="1038" name="Picture 14" descr="Instagram">
+          <p:cNvPr id="1032" name="Picture 8" descr="YouTube">
             <a:extLst>
               <a:ext uri="{FF2B5EF4-FFF2-40B4-BE49-F238E27FC236}">
-                <a16:creationId xmlns:a16="http://schemas.microsoft.com/office/drawing/2014/main" id="{5B65458A-DA92-EF42-2471-59EB8411655C}"/>
+                <a16:creationId xmlns:a16="http://schemas.microsoft.com/office/drawing/2014/main" id="{09B174C1-FD9F-471A-1364-8517DAF38C55}"/>
               </a:ext>
             </a:extLst>
           </p:cNvPr>
@@ -3326,8 +3330,8 @@
         </p:blipFill>
         <p:spPr bwMode="auto">
           <a:xfrm>
-            <a:off x="4428286" y="8659479"/>
-            <a:ext cx="364319" cy="364319"/>
+            <a:off x="5139396" y="8629656"/>
+            <a:ext cx="400751" cy="400751"/>
           </a:xfrm>
           <a:prstGeom prst="rect">
             <a:avLst/>
@@ -3346,137 +3350,40 @@
       </p:pic>
       <p:pic>
         <p:nvPicPr>
-          <p:cNvPr id="1040" name="Picture 16" descr="Facebook">
+          <p:cNvPr id="13" name="Picture 12">
             <a:extLst>
               <a:ext uri="{FF2B5EF4-FFF2-40B4-BE49-F238E27FC236}">
-                <a16:creationId xmlns:a16="http://schemas.microsoft.com/office/drawing/2014/main" id="{B4A5D98E-C1D2-6716-5F84-4EE2F8A69089}"/>
+                <a16:creationId xmlns:a16="http://schemas.microsoft.com/office/drawing/2014/main" id="{1B10D8FB-DD14-ED8F-3663-7285F6D36A95}"/>
               </a:ext>
             </a:extLst>
           </p:cNvPr>
           <p:cNvPicPr>
-            <a:picLocks noChangeAspect="1" noChangeArrowheads="1"/>
+            <a:picLocks noChangeAspect="1"/>
           </p:cNvPicPr>
           <p:nvPr/>
         </p:nvPicPr>
         <p:blipFill>
-          <a:blip r:embed="rId8">
-            <a:extLst>
-              <a:ext uri="{28A0092B-C50C-407E-A947-70E740481C1C}">
-                <a14:useLocalDpi xmlns:a14="http://schemas.microsoft.com/office/drawing/2010/main" val="0"/>
-              </a:ext>
-            </a:extLst>
-          </a:blip>
-          <a:srcRect/>
+          <a:blip r:embed="rId8"/>
           <a:stretch>
             <a:fillRect/>
           </a:stretch>
         </p:blipFill>
-        <p:spPr bwMode="auto">
-          <a:xfrm>
-            <a:off x="5475973" y="8633786"/>
-            <a:ext cx="396751" cy="396751"/>
+        <p:spPr>
+          <a:xfrm>
+            <a:off x="5902247" y="8699446"/>
+            <a:ext cx="284384" cy="284384"/>
           </a:xfrm>
           <a:prstGeom prst="rect">
             <a:avLst/>
           </a:prstGeom>
-          <a:noFill/>
-          <a:extLst>
-            <a:ext uri="{909E8E84-426E-40DD-AFC4-6F175D3DCCD1}">
-              <a14:hiddenFill xmlns:a14="http://schemas.microsoft.com/office/drawing/2010/main">
-                <a:solidFill>
-                  <a:srgbClr val="FFFFFF"/>
-                </a:solidFill>
-              </a14:hiddenFill>
-            </a:ext>
-          </a:extLst>
         </p:spPr>
       </p:pic>
-      <p:sp>
-        <p:nvSpPr>
-          <p:cNvPr id="16" name="TextBox 15">
+      <p:pic>
+        <p:nvPicPr>
+          <p:cNvPr id="1036" name="Picture 12" descr="LinkedIn">
             <a:extLst>
               <a:ext uri="{FF2B5EF4-FFF2-40B4-BE49-F238E27FC236}">
-                <a16:creationId xmlns:a16="http://schemas.microsoft.com/office/drawing/2014/main" id="{86454AE3-F3EA-647E-7691-F4A099F3977E}"/>
-              </a:ext>
-            </a:extLst>
-          </p:cNvPr>
-          <p:cNvSpPr txBox="1"/>
-          <p:nvPr/>
-        </p:nvSpPr>
-        <p:spPr>
-          <a:xfrm>
-            <a:off x="180964" y="7688996"/>
-            <a:ext cx="3139639" cy="307777"/>
-          </a:xfrm>
-          <a:prstGeom prst="rect">
-            <a:avLst/>
-          </a:prstGeom>
-          <a:noFill/>
-        </p:spPr>
-        <p:txBody>
-          <a:bodyPr wrap="square" rtlCol="0">
-            <a:spAutoFit/>
-          </a:bodyPr>
-          <a:lstStyle/>
-          <a:p>
-            <a:r>
-              <a:rPr lang="en-US" sz="1400" b="1" u="sng" dirty="0">
-                <a:solidFill>
-                  <a:srgbClr val="0070C0"/>
-                </a:solidFill>
-                <a:latin typeface="Oxygen" panose="02000503000000000000" pitchFamily="2" charset="0"/>
-              </a:rPr>
-              <a:t>https://www.anodiam.com</a:t>
-            </a:r>
-          </a:p>
-        </p:txBody>
-      </p:sp>
-      <p:sp>
-        <p:nvSpPr>
-          <p:cNvPr id="18" name="TextBox 17">
-            <a:extLst>
-              <a:ext uri="{FF2B5EF4-FFF2-40B4-BE49-F238E27FC236}">
-                <a16:creationId xmlns:a16="http://schemas.microsoft.com/office/drawing/2014/main" id="{CA3899F6-61B9-3E5F-D67E-11AD26FC8758}"/>
-              </a:ext>
-            </a:extLst>
-          </p:cNvPr>
-          <p:cNvSpPr txBox="1"/>
-          <p:nvPr/>
-        </p:nvSpPr>
-        <p:spPr>
-          <a:xfrm>
-            <a:off x="180964" y="7365831"/>
-            <a:ext cx="3838575" cy="307777"/>
-          </a:xfrm>
-          <a:prstGeom prst="rect">
-            <a:avLst/>
-          </a:prstGeom>
-          <a:noFill/>
-        </p:spPr>
-        <p:txBody>
-          <a:bodyPr wrap="square">
-            <a:spAutoFit/>
-          </a:bodyPr>
-          <a:lstStyle/>
-          <a:p>
-            <a:r>
-              <a:rPr lang="en-US" sz="1400" b="1" u="sng" dirty="0">
-                <a:solidFill>
-                  <a:srgbClr val="0070C0"/>
-                </a:solidFill>
-                <a:latin typeface="Oxygen" panose="02000503000000000000" pitchFamily="2" charset="0"/>
-              </a:rPr>
-              <a:t>https://sites.google.com/view/anodiam</a:t>
-            </a:r>
-          </a:p>
-        </p:txBody>
-      </p:sp>
-      <p:pic>
-        <p:nvPicPr>
-          <p:cNvPr id="1042" name="Picture 18">
-            <a:extLst>
-              <a:ext uri="{FF2B5EF4-FFF2-40B4-BE49-F238E27FC236}">
-                <a16:creationId xmlns:a16="http://schemas.microsoft.com/office/drawing/2014/main" id="{D0E7CDB8-793D-8E2C-6369-7D35A165B777}"/>
+                <a16:creationId xmlns:a16="http://schemas.microsoft.com/office/drawing/2014/main" id="{B8728633-2A06-8D51-9CB4-DD25478D0E4D}"/>
               </a:ext>
             </a:extLst>
           </p:cNvPr>
@@ -3500,8 +3407,8 @@
         </p:blipFill>
         <p:spPr bwMode="auto">
           <a:xfrm>
-            <a:off x="276940" y="8034944"/>
-            <a:ext cx="253833" cy="253833"/>
+            <a:off x="4760863" y="8641263"/>
+            <a:ext cx="400751" cy="400751"/>
           </a:xfrm>
           <a:prstGeom prst="rect">
             <a:avLst/>
@@ -3518,103 +3425,59 @@
           </a:extLst>
         </p:spPr>
       </p:pic>
-      <p:sp>
-        <p:nvSpPr>
-          <p:cNvPr id="19" name="TextBox 18">
+      <p:pic>
+        <p:nvPicPr>
+          <p:cNvPr id="1038" name="Picture 14" descr="Instagram">
             <a:extLst>
               <a:ext uri="{FF2B5EF4-FFF2-40B4-BE49-F238E27FC236}">
-                <a16:creationId xmlns:a16="http://schemas.microsoft.com/office/drawing/2014/main" id="{B022CFE3-2EFE-7D26-730F-B712DDA0804C}"/>
+                <a16:creationId xmlns:a16="http://schemas.microsoft.com/office/drawing/2014/main" id="{5B65458A-DA92-EF42-2471-59EB8411655C}"/>
               </a:ext>
             </a:extLst>
           </p:cNvPr>
-          <p:cNvSpPr txBox="1"/>
+          <p:cNvPicPr>
+            <a:picLocks noChangeAspect="1" noChangeArrowheads="1"/>
+          </p:cNvPicPr>
           <p:nvPr/>
-        </p:nvSpPr>
-        <p:spPr>
-          <a:xfrm>
-            <a:off x="555536" y="8070680"/>
-            <a:ext cx="2526942" cy="276999"/>
+        </p:nvPicPr>
+        <p:blipFill>
+          <a:blip r:embed="rId10">
+            <a:extLst>
+              <a:ext uri="{28A0092B-C50C-407E-A947-70E740481C1C}">
+                <a14:useLocalDpi xmlns:a14="http://schemas.microsoft.com/office/drawing/2010/main" val="0"/>
+              </a:ext>
+            </a:extLst>
+          </a:blip>
+          <a:srcRect/>
+          <a:stretch>
+            <a:fillRect/>
+          </a:stretch>
+        </p:blipFill>
+        <p:spPr bwMode="auto">
+          <a:xfrm>
+            <a:off x="4428286" y="8659479"/>
+            <a:ext cx="364319" cy="364319"/>
           </a:xfrm>
           <a:prstGeom prst="rect">
             <a:avLst/>
           </a:prstGeom>
           <a:noFill/>
-        </p:spPr>
-        <p:txBody>
-          <a:bodyPr wrap="square">
-            <a:spAutoFit/>
-          </a:bodyPr>
-          <a:lstStyle/>
-          <a:p>
-            <a:pPr rtl="0" fontAlgn="t"/>
-            <a:r>
-              <a:rPr lang="en-US" sz="1200" b="1" dirty="0">
+          <a:extLst>
+            <a:ext uri="{909E8E84-426E-40DD-AFC4-6F175D3DCCD1}">
+              <a14:hiddenFill xmlns:a14="http://schemas.microsoft.com/office/drawing/2010/main">
                 <a:solidFill>
-                  <a:srgbClr val="FF8C53"/>
+                  <a:srgbClr val="FFFFFF"/>
                 </a:solidFill>
-                <a:latin typeface="Oxygen" panose="02000503000000000000" pitchFamily="2" charset="0"/>
-              </a:rPr>
-              <a:t>N-1/25 Patuli Kolkata 700094</a:t>
-            </a:r>
-          </a:p>
-        </p:txBody>
-      </p:sp>
-      <p:sp>
-        <p:nvSpPr>
-          <p:cNvPr id="20" name="TextBox 19">
+              </a14:hiddenFill>
+            </a:ext>
+          </a:extLst>
+        </p:spPr>
+      </p:pic>
+      <p:pic>
+        <p:nvPicPr>
+          <p:cNvPr id="1040" name="Picture 16" descr="Facebook">
             <a:extLst>
               <a:ext uri="{FF2B5EF4-FFF2-40B4-BE49-F238E27FC236}">
-                <a16:creationId xmlns:a16="http://schemas.microsoft.com/office/drawing/2014/main" id="{0960518D-238A-76F3-AF24-538B464A60B9}"/>
-              </a:ext>
-            </a:extLst>
-          </p:cNvPr>
-          <p:cNvSpPr txBox="1"/>
-          <p:nvPr/>
-        </p:nvSpPr>
-        <p:spPr>
-          <a:xfrm>
-            <a:off x="555536" y="8379996"/>
-            <a:ext cx="2667000" cy="276999"/>
-          </a:xfrm>
-          <a:prstGeom prst="rect">
-            <a:avLst/>
-          </a:prstGeom>
-          <a:noFill/>
-        </p:spPr>
-        <p:txBody>
-          <a:bodyPr wrap="square">
-            <a:spAutoFit/>
-          </a:bodyPr>
-          <a:lstStyle/>
-          <a:p>
-            <a:pPr rtl="0" fontAlgn="t"/>
-            <a:r>
-              <a:rPr lang="en-US" sz="1200" b="1" i="0" u="sng" strike="noStrike" dirty="0">
-                <a:solidFill>
-                  <a:srgbClr val="000000"/>
-                </a:solidFill>
-                <a:effectLst/>
-                <a:latin typeface="Oxygen" panose="02000503000000000000" pitchFamily="2" charset="0"/>
-                <a:hlinkClick r:id="rId10"/>
-              </a:rPr>
-              <a:t>anirban@anodiam.com</a:t>
-            </a:r>
-            <a:endParaRPr lang="en-US" sz="1200" b="0" i="0" dirty="0">
-              <a:solidFill>
-                <a:srgbClr val="212121"/>
-              </a:solidFill>
-              <a:effectLst/>
-              <a:latin typeface="Lato" panose="020F0502020204030204" pitchFamily="34" charset="0"/>
-            </a:endParaRPr>
-          </a:p>
-        </p:txBody>
-      </p:sp>
-      <p:pic>
-        <p:nvPicPr>
-          <p:cNvPr id="1046" name="Picture 22" descr="Mail Icon PNG Image | Mail icon, Email icon, Icon set design">
-            <a:extLst>
-              <a:ext uri="{FF2B5EF4-FFF2-40B4-BE49-F238E27FC236}">
-                <a16:creationId xmlns:a16="http://schemas.microsoft.com/office/drawing/2014/main" id="{F567ED39-0FD3-4DD0-977B-ED5C9666207E}"/>
+                <a16:creationId xmlns:a16="http://schemas.microsoft.com/office/drawing/2014/main" id="{B4A5D98E-C1D2-6716-5F84-4EE2F8A69089}"/>
               </a:ext>
             </a:extLst>
           </p:cNvPr>
@@ -3638,6 +3501,271 @@
         </p:blipFill>
         <p:spPr bwMode="auto">
           <a:xfrm>
+            <a:off x="5475973" y="8633786"/>
+            <a:ext cx="396751" cy="396751"/>
+          </a:xfrm>
+          <a:prstGeom prst="rect">
+            <a:avLst/>
+          </a:prstGeom>
+          <a:noFill/>
+          <a:extLst>
+            <a:ext uri="{909E8E84-426E-40DD-AFC4-6F175D3DCCD1}">
+              <a14:hiddenFill xmlns:a14="http://schemas.microsoft.com/office/drawing/2010/main">
+                <a:solidFill>
+                  <a:srgbClr val="FFFFFF"/>
+                </a:solidFill>
+              </a14:hiddenFill>
+            </a:ext>
+          </a:extLst>
+        </p:spPr>
+      </p:pic>
+      <p:sp>
+        <p:nvSpPr>
+          <p:cNvPr id="16" name="TextBox 15">
+            <a:extLst>
+              <a:ext uri="{FF2B5EF4-FFF2-40B4-BE49-F238E27FC236}">
+                <a16:creationId xmlns:a16="http://schemas.microsoft.com/office/drawing/2014/main" id="{86454AE3-F3EA-647E-7691-F4A099F3977E}"/>
+              </a:ext>
+            </a:extLst>
+          </p:cNvPr>
+          <p:cNvSpPr txBox="1"/>
+          <p:nvPr/>
+        </p:nvSpPr>
+        <p:spPr>
+          <a:xfrm>
+            <a:off x="180964" y="7688996"/>
+            <a:ext cx="3139639" cy="307777"/>
+          </a:xfrm>
+          <a:prstGeom prst="rect">
+            <a:avLst/>
+          </a:prstGeom>
+          <a:noFill/>
+        </p:spPr>
+        <p:txBody>
+          <a:bodyPr wrap="square" rtlCol="0">
+            <a:spAutoFit/>
+          </a:bodyPr>
+          <a:lstStyle/>
+          <a:p>
+            <a:r>
+              <a:rPr lang="en-US" sz="1400" b="1" u="sng" dirty="0">
+                <a:solidFill>
+                  <a:srgbClr val="0070C0"/>
+                </a:solidFill>
+                <a:latin typeface="Oxygen" panose="02000503000000000000" pitchFamily="2" charset="0"/>
+              </a:rPr>
+              <a:t>https://www.anodiam.com</a:t>
+            </a:r>
+          </a:p>
+        </p:txBody>
+      </p:sp>
+      <p:sp>
+        <p:nvSpPr>
+          <p:cNvPr id="18" name="TextBox 17">
+            <a:extLst>
+              <a:ext uri="{FF2B5EF4-FFF2-40B4-BE49-F238E27FC236}">
+                <a16:creationId xmlns:a16="http://schemas.microsoft.com/office/drawing/2014/main" id="{CA3899F6-61B9-3E5F-D67E-11AD26FC8758}"/>
+              </a:ext>
+            </a:extLst>
+          </p:cNvPr>
+          <p:cNvSpPr txBox="1"/>
+          <p:nvPr/>
+        </p:nvSpPr>
+        <p:spPr>
+          <a:xfrm>
+            <a:off x="180964" y="7365831"/>
+            <a:ext cx="3838575" cy="307777"/>
+          </a:xfrm>
+          <a:prstGeom prst="rect">
+            <a:avLst/>
+          </a:prstGeom>
+          <a:noFill/>
+        </p:spPr>
+        <p:txBody>
+          <a:bodyPr wrap="square">
+            <a:spAutoFit/>
+          </a:bodyPr>
+          <a:lstStyle/>
+          <a:p>
+            <a:r>
+              <a:rPr lang="en-US" sz="1400" b="1" u="sng" dirty="0">
+                <a:solidFill>
+                  <a:srgbClr val="0070C0"/>
+                </a:solidFill>
+                <a:latin typeface="Oxygen" panose="02000503000000000000" pitchFamily="2" charset="0"/>
+              </a:rPr>
+              <a:t>https://sites.google.com/view/anodiam</a:t>
+            </a:r>
+          </a:p>
+        </p:txBody>
+      </p:sp>
+      <p:pic>
+        <p:nvPicPr>
+          <p:cNvPr id="1042" name="Picture 18">
+            <a:extLst>
+              <a:ext uri="{FF2B5EF4-FFF2-40B4-BE49-F238E27FC236}">
+                <a16:creationId xmlns:a16="http://schemas.microsoft.com/office/drawing/2014/main" id="{D0E7CDB8-793D-8E2C-6369-7D35A165B777}"/>
+              </a:ext>
+            </a:extLst>
+          </p:cNvPr>
+          <p:cNvPicPr>
+            <a:picLocks noChangeAspect="1" noChangeArrowheads="1"/>
+          </p:cNvPicPr>
+          <p:nvPr/>
+        </p:nvPicPr>
+        <p:blipFill>
+          <a:blip r:embed="rId12">
+            <a:extLst>
+              <a:ext uri="{28A0092B-C50C-407E-A947-70E740481C1C}">
+                <a14:useLocalDpi xmlns:a14="http://schemas.microsoft.com/office/drawing/2010/main" val="0"/>
+              </a:ext>
+            </a:extLst>
+          </a:blip>
+          <a:srcRect/>
+          <a:stretch>
+            <a:fillRect/>
+          </a:stretch>
+        </p:blipFill>
+        <p:spPr bwMode="auto">
+          <a:xfrm>
+            <a:off x="276940" y="8034944"/>
+            <a:ext cx="253833" cy="253833"/>
+          </a:xfrm>
+          <a:prstGeom prst="rect">
+            <a:avLst/>
+          </a:prstGeom>
+          <a:noFill/>
+          <a:extLst>
+            <a:ext uri="{909E8E84-426E-40DD-AFC4-6F175D3DCCD1}">
+              <a14:hiddenFill xmlns:a14="http://schemas.microsoft.com/office/drawing/2010/main">
+                <a:solidFill>
+                  <a:srgbClr val="FFFFFF"/>
+                </a:solidFill>
+              </a14:hiddenFill>
+            </a:ext>
+          </a:extLst>
+        </p:spPr>
+      </p:pic>
+      <p:sp>
+        <p:nvSpPr>
+          <p:cNvPr id="19" name="TextBox 18">
+            <a:extLst>
+              <a:ext uri="{FF2B5EF4-FFF2-40B4-BE49-F238E27FC236}">
+                <a16:creationId xmlns:a16="http://schemas.microsoft.com/office/drawing/2014/main" id="{B022CFE3-2EFE-7D26-730F-B712DDA0804C}"/>
+              </a:ext>
+            </a:extLst>
+          </p:cNvPr>
+          <p:cNvSpPr txBox="1"/>
+          <p:nvPr/>
+        </p:nvSpPr>
+        <p:spPr>
+          <a:xfrm>
+            <a:off x="555536" y="8070680"/>
+            <a:ext cx="2526942" cy="276999"/>
+          </a:xfrm>
+          <a:prstGeom prst="rect">
+            <a:avLst/>
+          </a:prstGeom>
+          <a:noFill/>
+        </p:spPr>
+        <p:txBody>
+          <a:bodyPr wrap="square">
+            <a:spAutoFit/>
+          </a:bodyPr>
+          <a:lstStyle/>
+          <a:p>
+            <a:pPr rtl="0" fontAlgn="t"/>
+            <a:r>
+              <a:rPr lang="en-US" sz="1200" b="1" dirty="0">
+                <a:solidFill>
+                  <a:srgbClr val="FF8C53"/>
+                </a:solidFill>
+                <a:latin typeface="Oxygen" panose="02000503000000000000" pitchFamily="2" charset="0"/>
+              </a:rPr>
+              <a:t>N-1/25 Patuli Kolkata 700094</a:t>
+            </a:r>
+          </a:p>
+        </p:txBody>
+      </p:sp>
+      <p:sp>
+        <p:nvSpPr>
+          <p:cNvPr id="20" name="TextBox 19">
+            <a:extLst>
+              <a:ext uri="{FF2B5EF4-FFF2-40B4-BE49-F238E27FC236}">
+                <a16:creationId xmlns:a16="http://schemas.microsoft.com/office/drawing/2014/main" id="{0960518D-238A-76F3-AF24-538B464A60B9}"/>
+              </a:ext>
+            </a:extLst>
+          </p:cNvPr>
+          <p:cNvSpPr txBox="1"/>
+          <p:nvPr/>
+        </p:nvSpPr>
+        <p:spPr>
+          <a:xfrm>
+            <a:off x="555536" y="8379996"/>
+            <a:ext cx="2667000" cy="276999"/>
+          </a:xfrm>
+          <a:prstGeom prst="rect">
+            <a:avLst/>
+          </a:prstGeom>
+          <a:noFill/>
+        </p:spPr>
+        <p:txBody>
+          <a:bodyPr wrap="square">
+            <a:spAutoFit/>
+          </a:bodyPr>
+          <a:lstStyle/>
+          <a:p>
+            <a:pPr rtl="0" fontAlgn="t"/>
+            <a:r>
+              <a:rPr lang="en-US" sz="1200" b="1" i="0" u="sng" strike="noStrike" dirty="0">
+                <a:solidFill>
+                  <a:srgbClr val="000000"/>
+                </a:solidFill>
+                <a:effectLst/>
+                <a:latin typeface="Oxygen" panose="02000503000000000000" pitchFamily="2" charset="0"/>
+                <a:hlinkClick r:id="rId13"/>
+              </a:rPr>
+              <a:t>anirban@anodiam.com</a:t>
+            </a:r>
+            <a:endParaRPr lang="en-US" sz="1200" b="0" i="0" dirty="0">
+              <a:solidFill>
+                <a:srgbClr val="212121"/>
+              </a:solidFill>
+              <a:effectLst/>
+              <a:latin typeface="Lato" panose="020F0502020204030204" pitchFamily="34" charset="0"/>
+            </a:endParaRPr>
+          </a:p>
+        </p:txBody>
+      </p:sp>
+      <p:pic>
+        <p:nvPicPr>
+          <p:cNvPr id="1046" name="Picture 22" descr="Mail Icon PNG Image | Mail icon, Email icon, Icon set design">
+            <a:extLst>
+              <a:ext uri="{FF2B5EF4-FFF2-40B4-BE49-F238E27FC236}">
+                <a16:creationId xmlns:a16="http://schemas.microsoft.com/office/drawing/2014/main" id="{F567ED39-0FD3-4DD0-977B-ED5C9666207E}"/>
+              </a:ext>
+            </a:extLst>
+          </p:cNvPr>
+          <p:cNvPicPr>
+            <a:picLocks noChangeAspect="1" noChangeArrowheads="1"/>
+          </p:cNvPicPr>
+          <p:nvPr/>
+        </p:nvPicPr>
+        <p:blipFill>
+          <a:blip r:embed="rId14">
+            <a:extLst>
+              <a:ext uri="{28A0092B-C50C-407E-A947-70E740481C1C}">
+                <a14:useLocalDpi xmlns:a14="http://schemas.microsoft.com/office/drawing/2010/main" val="0"/>
+              </a:ext>
+            </a:extLst>
+          </a:blip>
+          <a:srcRect/>
+          <a:stretch>
+            <a:fillRect/>
+          </a:stretch>
+        </p:blipFill>
+        <p:spPr bwMode="auto">
+          <a:xfrm>
             <a:off x="272569" y="8394933"/>
             <a:ext cx="262573" cy="247127"/>
           </a:xfrm>
@@ -3671,7 +3799,7 @@
           <p:nvPr/>
         </p:nvPicPr>
         <p:blipFill>
-          <a:blip r:embed="rId12"/>
+          <a:blip r:embed="rId15"/>
           <a:stretch>
             <a:fillRect/>
           </a:stretch>
@@ -3780,9 +3908,9 @@
           <p:nvPr/>
         </p:nvSpPr>
         <p:spPr>
-          <a:xfrm rot="20125490">
-            <a:off x="39688" y="1342104"/>
-            <a:ext cx="1077816" cy="511002"/>
+          <a:xfrm rot="20952870">
+            <a:off x="98408" y="1739545"/>
+            <a:ext cx="1317421" cy="511002"/>
           </a:xfrm>
           <a:prstGeom prst="star32">
             <a:avLst>
@@ -3820,7 +3948,7 @@
           <a:p>
             <a:pPr algn="ctr"/>
             <a:r>
-              <a:rPr lang="en-US" b="1" cap="small" dirty="0">
+              <a:rPr lang="en-US" sz="2400" b="1" cap="small" dirty="0">
                 <a:solidFill>
                   <a:schemeClr val="bg1"/>
                 </a:solidFill>
@@ -3828,7 +3956,7 @@
               </a:rPr>
               <a:t>Free</a:t>
             </a:r>
-            <a:endParaRPr lang="en-US" b="1" cap="small" dirty="0">
+            <a:endParaRPr lang="en-US" sz="2400" b="1" cap="small" dirty="0">
               <a:latin typeface="Oxygen" panose="02000503000000000000" pitchFamily="2" charset="0"/>
             </a:endParaRPr>
           </a:p>
@@ -3848,8 +3976,8 @@
         </p:nvSpPr>
         <p:spPr>
           <a:xfrm>
-            <a:off x="-17756" y="1601175"/>
-            <a:ext cx="2996753" cy="984885"/>
+            <a:off x="36051" y="2138827"/>
+            <a:ext cx="2563020" cy="1000274"/>
           </a:xfrm>
           <a:prstGeom prst="rect">
             <a:avLst/>
@@ -3862,9 +3990,8 @@
           </a:bodyPr>
           <a:lstStyle/>
           <a:p>
-            <a:pPr algn="ctr"/>
-            <a:r>
-              <a:rPr lang="en-US" sz="1400" b="1" dirty="0">
+            <a:r>
+              <a:rPr lang="en-US" sz="2000" b="1" dirty="0">
                 <a:solidFill>
                   <a:schemeClr val="bg1"/>
                 </a:solidFill>
@@ -3874,87 +4001,44 @@
             </a:r>
           </a:p>
           <a:p>
-            <a:pPr algn="ctr"/>
-            <a:r>
-              <a:rPr lang="en-US" sz="1400" b="1" dirty="0">
+            <a:r>
+              <a:rPr lang="en-US" sz="1300" b="1" dirty="0">
                 <a:solidFill>
                   <a:schemeClr val="bg1"/>
                 </a:solidFill>
                 <a:latin typeface="Oxygen" panose="02000503000000000000" pitchFamily="2" charset="0"/>
               </a:rPr>
-              <a:t> </a:t>
-            </a:r>
-            <a:r>
-              <a:rPr lang="en-US" sz="1000" b="1" dirty="0">
+              <a:t>courses for</a:t>
+            </a:r>
+          </a:p>
+          <a:p>
+            <a:pPr marL="171450" indent="-171450">
+              <a:buFont typeface="Arial" panose="020B0604020202020204" pitchFamily="34" charset="0"/>
+              <a:buChar char="•"/>
+            </a:pPr>
+            <a:r>
+              <a:rPr lang="en-US" sz="1300" b="1" dirty="0">
                 <a:solidFill>
                   <a:schemeClr val="bg1"/>
                 </a:solidFill>
                 <a:latin typeface="Oxygen" panose="02000503000000000000" pitchFamily="2" charset="0"/>
               </a:rPr>
-              <a:t>Courses</a:t>
-            </a:r>
-            <a:r>
-              <a:rPr lang="en-US" sz="1400" b="1" dirty="0">
+              <a:t>Job Seekers, Professionals </a:t>
+            </a:r>
+          </a:p>
+          <a:p>
+            <a:pPr marL="171450" indent="-171450">
+              <a:buFont typeface="Arial" panose="020B0604020202020204" pitchFamily="34" charset="0"/>
+              <a:buChar char="•"/>
+            </a:pPr>
+            <a:r>
+              <a:rPr lang="en-US" sz="1300" b="1" dirty="0">
                 <a:solidFill>
                   <a:schemeClr val="bg1"/>
                 </a:solidFill>
                 <a:latin typeface="Oxygen" panose="02000503000000000000" pitchFamily="2" charset="0"/>
               </a:rPr>
-              <a:t> </a:t>
-            </a:r>
-            <a:r>
-              <a:rPr lang="en-US" sz="1000" b="1" dirty="0">
-                <a:solidFill>
-                  <a:schemeClr val="bg1"/>
-                </a:solidFill>
-                <a:latin typeface="Oxygen" panose="02000503000000000000" pitchFamily="2" charset="0"/>
-              </a:rPr>
-              <a:t>for </a:t>
-            </a:r>
-          </a:p>
-          <a:p>
-            <a:pPr algn="ctr"/>
-            <a:r>
-              <a:rPr lang="en-US" sz="1000" b="1" dirty="0">
-                <a:solidFill>
-                  <a:schemeClr val="bg1"/>
-                </a:solidFill>
-                <a:latin typeface="Oxygen" panose="02000503000000000000" pitchFamily="2" charset="0"/>
-              </a:rPr>
-              <a:t>Job Seekers, Professionals &amp; 3rd 4</a:t>
-            </a:r>
-            <a:r>
-              <a:rPr lang="en-US" sz="1000" b="1" baseline="30000" dirty="0">
-                <a:solidFill>
-                  <a:schemeClr val="bg1"/>
-                </a:solidFill>
-                <a:latin typeface="Oxygen" panose="02000503000000000000" pitchFamily="2" charset="0"/>
-              </a:rPr>
-              <a:t>th</a:t>
-            </a:r>
-            <a:r>
-              <a:rPr lang="en-US" sz="1000" b="1" dirty="0">
-                <a:solidFill>
-                  <a:schemeClr val="bg1"/>
-                </a:solidFill>
-                <a:latin typeface="Oxygen" panose="02000503000000000000" pitchFamily="2" charset="0"/>
-              </a:rPr>
-              <a:t> Year Students </a:t>
-            </a:r>
-          </a:p>
-          <a:p>
-            <a:pPr algn="ctr"/>
-            <a:r>
-              <a:rPr lang="en-US" sz="1000" b="1" dirty="0">
-                <a:solidFill>
-                  <a:schemeClr val="tx1">
-                    <a:lumMod val="65000"/>
-                    <a:lumOff val="35000"/>
-                  </a:schemeClr>
-                </a:solidFill>
-                <a:latin typeface="Oxygen" panose="02000503000000000000" pitchFamily="2" charset="0"/>
-              </a:rPr>
-              <a:t>Hurry! Very Limited Seats!!! </a:t>
+              <a:t>3rd &amp; 4th Year Students </a:t>
             </a:r>
           </a:p>
         </p:txBody>
@@ -3973,8 +4057,8 @@
         </p:nvSpPr>
         <p:spPr>
           <a:xfrm>
-            <a:off x="537012" y="1021061"/>
-            <a:ext cx="2634810" cy="323165"/>
+            <a:off x="214901" y="1311169"/>
+            <a:ext cx="3482527" cy="400110"/>
           </a:xfrm>
           <a:prstGeom prst="rect">
             <a:avLst/>
@@ -3988,7 +4072,7 @@
           <a:lstStyle/>
           <a:p>
             <a:r>
-              <a:rPr lang="en-US" sz="1500" b="1" i="1" dirty="0">
+              <a:rPr lang="en-US" sz="2000" b="1" i="1" dirty="0">
                 <a:solidFill>
                   <a:srgbClr val="FF8C52"/>
                 </a:solidFill>
@@ -3996,6 +4080,146 @@
               </a:rPr>
               <a:t>Education that enlightens! </a:t>
             </a:r>
+          </a:p>
+        </p:txBody>
+      </p:sp>
+      <p:sp>
+        <p:nvSpPr>
+          <p:cNvPr id="5" name="TextBox 4">
+            <a:extLst>
+              <a:ext uri="{FF2B5EF4-FFF2-40B4-BE49-F238E27FC236}">
+                <a16:creationId xmlns:a16="http://schemas.microsoft.com/office/drawing/2014/main" id="{69A1AF85-554C-4286-D829-438742482D80}"/>
+              </a:ext>
+            </a:extLst>
+          </p:cNvPr>
+          <p:cNvSpPr txBox="1"/>
+          <p:nvPr/>
+        </p:nvSpPr>
+        <p:spPr>
+          <a:xfrm>
+            <a:off x="-117" y="3518895"/>
+            <a:ext cx="3122351" cy="400110"/>
+          </a:xfrm>
+          <a:prstGeom prst="rect">
+            <a:avLst/>
+          </a:prstGeom>
+          <a:noFill/>
+        </p:spPr>
+        <p:txBody>
+          <a:bodyPr wrap="square">
+            <a:spAutoFit/>
+          </a:bodyPr>
+          <a:lstStyle/>
+          <a:p>
+            <a:pPr algn="ctr"/>
+            <a:r>
+              <a:rPr lang="en-US" sz="2000" b="1" dirty="0">
+                <a:solidFill>
+                  <a:srgbClr val="FF0000"/>
+                </a:solidFill>
+                <a:latin typeface="Oxygen" panose="02000503000000000000" pitchFamily="2" charset="0"/>
+              </a:rPr>
+              <a:t>Hurry! Offer ends soon!</a:t>
+            </a:r>
+          </a:p>
+        </p:txBody>
+      </p:sp>
+      <p:pic>
+        <p:nvPicPr>
+          <p:cNvPr id="17" name="Picture 8">
+            <a:extLst>
+              <a:ext uri="{FF2B5EF4-FFF2-40B4-BE49-F238E27FC236}">
+                <a16:creationId xmlns:a16="http://schemas.microsoft.com/office/drawing/2014/main" id="{0CBD4089-8DE5-6C05-7CB9-0A8BCD0B92BE}"/>
+              </a:ext>
+            </a:extLst>
+          </p:cNvPr>
+          <p:cNvPicPr>
+            <a:picLocks noChangeAspect="1" noChangeArrowheads="1"/>
+          </p:cNvPicPr>
+          <p:nvPr/>
+        </p:nvPicPr>
+        <p:blipFill>
+          <a:blip r:embed="rId16">
+            <a:extLst>
+              <a:ext uri="{28A0092B-C50C-407E-A947-70E740481C1C}">
+                <a14:useLocalDpi xmlns:a14="http://schemas.microsoft.com/office/drawing/2010/main" val="0"/>
+              </a:ext>
+            </a:extLst>
+          </a:blip>
+          <a:srcRect/>
+          <a:stretch>
+            <a:fillRect/>
+          </a:stretch>
+        </p:blipFill>
+        <p:spPr bwMode="auto">
+          <a:xfrm>
+            <a:off x="5767981" y="2816167"/>
+            <a:ext cx="381417" cy="381417"/>
+          </a:xfrm>
+          <a:prstGeom prst="rect">
+            <a:avLst/>
+          </a:prstGeom>
+          <a:noFill/>
+          <a:extLst>
+            <a:ext uri="{909E8E84-426E-40DD-AFC4-6F175D3DCCD1}">
+              <a14:hiddenFill xmlns:a14="http://schemas.microsoft.com/office/drawing/2010/main">
+                <a:solidFill>
+                  <a:srgbClr val="FFFFFF"/>
+                </a:solidFill>
+              </a14:hiddenFill>
+            </a:ext>
+          </a:extLst>
+        </p:spPr>
+      </p:pic>
+      <p:sp>
+        <p:nvSpPr>
+          <p:cNvPr id="22" name="Rectangle 21">
+            <a:extLst>
+              <a:ext uri="{FF2B5EF4-FFF2-40B4-BE49-F238E27FC236}">
+                <a16:creationId xmlns:a16="http://schemas.microsoft.com/office/drawing/2014/main" id="{043DC748-09CC-0DC9-07BB-AC9DE7F19FE5}"/>
+              </a:ext>
+            </a:extLst>
+          </p:cNvPr>
+          <p:cNvSpPr/>
+          <p:nvPr/>
+        </p:nvSpPr>
+        <p:spPr>
+          <a:xfrm>
+            <a:off x="2266122" y="4065104"/>
+            <a:ext cx="4134678" cy="1677337"/>
+          </a:xfrm>
+          <a:prstGeom prst="rect">
+            <a:avLst/>
+          </a:prstGeom>
+          <a:solidFill>
+            <a:schemeClr val="bg1"/>
+          </a:solidFill>
+          <a:ln>
+            <a:noFill/>
+          </a:ln>
+        </p:spPr>
+        <p:style>
+          <a:lnRef idx="2">
+            <a:schemeClr val="accent1">
+              <a:shade val="15000"/>
+            </a:schemeClr>
+          </a:lnRef>
+          <a:fillRef idx="1">
+            <a:schemeClr val="accent1"/>
+          </a:fillRef>
+          <a:effectRef idx="0">
+            <a:schemeClr val="accent1"/>
+          </a:effectRef>
+          <a:fontRef idx="minor">
+            <a:schemeClr val="lt1"/>
+          </a:fontRef>
+        </p:style>
+        <p:txBody>
+          <a:bodyPr rtlCol="0" anchor="ctr"/>
+          <a:lstStyle/>
+          <a:p>
+            <a:pPr algn="ctr"/>
+            <a:endParaRPr lang="en-US"/>
           </a:p>
         </p:txBody>
       </p:sp>

--- a/Offline/BusinessManagement/Marketing/AI marketing/AIBrochure.pptx
+++ b/Offline/BusinessManagement/Marketing/AI marketing/AIBrochure.pptx
@@ -6,6 +6,7 @@
   </p:sldMasterIdLst>
   <p:sldIdLst>
     <p:sldId id="256" r:id="rId2"/>
+    <p:sldId id="257" r:id="rId3"/>
   </p:sldIdLst>
   <p:sldSz cx="6400800" cy="9144000"/>
   <p:notesSz cx="6858000" cy="9144000"/>
@@ -243,7 +244,7 @@
           <a:p>
             <a:fld id="{4B013AA8-29ED-426C-94B6-CC1E5074C984}" type="datetimeFigureOut">
               <a:rPr lang="en-US" smtClean="0"/>
-              <a:t>3/4/2024</a:t>
+              <a:t>3/6/2024</a:t>
             </a:fld>
             <a:endParaRPr lang="en-US"/>
           </a:p>
@@ -413,7 +414,7 @@
           <a:p>
             <a:fld id="{4B013AA8-29ED-426C-94B6-CC1E5074C984}" type="datetimeFigureOut">
               <a:rPr lang="en-US" smtClean="0"/>
-              <a:t>3/4/2024</a:t>
+              <a:t>3/6/2024</a:t>
             </a:fld>
             <a:endParaRPr lang="en-US"/>
           </a:p>
@@ -593,7 +594,7 @@
           <a:p>
             <a:fld id="{4B013AA8-29ED-426C-94B6-CC1E5074C984}" type="datetimeFigureOut">
               <a:rPr lang="en-US" smtClean="0"/>
-              <a:t>3/4/2024</a:t>
+              <a:t>3/6/2024</a:t>
             </a:fld>
             <a:endParaRPr lang="en-US"/>
           </a:p>
@@ -763,7 +764,7 @@
           <a:p>
             <a:fld id="{4B013AA8-29ED-426C-94B6-CC1E5074C984}" type="datetimeFigureOut">
               <a:rPr lang="en-US" smtClean="0"/>
-              <a:t>3/4/2024</a:t>
+              <a:t>3/6/2024</a:t>
             </a:fld>
             <a:endParaRPr lang="en-US"/>
           </a:p>
@@ -1007,7 +1008,7 @@
           <a:p>
             <a:fld id="{4B013AA8-29ED-426C-94B6-CC1E5074C984}" type="datetimeFigureOut">
               <a:rPr lang="en-US" smtClean="0"/>
-              <a:t>3/4/2024</a:t>
+              <a:t>3/6/2024</a:t>
             </a:fld>
             <a:endParaRPr lang="en-US"/>
           </a:p>
@@ -1239,7 +1240,7 @@
           <a:p>
             <a:fld id="{4B013AA8-29ED-426C-94B6-CC1E5074C984}" type="datetimeFigureOut">
               <a:rPr lang="en-US" smtClean="0"/>
-              <a:t>3/4/2024</a:t>
+              <a:t>3/6/2024</a:t>
             </a:fld>
             <a:endParaRPr lang="en-US"/>
           </a:p>
@@ -1606,7 +1607,7 @@
           <a:p>
             <a:fld id="{4B013AA8-29ED-426C-94B6-CC1E5074C984}" type="datetimeFigureOut">
               <a:rPr lang="en-US" smtClean="0"/>
-              <a:t>3/4/2024</a:t>
+              <a:t>3/6/2024</a:t>
             </a:fld>
             <a:endParaRPr lang="en-US"/>
           </a:p>
@@ -1724,7 +1725,7 @@
           <a:p>
             <a:fld id="{4B013AA8-29ED-426C-94B6-CC1E5074C984}" type="datetimeFigureOut">
               <a:rPr lang="en-US" smtClean="0"/>
-              <a:t>3/4/2024</a:t>
+              <a:t>3/6/2024</a:t>
             </a:fld>
             <a:endParaRPr lang="en-US"/>
           </a:p>
@@ -1819,7 +1820,7 @@
           <a:p>
             <a:fld id="{4B013AA8-29ED-426C-94B6-CC1E5074C984}" type="datetimeFigureOut">
               <a:rPr lang="en-US" smtClean="0"/>
-              <a:t>3/4/2024</a:t>
+              <a:t>3/6/2024</a:t>
             </a:fld>
             <a:endParaRPr lang="en-US"/>
           </a:p>
@@ -2096,7 +2097,7 @@
           <a:p>
             <a:fld id="{4B013AA8-29ED-426C-94B6-CC1E5074C984}" type="datetimeFigureOut">
               <a:rPr lang="en-US" smtClean="0"/>
-              <a:t>3/4/2024</a:t>
+              <a:t>3/6/2024</a:t>
             </a:fld>
             <a:endParaRPr lang="en-US"/>
           </a:p>
@@ -2353,7 +2354,7 @@
           <a:p>
             <a:fld id="{4B013AA8-29ED-426C-94B6-CC1E5074C984}" type="datetimeFigureOut">
               <a:rPr lang="en-US" smtClean="0"/>
-              <a:t>3/4/2024</a:t>
+              <a:t>3/6/2024</a:t>
             </a:fld>
             <a:endParaRPr lang="en-US"/>
           </a:p>
@@ -2566,7 +2567,7 @@
           <a:p>
             <a:fld id="{4B013AA8-29ED-426C-94B6-CC1E5074C984}" type="datetimeFigureOut">
               <a:rPr lang="en-US" smtClean="0"/>
-              <a:t>3/4/2024</a:t>
+              <a:t>3/6/2024</a:t>
             </a:fld>
             <a:endParaRPr lang="en-US"/>
           </a:p>
@@ -2971,6 +2972,58 @@
           <a:chExt cx="0" cy="0"/>
         </a:xfrm>
       </p:grpSpPr>
+      <p:sp>
+        <p:nvSpPr>
+          <p:cNvPr id="1050" name="Rectangle 1049">
+            <a:extLst>
+              <a:ext uri="{FF2B5EF4-FFF2-40B4-BE49-F238E27FC236}">
+                <a16:creationId xmlns:a16="http://schemas.microsoft.com/office/drawing/2014/main" id="{79FA8214-520D-A39F-8945-E09D7947149F}"/>
+              </a:ext>
+            </a:extLst>
+          </p:cNvPr>
+          <p:cNvSpPr/>
+          <p:nvPr/>
+        </p:nvSpPr>
+        <p:spPr>
+          <a:xfrm>
+            <a:off x="2268" y="161"/>
+            <a:ext cx="6420667" cy="9143839"/>
+          </a:xfrm>
+          <a:prstGeom prst="rect">
+            <a:avLst/>
+          </a:prstGeom>
+          <a:solidFill>
+            <a:srgbClr val="FFFFFF"/>
+          </a:solidFill>
+          <a:ln>
+            <a:noFill/>
+          </a:ln>
+        </p:spPr>
+        <p:style>
+          <a:lnRef idx="2">
+            <a:schemeClr val="accent1">
+              <a:shade val="15000"/>
+            </a:schemeClr>
+          </a:lnRef>
+          <a:fillRef idx="1">
+            <a:schemeClr val="accent1"/>
+          </a:fillRef>
+          <a:effectRef idx="0">
+            <a:schemeClr val="accent1"/>
+          </a:effectRef>
+          <a:fontRef idx="minor">
+            <a:schemeClr val="lt1"/>
+          </a:fontRef>
+        </p:style>
+        <p:txBody>
+          <a:bodyPr rtlCol="0" anchor="ctr"/>
+          <a:lstStyle/>
+          <a:p>
+            <a:pPr algn="ctr"/>
+            <a:endParaRPr lang="en-US"/>
+          </a:p>
+        </p:txBody>
+      </p:sp>
       <p:pic>
         <p:nvPicPr>
           <p:cNvPr id="3" name="Picture 2">
@@ -3013,7 +3066,7 @@
         <p:spPr>
           <a:xfrm>
             <a:off x="0" y="0"/>
-            <a:ext cx="6422936" cy="3363388"/>
+            <a:ext cx="6422936" cy="2961833"/>
           </a:xfrm>
           <a:prstGeom prst="rect">
             <a:avLst/>
@@ -3102,7 +3155,7 @@
             <p:nvPr/>
           </p:nvPicPr>
           <p:blipFill>
-            <a:blip r:embed="rId5">
+            <a:blip r:embed="rId5" cstate="hqprint">
               <a:extLst>
                 <a:ext uri="{28A0092B-C50C-407E-A947-70E740481C1C}">
                   <a14:useLocalDpi xmlns:a14="http://schemas.microsoft.com/office/drawing/2010/main" val="0"/>
@@ -3301,600 +3354,6 @@
           </a:p>
         </p:txBody>
       </p:sp>
-      <p:pic>
-        <p:nvPicPr>
-          <p:cNvPr id="1032" name="Picture 8" descr="YouTube">
-            <a:extLst>
-              <a:ext uri="{FF2B5EF4-FFF2-40B4-BE49-F238E27FC236}">
-                <a16:creationId xmlns:a16="http://schemas.microsoft.com/office/drawing/2014/main" id="{09B174C1-FD9F-471A-1364-8517DAF38C55}"/>
-              </a:ext>
-            </a:extLst>
-          </p:cNvPr>
-          <p:cNvPicPr>
-            <a:picLocks noChangeAspect="1" noChangeArrowheads="1"/>
-          </p:cNvPicPr>
-          <p:nvPr/>
-        </p:nvPicPr>
-        <p:blipFill>
-          <a:blip r:embed="rId7">
-            <a:extLst>
-              <a:ext uri="{28A0092B-C50C-407E-A947-70E740481C1C}">
-                <a14:useLocalDpi xmlns:a14="http://schemas.microsoft.com/office/drawing/2010/main" val="0"/>
-              </a:ext>
-            </a:extLst>
-          </a:blip>
-          <a:srcRect/>
-          <a:stretch>
-            <a:fillRect/>
-          </a:stretch>
-        </p:blipFill>
-        <p:spPr bwMode="auto">
-          <a:xfrm>
-            <a:off x="5139396" y="8629656"/>
-            <a:ext cx="400751" cy="400751"/>
-          </a:xfrm>
-          <a:prstGeom prst="rect">
-            <a:avLst/>
-          </a:prstGeom>
-          <a:noFill/>
-          <a:extLst>
-            <a:ext uri="{909E8E84-426E-40DD-AFC4-6F175D3DCCD1}">
-              <a14:hiddenFill xmlns:a14="http://schemas.microsoft.com/office/drawing/2010/main">
-                <a:solidFill>
-                  <a:srgbClr val="FFFFFF"/>
-                </a:solidFill>
-              </a14:hiddenFill>
-            </a:ext>
-          </a:extLst>
-        </p:spPr>
-      </p:pic>
-      <p:pic>
-        <p:nvPicPr>
-          <p:cNvPr id="13" name="Picture 12">
-            <a:extLst>
-              <a:ext uri="{FF2B5EF4-FFF2-40B4-BE49-F238E27FC236}">
-                <a16:creationId xmlns:a16="http://schemas.microsoft.com/office/drawing/2014/main" id="{1B10D8FB-DD14-ED8F-3663-7285F6D36A95}"/>
-              </a:ext>
-            </a:extLst>
-          </p:cNvPr>
-          <p:cNvPicPr>
-            <a:picLocks noChangeAspect="1"/>
-          </p:cNvPicPr>
-          <p:nvPr/>
-        </p:nvPicPr>
-        <p:blipFill>
-          <a:blip r:embed="rId8"/>
-          <a:stretch>
-            <a:fillRect/>
-          </a:stretch>
-        </p:blipFill>
-        <p:spPr>
-          <a:xfrm>
-            <a:off x="5902247" y="8699446"/>
-            <a:ext cx="284384" cy="284384"/>
-          </a:xfrm>
-          <a:prstGeom prst="rect">
-            <a:avLst/>
-          </a:prstGeom>
-        </p:spPr>
-      </p:pic>
-      <p:pic>
-        <p:nvPicPr>
-          <p:cNvPr id="1036" name="Picture 12" descr="LinkedIn">
-            <a:extLst>
-              <a:ext uri="{FF2B5EF4-FFF2-40B4-BE49-F238E27FC236}">
-                <a16:creationId xmlns:a16="http://schemas.microsoft.com/office/drawing/2014/main" id="{B8728633-2A06-8D51-9CB4-DD25478D0E4D}"/>
-              </a:ext>
-            </a:extLst>
-          </p:cNvPr>
-          <p:cNvPicPr>
-            <a:picLocks noChangeAspect="1" noChangeArrowheads="1"/>
-          </p:cNvPicPr>
-          <p:nvPr/>
-        </p:nvPicPr>
-        <p:blipFill>
-          <a:blip r:embed="rId9">
-            <a:extLst>
-              <a:ext uri="{28A0092B-C50C-407E-A947-70E740481C1C}">
-                <a14:useLocalDpi xmlns:a14="http://schemas.microsoft.com/office/drawing/2010/main" val="0"/>
-              </a:ext>
-            </a:extLst>
-          </a:blip>
-          <a:srcRect/>
-          <a:stretch>
-            <a:fillRect/>
-          </a:stretch>
-        </p:blipFill>
-        <p:spPr bwMode="auto">
-          <a:xfrm>
-            <a:off x="4760863" y="8641263"/>
-            <a:ext cx="400751" cy="400751"/>
-          </a:xfrm>
-          <a:prstGeom prst="rect">
-            <a:avLst/>
-          </a:prstGeom>
-          <a:noFill/>
-          <a:extLst>
-            <a:ext uri="{909E8E84-426E-40DD-AFC4-6F175D3DCCD1}">
-              <a14:hiddenFill xmlns:a14="http://schemas.microsoft.com/office/drawing/2010/main">
-                <a:solidFill>
-                  <a:srgbClr val="FFFFFF"/>
-                </a:solidFill>
-              </a14:hiddenFill>
-            </a:ext>
-          </a:extLst>
-        </p:spPr>
-      </p:pic>
-      <p:pic>
-        <p:nvPicPr>
-          <p:cNvPr id="1038" name="Picture 14" descr="Instagram">
-            <a:extLst>
-              <a:ext uri="{FF2B5EF4-FFF2-40B4-BE49-F238E27FC236}">
-                <a16:creationId xmlns:a16="http://schemas.microsoft.com/office/drawing/2014/main" id="{5B65458A-DA92-EF42-2471-59EB8411655C}"/>
-              </a:ext>
-            </a:extLst>
-          </p:cNvPr>
-          <p:cNvPicPr>
-            <a:picLocks noChangeAspect="1" noChangeArrowheads="1"/>
-          </p:cNvPicPr>
-          <p:nvPr/>
-        </p:nvPicPr>
-        <p:blipFill>
-          <a:blip r:embed="rId10">
-            <a:extLst>
-              <a:ext uri="{28A0092B-C50C-407E-A947-70E740481C1C}">
-                <a14:useLocalDpi xmlns:a14="http://schemas.microsoft.com/office/drawing/2010/main" val="0"/>
-              </a:ext>
-            </a:extLst>
-          </a:blip>
-          <a:srcRect/>
-          <a:stretch>
-            <a:fillRect/>
-          </a:stretch>
-        </p:blipFill>
-        <p:spPr bwMode="auto">
-          <a:xfrm>
-            <a:off x="4428286" y="8659479"/>
-            <a:ext cx="364319" cy="364319"/>
-          </a:xfrm>
-          <a:prstGeom prst="rect">
-            <a:avLst/>
-          </a:prstGeom>
-          <a:noFill/>
-          <a:extLst>
-            <a:ext uri="{909E8E84-426E-40DD-AFC4-6F175D3DCCD1}">
-              <a14:hiddenFill xmlns:a14="http://schemas.microsoft.com/office/drawing/2010/main">
-                <a:solidFill>
-                  <a:srgbClr val="FFFFFF"/>
-                </a:solidFill>
-              </a14:hiddenFill>
-            </a:ext>
-          </a:extLst>
-        </p:spPr>
-      </p:pic>
-      <p:pic>
-        <p:nvPicPr>
-          <p:cNvPr id="1040" name="Picture 16" descr="Facebook">
-            <a:extLst>
-              <a:ext uri="{FF2B5EF4-FFF2-40B4-BE49-F238E27FC236}">
-                <a16:creationId xmlns:a16="http://schemas.microsoft.com/office/drawing/2014/main" id="{B4A5D98E-C1D2-6716-5F84-4EE2F8A69089}"/>
-              </a:ext>
-            </a:extLst>
-          </p:cNvPr>
-          <p:cNvPicPr>
-            <a:picLocks noChangeAspect="1" noChangeArrowheads="1"/>
-          </p:cNvPicPr>
-          <p:nvPr/>
-        </p:nvPicPr>
-        <p:blipFill>
-          <a:blip r:embed="rId11">
-            <a:extLst>
-              <a:ext uri="{28A0092B-C50C-407E-A947-70E740481C1C}">
-                <a14:useLocalDpi xmlns:a14="http://schemas.microsoft.com/office/drawing/2010/main" val="0"/>
-              </a:ext>
-            </a:extLst>
-          </a:blip>
-          <a:srcRect/>
-          <a:stretch>
-            <a:fillRect/>
-          </a:stretch>
-        </p:blipFill>
-        <p:spPr bwMode="auto">
-          <a:xfrm>
-            <a:off x="5475973" y="8633786"/>
-            <a:ext cx="396751" cy="396751"/>
-          </a:xfrm>
-          <a:prstGeom prst="rect">
-            <a:avLst/>
-          </a:prstGeom>
-          <a:noFill/>
-          <a:extLst>
-            <a:ext uri="{909E8E84-426E-40DD-AFC4-6F175D3DCCD1}">
-              <a14:hiddenFill xmlns:a14="http://schemas.microsoft.com/office/drawing/2010/main">
-                <a:solidFill>
-                  <a:srgbClr val="FFFFFF"/>
-                </a:solidFill>
-              </a14:hiddenFill>
-            </a:ext>
-          </a:extLst>
-        </p:spPr>
-      </p:pic>
-      <p:sp>
-        <p:nvSpPr>
-          <p:cNvPr id="16" name="TextBox 15">
-            <a:extLst>
-              <a:ext uri="{FF2B5EF4-FFF2-40B4-BE49-F238E27FC236}">
-                <a16:creationId xmlns:a16="http://schemas.microsoft.com/office/drawing/2014/main" id="{86454AE3-F3EA-647E-7691-F4A099F3977E}"/>
-              </a:ext>
-            </a:extLst>
-          </p:cNvPr>
-          <p:cNvSpPr txBox="1"/>
-          <p:nvPr/>
-        </p:nvSpPr>
-        <p:spPr>
-          <a:xfrm>
-            <a:off x="180964" y="7688996"/>
-            <a:ext cx="3139639" cy="307777"/>
-          </a:xfrm>
-          <a:prstGeom prst="rect">
-            <a:avLst/>
-          </a:prstGeom>
-          <a:noFill/>
-        </p:spPr>
-        <p:txBody>
-          <a:bodyPr wrap="square" rtlCol="0">
-            <a:spAutoFit/>
-          </a:bodyPr>
-          <a:lstStyle/>
-          <a:p>
-            <a:r>
-              <a:rPr lang="en-US" sz="1400" b="1" u="sng" dirty="0">
-                <a:solidFill>
-                  <a:srgbClr val="0070C0"/>
-                </a:solidFill>
-                <a:latin typeface="Oxygen" panose="02000503000000000000" pitchFamily="2" charset="0"/>
-              </a:rPr>
-              <a:t>https://www.anodiam.com</a:t>
-            </a:r>
-          </a:p>
-        </p:txBody>
-      </p:sp>
-      <p:sp>
-        <p:nvSpPr>
-          <p:cNvPr id="18" name="TextBox 17">
-            <a:extLst>
-              <a:ext uri="{FF2B5EF4-FFF2-40B4-BE49-F238E27FC236}">
-                <a16:creationId xmlns:a16="http://schemas.microsoft.com/office/drawing/2014/main" id="{CA3899F6-61B9-3E5F-D67E-11AD26FC8758}"/>
-              </a:ext>
-            </a:extLst>
-          </p:cNvPr>
-          <p:cNvSpPr txBox="1"/>
-          <p:nvPr/>
-        </p:nvSpPr>
-        <p:spPr>
-          <a:xfrm>
-            <a:off x="180964" y="7365831"/>
-            <a:ext cx="3838575" cy="307777"/>
-          </a:xfrm>
-          <a:prstGeom prst="rect">
-            <a:avLst/>
-          </a:prstGeom>
-          <a:noFill/>
-        </p:spPr>
-        <p:txBody>
-          <a:bodyPr wrap="square">
-            <a:spAutoFit/>
-          </a:bodyPr>
-          <a:lstStyle/>
-          <a:p>
-            <a:r>
-              <a:rPr lang="en-US" sz="1400" b="1" u="sng" dirty="0">
-                <a:solidFill>
-                  <a:srgbClr val="0070C0"/>
-                </a:solidFill>
-                <a:latin typeface="Oxygen" panose="02000503000000000000" pitchFamily="2" charset="0"/>
-              </a:rPr>
-              <a:t>https://sites.google.com/view/anodiam</a:t>
-            </a:r>
-          </a:p>
-        </p:txBody>
-      </p:sp>
-      <p:pic>
-        <p:nvPicPr>
-          <p:cNvPr id="1042" name="Picture 18">
-            <a:extLst>
-              <a:ext uri="{FF2B5EF4-FFF2-40B4-BE49-F238E27FC236}">
-                <a16:creationId xmlns:a16="http://schemas.microsoft.com/office/drawing/2014/main" id="{D0E7CDB8-793D-8E2C-6369-7D35A165B777}"/>
-              </a:ext>
-            </a:extLst>
-          </p:cNvPr>
-          <p:cNvPicPr>
-            <a:picLocks noChangeAspect="1" noChangeArrowheads="1"/>
-          </p:cNvPicPr>
-          <p:nvPr/>
-        </p:nvPicPr>
-        <p:blipFill>
-          <a:blip r:embed="rId12">
-            <a:extLst>
-              <a:ext uri="{28A0092B-C50C-407E-A947-70E740481C1C}">
-                <a14:useLocalDpi xmlns:a14="http://schemas.microsoft.com/office/drawing/2010/main" val="0"/>
-              </a:ext>
-            </a:extLst>
-          </a:blip>
-          <a:srcRect/>
-          <a:stretch>
-            <a:fillRect/>
-          </a:stretch>
-        </p:blipFill>
-        <p:spPr bwMode="auto">
-          <a:xfrm>
-            <a:off x="276940" y="8034944"/>
-            <a:ext cx="253833" cy="253833"/>
-          </a:xfrm>
-          <a:prstGeom prst="rect">
-            <a:avLst/>
-          </a:prstGeom>
-          <a:noFill/>
-          <a:extLst>
-            <a:ext uri="{909E8E84-426E-40DD-AFC4-6F175D3DCCD1}">
-              <a14:hiddenFill xmlns:a14="http://schemas.microsoft.com/office/drawing/2010/main">
-                <a:solidFill>
-                  <a:srgbClr val="FFFFFF"/>
-                </a:solidFill>
-              </a14:hiddenFill>
-            </a:ext>
-          </a:extLst>
-        </p:spPr>
-      </p:pic>
-      <p:sp>
-        <p:nvSpPr>
-          <p:cNvPr id="19" name="TextBox 18">
-            <a:extLst>
-              <a:ext uri="{FF2B5EF4-FFF2-40B4-BE49-F238E27FC236}">
-                <a16:creationId xmlns:a16="http://schemas.microsoft.com/office/drawing/2014/main" id="{B022CFE3-2EFE-7D26-730F-B712DDA0804C}"/>
-              </a:ext>
-            </a:extLst>
-          </p:cNvPr>
-          <p:cNvSpPr txBox="1"/>
-          <p:nvPr/>
-        </p:nvSpPr>
-        <p:spPr>
-          <a:xfrm>
-            <a:off x="555536" y="8070680"/>
-            <a:ext cx="2526942" cy="276999"/>
-          </a:xfrm>
-          <a:prstGeom prst="rect">
-            <a:avLst/>
-          </a:prstGeom>
-          <a:noFill/>
-        </p:spPr>
-        <p:txBody>
-          <a:bodyPr wrap="square">
-            <a:spAutoFit/>
-          </a:bodyPr>
-          <a:lstStyle/>
-          <a:p>
-            <a:pPr rtl="0" fontAlgn="t"/>
-            <a:r>
-              <a:rPr lang="en-US" sz="1200" b="1" dirty="0">
-                <a:solidFill>
-                  <a:srgbClr val="FF8C53"/>
-                </a:solidFill>
-                <a:latin typeface="Oxygen" panose="02000503000000000000" pitchFamily="2" charset="0"/>
-              </a:rPr>
-              <a:t>N-1/25 Patuli Kolkata 700094</a:t>
-            </a:r>
-          </a:p>
-        </p:txBody>
-      </p:sp>
-      <p:sp>
-        <p:nvSpPr>
-          <p:cNvPr id="20" name="TextBox 19">
-            <a:extLst>
-              <a:ext uri="{FF2B5EF4-FFF2-40B4-BE49-F238E27FC236}">
-                <a16:creationId xmlns:a16="http://schemas.microsoft.com/office/drawing/2014/main" id="{0960518D-238A-76F3-AF24-538B464A60B9}"/>
-              </a:ext>
-            </a:extLst>
-          </p:cNvPr>
-          <p:cNvSpPr txBox="1"/>
-          <p:nvPr/>
-        </p:nvSpPr>
-        <p:spPr>
-          <a:xfrm>
-            <a:off x="555536" y="8379996"/>
-            <a:ext cx="2667000" cy="276999"/>
-          </a:xfrm>
-          <a:prstGeom prst="rect">
-            <a:avLst/>
-          </a:prstGeom>
-          <a:noFill/>
-        </p:spPr>
-        <p:txBody>
-          <a:bodyPr wrap="square">
-            <a:spAutoFit/>
-          </a:bodyPr>
-          <a:lstStyle/>
-          <a:p>
-            <a:pPr rtl="0" fontAlgn="t"/>
-            <a:r>
-              <a:rPr lang="en-US" sz="1200" b="1" i="0" u="sng" strike="noStrike" dirty="0">
-                <a:solidFill>
-                  <a:srgbClr val="000000"/>
-                </a:solidFill>
-                <a:effectLst/>
-                <a:latin typeface="Oxygen" panose="02000503000000000000" pitchFamily="2" charset="0"/>
-                <a:hlinkClick r:id="rId13"/>
-              </a:rPr>
-              <a:t>anirban@anodiam.com</a:t>
-            </a:r>
-            <a:endParaRPr lang="en-US" sz="1200" b="0" i="0" dirty="0">
-              <a:solidFill>
-                <a:srgbClr val="212121"/>
-              </a:solidFill>
-              <a:effectLst/>
-              <a:latin typeface="Lato" panose="020F0502020204030204" pitchFamily="34" charset="0"/>
-            </a:endParaRPr>
-          </a:p>
-        </p:txBody>
-      </p:sp>
-      <p:pic>
-        <p:nvPicPr>
-          <p:cNvPr id="1046" name="Picture 22" descr="Mail Icon PNG Image | Mail icon, Email icon, Icon set design">
-            <a:extLst>
-              <a:ext uri="{FF2B5EF4-FFF2-40B4-BE49-F238E27FC236}">
-                <a16:creationId xmlns:a16="http://schemas.microsoft.com/office/drawing/2014/main" id="{F567ED39-0FD3-4DD0-977B-ED5C9666207E}"/>
-              </a:ext>
-            </a:extLst>
-          </p:cNvPr>
-          <p:cNvPicPr>
-            <a:picLocks noChangeAspect="1" noChangeArrowheads="1"/>
-          </p:cNvPicPr>
-          <p:nvPr/>
-        </p:nvPicPr>
-        <p:blipFill>
-          <a:blip r:embed="rId14">
-            <a:extLst>
-              <a:ext uri="{28A0092B-C50C-407E-A947-70E740481C1C}">
-                <a14:useLocalDpi xmlns:a14="http://schemas.microsoft.com/office/drawing/2010/main" val="0"/>
-              </a:ext>
-            </a:extLst>
-          </a:blip>
-          <a:srcRect/>
-          <a:stretch>
-            <a:fillRect/>
-          </a:stretch>
-        </p:blipFill>
-        <p:spPr bwMode="auto">
-          <a:xfrm>
-            <a:off x="272569" y="8394933"/>
-            <a:ext cx="262573" cy="247127"/>
-          </a:xfrm>
-          <a:prstGeom prst="rect">
-            <a:avLst/>
-          </a:prstGeom>
-          <a:noFill/>
-          <a:extLst>
-            <a:ext uri="{909E8E84-426E-40DD-AFC4-6F175D3DCCD1}">
-              <a14:hiddenFill xmlns:a14="http://schemas.microsoft.com/office/drawing/2010/main">
-                <a:solidFill>
-                  <a:srgbClr val="FFFFFF"/>
-                </a:solidFill>
-              </a14:hiddenFill>
-            </a:ext>
-          </a:extLst>
-        </p:spPr>
-      </p:pic>
-      <p:pic>
-        <p:nvPicPr>
-          <p:cNvPr id="21" name="Picture 20">
-            <a:extLst>
-              <a:ext uri="{FF2B5EF4-FFF2-40B4-BE49-F238E27FC236}">
-                <a16:creationId xmlns:a16="http://schemas.microsoft.com/office/drawing/2014/main" id="{34E9D7A9-447C-35E7-A464-E466D806505F}"/>
-              </a:ext>
-            </a:extLst>
-          </p:cNvPr>
-          <p:cNvPicPr>
-            <a:picLocks noChangeAspect="1"/>
-          </p:cNvPicPr>
-          <p:nvPr/>
-        </p:nvPicPr>
-        <p:blipFill>
-          <a:blip r:embed="rId15"/>
-          <a:stretch>
-            <a:fillRect/>
-          </a:stretch>
-        </p:blipFill>
-        <p:spPr>
-          <a:xfrm>
-            <a:off x="235233" y="8688993"/>
-            <a:ext cx="343363" cy="323165"/>
-          </a:xfrm>
-          <a:prstGeom prst="rect">
-            <a:avLst/>
-          </a:prstGeom>
-        </p:spPr>
-      </p:pic>
-      <p:sp>
-        <p:nvSpPr>
-          <p:cNvPr id="23" name="TextBox 22">
-            <a:extLst>
-              <a:ext uri="{FF2B5EF4-FFF2-40B4-BE49-F238E27FC236}">
-                <a16:creationId xmlns:a16="http://schemas.microsoft.com/office/drawing/2014/main" id="{7032E583-8E63-F67E-D5BA-476D86FF8088}"/>
-              </a:ext>
-            </a:extLst>
-          </p:cNvPr>
-          <p:cNvSpPr txBox="1"/>
-          <p:nvPr/>
-        </p:nvSpPr>
-        <p:spPr>
-          <a:xfrm>
-            <a:off x="578596" y="8712075"/>
-            <a:ext cx="1563862" cy="276999"/>
-          </a:xfrm>
-          <a:prstGeom prst="rect">
-            <a:avLst/>
-          </a:prstGeom>
-          <a:noFill/>
-        </p:spPr>
-        <p:txBody>
-          <a:bodyPr wrap="square">
-            <a:spAutoFit/>
-          </a:bodyPr>
-          <a:lstStyle/>
-          <a:p>
-            <a:r>
-              <a:rPr lang="en-US" sz="1200" b="1" dirty="0">
-                <a:solidFill>
-                  <a:srgbClr val="FF8C53"/>
-                </a:solidFill>
-                <a:latin typeface="Oxygen" panose="02000503000000000000" pitchFamily="2" charset="0"/>
-              </a:rPr>
-              <a:t>9073 700094</a:t>
-            </a:r>
-          </a:p>
-        </p:txBody>
-      </p:sp>
-      <p:sp>
-        <p:nvSpPr>
-          <p:cNvPr id="24" name="TextBox 23">
-            <a:extLst>
-              <a:ext uri="{FF2B5EF4-FFF2-40B4-BE49-F238E27FC236}">
-                <a16:creationId xmlns:a16="http://schemas.microsoft.com/office/drawing/2014/main" id="{C32427AD-B0C8-CFB2-C695-AC02473C8830}"/>
-              </a:ext>
-            </a:extLst>
-          </p:cNvPr>
-          <p:cNvSpPr txBox="1"/>
-          <p:nvPr/>
-        </p:nvSpPr>
-        <p:spPr>
-          <a:xfrm>
-            <a:off x="4428286" y="8411994"/>
-            <a:ext cx="1211351" cy="276999"/>
-          </a:xfrm>
-          <a:prstGeom prst="rect">
-            <a:avLst/>
-          </a:prstGeom>
-          <a:noFill/>
-        </p:spPr>
-        <p:txBody>
-          <a:bodyPr wrap="square">
-            <a:spAutoFit/>
-          </a:bodyPr>
-          <a:lstStyle/>
-          <a:p>
-            <a:pPr rtl="0" fontAlgn="t"/>
-            <a:r>
-              <a:rPr lang="en-US" sz="1200" b="1" dirty="0">
-                <a:solidFill>
-                  <a:srgbClr val="FF8C53"/>
-                </a:solidFill>
-                <a:latin typeface="Oxygen" panose="02000503000000000000" pitchFamily="2" charset="0"/>
-              </a:rPr>
-              <a:t>Follow us on:</a:t>
-            </a:r>
-          </a:p>
-        </p:txBody>
-      </p:sp>
       <p:sp>
         <p:nvSpPr>
           <p:cNvPr id="27" name="Star: 32 Points 26">
@@ -3908,9 +3367,9 @@
           <p:nvPr/>
         </p:nvSpPr>
         <p:spPr>
-          <a:xfrm rot="20952870">
-            <a:off x="98408" y="1739545"/>
-            <a:ext cx="1317421" cy="511002"/>
+          <a:xfrm rot="21311287">
+            <a:off x="83196" y="3002008"/>
+            <a:ext cx="1560457" cy="462406"/>
           </a:xfrm>
           <a:prstGeom prst="star32">
             <a:avLst>
@@ -3948,15 +3407,24 @@
           <a:p>
             <a:pPr algn="ctr"/>
             <a:r>
-              <a:rPr lang="en-US" sz="2400" b="1" cap="small" dirty="0">
+              <a:rPr lang="en-US" sz="2000" b="1" dirty="0" smtClean="0">
                 <a:solidFill>
                   <a:schemeClr val="bg1"/>
                 </a:solidFill>
                 <a:latin typeface="Oxygen" panose="02000503000000000000" pitchFamily="2" charset="0"/>
               </a:rPr>
-              <a:t>Free</a:t>
-            </a:r>
-            <a:endParaRPr lang="en-US" sz="2400" b="1" cap="small" dirty="0">
+              <a:t>Free </a:t>
+            </a:r>
+            <a:r>
+              <a:rPr lang="en-US" sz="1000" b="1" dirty="0" smtClean="0">
+                <a:solidFill>
+                  <a:schemeClr val="bg1"/>
+                </a:solidFill>
+                <a:latin typeface="Oxygen" panose="02000503000000000000" pitchFamily="2" charset="0"/>
+              </a:rPr>
+              <a:t>for</a:t>
+            </a:r>
+            <a:endParaRPr lang="en-US" sz="1000" b="1" dirty="0">
               <a:latin typeface="Oxygen" panose="02000503000000000000" pitchFamily="2" charset="0"/>
             </a:endParaRPr>
           </a:p>
@@ -3976,8 +3444,8 @@
         </p:nvSpPr>
         <p:spPr>
           <a:xfrm>
-            <a:off x="36051" y="2138827"/>
-            <a:ext cx="2563020" cy="1000274"/>
+            <a:off x="123193" y="1717468"/>
+            <a:ext cx="2563020" cy="1200329"/>
           </a:xfrm>
           <a:prstGeom prst="rect">
             <a:avLst/>
@@ -4023,8 +3491,40 @@
                 </a:solidFill>
                 <a:latin typeface="Oxygen" panose="02000503000000000000" pitchFamily="2" charset="0"/>
               </a:rPr>
-              <a:t>Job Seekers, Professionals </a:t>
-            </a:r>
+              <a:t>School &amp; College Students</a:t>
+            </a:r>
+            <a:endParaRPr lang="en-US" sz="1300" b="1" dirty="0" smtClean="0">
+              <a:solidFill>
+                <a:schemeClr val="bg1"/>
+              </a:solidFill>
+              <a:latin typeface="Oxygen" panose="02000503000000000000" pitchFamily="2" charset="0"/>
+            </a:endParaRPr>
+          </a:p>
+          <a:p>
+            <a:r>
+              <a:rPr lang="en-US" sz="1300" b="1" dirty="0" smtClean="0">
+                <a:solidFill>
+                  <a:schemeClr val="bg1"/>
+                </a:solidFill>
+                <a:latin typeface="Oxygen" panose="02000503000000000000" pitchFamily="2" charset="0"/>
+              </a:rPr>
+              <a:t>	(all classes &amp; streams)</a:t>
+            </a:r>
+            <a:r>
+              <a:rPr lang="en-US" sz="1300" b="1" dirty="0" smtClean="0">
+                <a:solidFill>
+                  <a:schemeClr val="bg1"/>
+                </a:solidFill>
+                <a:latin typeface="Oxygen" panose="02000503000000000000" pitchFamily="2" charset="0"/>
+              </a:rPr>
+              <a:t> </a:t>
+            </a:r>
+            <a:endParaRPr lang="en-US" sz="1300" b="1" dirty="0">
+              <a:solidFill>
+                <a:schemeClr val="bg1"/>
+              </a:solidFill>
+              <a:latin typeface="Oxygen" panose="02000503000000000000" pitchFamily="2" charset="0"/>
+            </a:endParaRPr>
           </a:p>
           <a:p>
             <a:pPr marL="171450" indent="-171450">
@@ -4032,13 +3532,13 @@
               <a:buChar char="•"/>
             </a:pPr>
             <a:r>
-              <a:rPr lang="en-US" sz="1300" b="1" dirty="0">
+              <a:rPr lang="en-US" sz="1300" b="1" dirty="0" smtClean="0">
                 <a:solidFill>
                   <a:schemeClr val="bg1"/>
                 </a:solidFill>
                 <a:latin typeface="Oxygen" panose="02000503000000000000" pitchFamily="2" charset="0"/>
               </a:rPr>
-              <a:t>3rd &amp; 4th Year Students </a:t>
+              <a:t>All Professionals</a:t>
             </a:r>
           </a:p>
         </p:txBody>
@@ -4097,7 +3597,7 @@
         </p:nvSpPr>
         <p:spPr>
           <a:xfrm>
-            <a:off x="-117" y="3518895"/>
+            <a:off x="205744" y="3702332"/>
             <a:ext cx="3122351" cy="400110"/>
           </a:xfrm>
           <a:prstGeom prst="rect">
@@ -4139,7 +3639,7 @@
           <p:nvPr/>
         </p:nvPicPr>
         <p:blipFill>
-          <a:blip r:embed="rId16">
+          <a:blip r:embed="rId7" cstate="hqprint">
             <a:extLst>
               <a:ext uri="{28A0092B-C50C-407E-A947-70E740481C1C}">
                 <a14:useLocalDpi xmlns:a14="http://schemas.microsoft.com/office/drawing/2010/main" val="0"/>
@@ -4192,7 +3692,7 @@
             <a:avLst/>
           </a:prstGeom>
           <a:solidFill>
-            <a:schemeClr val="bg1"/>
+            <a:srgbClr val="FFFFFF"/>
           </a:solidFill>
           <a:ln>
             <a:noFill/>
@@ -4223,6 +3723,1954 @@
           </a:p>
         </p:txBody>
       </p:sp>
+      <p:sp>
+        <p:nvSpPr>
+          <p:cNvPr id="2" name="Rectangle: Rounded Corners 1">
+            <a:extLst>
+              <a:ext uri="{FF2B5EF4-FFF2-40B4-BE49-F238E27FC236}">
+                <a16:creationId xmlns:a16="http://schemas.microsoft.com/office/drawing/2014/main" id="{BBF4A80A-561F-99D6-9166-E89E3A0574D7}"/>
+              </a:ext>
+            </a:extLst>
+          </p:cNvPr>
+          <p:cNvSpPr/>
+          <p:nvPr/>
+        </p:nvSpPr>
+        <p:spPr>
+          <a:xfrm>
+            <a:off x="274648" y="4197799"/>
+            <a:ext cx="2830411" cy="1719134"/>
+          </a:xfrm>
+          <a:prstGeom prst="roundRect">
+            <a:avLst/>
+          </a:prstGeom>
+          <a:solidFill>
+            <a:schemeClr val="bg1">
+              <a:lumMod val="95000"/>
+            </a:schemeClr>
+          </a:solidFill>
+          <a:ln>
+            <a:noFill/>
+          </a:ln>
+          <a:effectLst>
+            <a:outerShdw blurRad="50800" dist="38100" dir="2700000" algn="tl" rotWithShape="0">
+              <a:prstClr val="black">
+                <a:alpha val="40000"/>
+              </a:prstClr>
+            </a:outerShdw>
+          </a:effectLst>
+        </p:spPr>
+        <p:style>
+          <a:lnRef idx="2">
+            <a:schemeClr val="accent1">
+              <a:shade val="15000"/>
+            </a:schemeClr>
+          </a:lnRef>
+          <a:fillRef idx="1">
+            <a:schemeClr val="accent1"/>
+          </a:fillRef>
+          <a:effectRef idx="0">
+            <a:schemeClr val="accent1"/>
+          </a:effectRef>
+          <a:fontRef idx="minor">
+            <a:schemeClr val="lt1"/>
+          </a:fontRef>
+        </p:style>
+        <p:txBody>
+          <a:bodyPr rtlCol="0" anchor="ctr"/>
+          <a:lstStyle/>
+          <a:p>
+            <a:pPr algn="ctr"/>
+            <a:endParaRPr lang="en-US"/>
+          </a:p>
+        </p:txBody>
+      </p:sp>
+      <p:sp>
+        <p:nvSpPr>
+          <p:cNvPr id="4" name="Rectangle: Rounded Corners 3">
+            <a:extLst>
+              <a:ext uri="{FF2B5EF4-FFF2-40B4-BE49-F238E27FC236}">
+                <a16:creationId xmlns:a16="http://schemas.microsoft.com/office/drawing/2014/main" id="{14620557-54B7-03D5-D9A2-37DE4DC06150}"/>
+              </a:ext>
+            </a:extLst>
+          </p:cNvPr>
+          <p:cNvSpPr/>
+          <p:nvPr/>
+        </p:nvSpPr>
+        <p:spPr>
+          <a:xfrm>
+            <a:off x="274647" y="6106763"/>
+            <a:ext cx="2830411" cy="1719134"/>
+          </a:xfrm>
+          <a:prstGeom prst="roundRect">
+            <a:avLst/>
+          </a:prstGeom>
+          <a:solidFill>
+            <a:schemeClr val="bg2"/>
+          </a:solidFill>
+          <a:ln>
+            <a:noFill/>
+          </a:ln>
+          <a:effectLst>
+            <a:outerShdw blurRad="50800" dist="38100" dir="2700000" algn="tl" rotWithShape="0">
+              <a:prstClr val="black">
+                <a:alpha val="40000"/>
+              </a:prstClr>
+            </a:outerShdw>
+          </a:effectLst>
+        </p:spPr>
+        <p:style>
+          <a:lnRef idx="2">
+            <a:schemeClr val="accent1">
+              <a:shade val="15000"/>
+            </a:schemeClr>
+          </a:lnRef>
+          <a:fillRef idx="1">
+            <a:schemeClr val="accent1"/>
+          </a:fillRef>
+          <a:effectRef idx="0">
+            <a:schemeClr val="accent1"/>
+          </a:effectRef>
+          <a:fontRef idx="minor">
+            <a:schemeClr val="lt1"/>
+          </a:fontRef>
+        </p:style>
+        <p:txBody>
+          <a:bodyPr rtlCol="0" anchor="ctr"/>
+          <a:lstStyle/>
+          <a:p>
+            <a:pPr algn="ctr"/>
+            <a:endParaRPr lang="en-US"/>
+          </a:p>
+        </p:txBody>
+      </p:sp>
+      <p:sp>
+        <p:nvSpPr>
+          <p:cNvPr id="9" name="Rectangle: Rounded Corners 8">
+            <a:extLst>
+              <a:ext uri="{FF2B5EF4-FFF2-40B4-BE49-F238E27FC236}">
+                <a16:creationId xmlns:a16="http://schemas.microsoft.com/office/drawing/2014/main" id="{BED48140-1545-2F84-01EF-7271FC0D5DCA}"/>
+              </a:ext>
+            </a:extLst>
+          </p:cNvPr>
+          <p:cNvSpPr/>
+          <p:nvPr/>
+        </p:nvSpPr>
+        <p:spPr>
+          <a:xfrm>
+            <a:off x="3345657" y="4201537"/>
+            <a:ext cx="2830411" cy="1719134"/>
+          </a:xfrm>
+          <a:prstGeom prst="roundRect">
+            <a:avLst/>
+          </a:prstGeom>
+          <a:solidFill>
+            <a:schemeClr val="bg2"/>
+          </a:solidFill>
+          <a:ln>
+            <a:noFill/>
+          </a:ln>
+          <a:effectLst>
+            <a:outerShdw blurRad="50800" dist="38100" dir="2700000" algn="tl" rotWithShape="0">
+              <a:prstClr val="black">
+                <a:alpha val="40000"/>
+              </a:prstClr>
+            </a:outerShdw>
+          </a:effectLst>
+        </p:spPr>
+        <p:style>
+          <a:lnRef idx="2">
+            <a:schemeClr val="accent1">
+              <a:shade val="15000"/>
+            </a:schemeClr>
+          </a:lnRef>
+          <a:fillRef idx="1">
+            <a:schemeClr val="accent1"/>
+          </a:fillRef>
+          <a:effectRef idx="0">
+            <a:schemeClr val="accent1"/>
+          </a:effectRef>
+          <a:fontRef idx="minor">
+            <a:schemeClr val="lt1"/>
+          </a:fontRef>
+        </p:style>
+        <p:txBody>
+          <a:bodyPr rtlCol="0" anchor="ctr"/>
+          <a:lstStyle/>
+          <a:p>
+            <a:pPr algn="ctr"/>
+            <a:endParaRPr lang="en-US"/>
+          </a:p>
+        </p:txBody>
+      </p:sp>
+      <p:sp>
+        <p:nvSpPr>
+          <p:cNvPr id="15" name="Rectangle: Rounded Corners 14">
+            <a:extLst>
+              <a:ext uri="{FF2B5EF4-FFF2-40B4-BE49-F238E27FC236}">
+                <a16:creationId xmlns:a16="http://schemas.microsoft.com/office/drawing/2014/main" id="{93C91F11-9FF3-72C7-181C-A13636E40653}"/>
+              </a:ext>
+            </a:extLst>
+          </p:cNvPr>
+          <p:cNvSpPr/>
+          <p:nvPr/>
+        </p:nvSpPr>
+        <p:spPr>
+          <a:xfrm>
+            <a:off x="3345656" y="6097019"/>
+            <a:ext cx="2830411" cy="1719134"/>
+          </a:xfrm>
+          <a:prstGeom prst="roundRect">
+            <a:avLst/>
+          </a:prstGeom>
+          <a:solidFill>
+            <a:schemeClr val="bg1">
+              <a:lumMod val="85000"/>
+            </a:schemeClr>
+          </a:solidFill>
+          <a:ln>
+            <a:noFill/>
+          </a:ln>
+          <a:effectLst>
+            <a:outerShdw blurRad="50800" dist="38100" dir="2700000" algn="tl" rotWithShape="0">
+              <a:prstClr val="black">
+                <a:alpha val="40000"/>
+              </a:prstClr>
+            </a:outerShdw>
+          </a:effectLst>
+        </p:spPr>
+        <p:style>
+          <a:lnRef idx="2">
+            <a:schemeClr val="accent1">
+              <a:shade val="15000"/>
+            </a:schemeClr>
+          </a:lnRef>
+          <a:fillRef idx="1">
+            <a:schemeClr val="accent1"/>
+          </a:fillRef>
+          <a:effectRef idx="0">
+            <a:schemeClr val="accent1"/>
+          </a:effectRef>
+          <a:fontRef idx="minor">
+            <a:schemeClr val="lt1"/>
+          </a:fontRef>
+        </p:style>
+        <p:txBody>
+          <a:bodyPr rtlCol="0" anchor="ctr"/>
+          <a:lstStyle/>
+          <a:p>
+            <a:pPr algn="ctr"/>
+            <a:endParaRPr lang="en-US"/>
+          </a:p>
+        </p:txBody>
+      </p:sp>
+      <p:sp>
+        <p:nvSpPr>
+          <p:cNvPr id="25" name="TextBox 24">
+            <a:extLst>
+              <a:ext uri="{FF2B5EF4-FFF2-40B4-BE49-F238E27FC236}">
+                <a16:creationId xmlns:a16="http://schemas.microsoft.com/office/drawing/2014/main" id="{17CDCBBE-901E-3A1D-40A4-A0C1D98406D8}"/>
+              </a:ext>
+            </a:extLst>
+          </p:cNvPr>
+          <p:cNvSpPr txBox="1"/>
+          <p:nvPr/>
+        </p:nvSpPr>
+        <p:spPr>
+          <a:xfrm rot="18752084">
+            <a:off x="219274" y="4266694"/>
+            <a:ext cx="541706" cy="276999"/>
+          </a:xfrm>
+          <a:prstGeom prst="rect">
+            <a:avLst/>
+          </a:prstGeom>
+          <a:noFill/>
+        </p:spPr>
+        <p:txBody>
+          <a:bodyPr wrap="square" rtlCol="0">
+            <a:spAutoFit/>
+          </a:bodyPr>
+          <a:lstStyle/>
+          <a:p>
+            <a:pPr algn="ctr"/>
+            <a:r>
+              <a:rPr lang="en-US" sz="1200" b="1" cap="small" dirty="0">
+                <a:solidFill>
+                  <a:schemeClr val="tx1">
+                    <a:lumMod val="50000"/>
+                    <a:lumOff val="50000"/>
+                  </a:schemeClr>
+                </a:solidFill>
+                <a:latin typeface="Oxygen" panose="02000503000000000000" pitchFamily="2" charset="0"/>
+              </a:rPr>
+              <a:t>Sem 1</a:t>
+            </a:r>
+          </a:p>
+        </p:txBody>
+      </p:sp>
+      <p:sp>
+        <p:nvSpPr>
+          <p:cNvPr id="1024" name="TextBox 1023">
+            <a:extLst>
+              <a:ext uri="{FF2B5EF4-FFF2-40B4-BE49-F238E27FC236}">
+                <a16:creationId xmlns:a16="http://schemas.microsoft.com/office/drawing/2014/main" id="{3CC7E408-93B0-3725-23E8-D91F61F638E2}"/>
+              </a:ext>
+            </a:extLst>
+          </p:cNvPr>
+          <p:cNvSpPr txBox="1"/>
+          <p:nvPr/>
+        </p:nvSpPr>
+        <p:spPr>
+          <a:xfrm>
+            <a:off x="820157" y="4371990"/>
+            <a:ext cx="2284902" cy="738664"/>
+          </a:xfrm>
+          <a:prstGeom prst="rect">
+            <a:avLst/>
+          </a:prstGeom>
+          <a:noFill/>
+        </p:spPr>
+        <p:txBody>
+          <a:bodyPr wrap="square">
+            <a:spAutoFit/>
+          </a:bodyPr>
+          <a:lstStyle/>
+          <a:p>
+            <a:r>
+              <a:rPr lang="en-US" sz="1200" b="1" cap="small" dirty="0">
+                <a:solidFill>
+                  <a:schemeClr val="tx1">
+                    <a:lumMod val="50000"/>
+                    <a:lumOff val="50000"/>
+                  </a:schemeClr>
+                </a:solidFill>
+                <a:latin typeface="Oxygen" panose="02000503000000000000" pitchFamily="2" charset="0"/>
+              </a:rPr>
+              <a:t>Data Analysis Engineer</a:t>
+            </a:r>
+          </a:p>
+          <a:p>
+            <a:pPr marL="171450" indent="-171450">
+              <a:buFont typeface="Wingdings" panose="05000000000000000000" pitchFamily="2" charset="2"/>
+              <a:buChar char="v"/>
+            </a:pPr>
+            <a:r>
+              <a:rPr lang="en-US" sz="1000" b="1" dirty="0">
+                <a:solidFill>
+                  <a:schemeClr val="tx1">
+                    <a:lumMod val="50000"/>
+                    <a:lumOff val="50000"/>
+                  </a:schemeClr>
+                </a:solidFill>
+                <a:latin typeface="Oxygen" panose="02000503000000000000" pitchFamily="2" charset="0"/>
+              </a:rPr>
+              <a:t>AI Intro, Python, Maths,  Stats</a:t>
+            </a:r>
+          </a:p>
+          <a:p>
+            <a:pPr marL="171450" indent="-171450">
+              <a:buFont typeface="Wingdings" panose="05000000000000000000" pitchFamily="2" charset="2"/>
+              <a:buChar char="v"/>
+            </a:pPr>
+            <a:r>
+              <a:rPr lang="en-US" sz="1000" b="1" dirty="0">
+                <a:solidFill>
+                  <a:schemeClr val="tx1">
+                    <a:lumMod val="50000"/>
+                    <a:lumOff val="50000"/>
+                  </a:schemeClr>
+                </a:solidFill>
+                <a:latin typeface="Oxygen" panose="02000503000000000000" pitchFamily="2" charset="0"/>
+              </a:rPr>
+              <a:t>Data Analysis: </a:t>
+            </a:r>
+            <a:r>
+              <a:rPr lang="en-US" sz="1000" b="1" dirty="0" err="1">
+                <a:solidFill>
+                  <a:schemeClr val="tx1">
+                    <a:lumMod val="50000"/>
+                    <a:lumOff val="50000"/>
+                  </a:schemeClr>
+                </a:solidFill>
+                <a:latin typeface="Oxygen" panose="02000503000000000000" pitchFamily="2" charset="0"/>
+              </a:rPr>
+              <a:t>numpy</a:t>
+            </a:r>
+            <a:r>
+              <a:rPr lang="en-US" sz="1000" b="1" dirty="0">
+                <a:solidFill>
+                  <a:schemeClr val="tx1">
+                    <a:lumMod val="50000"/>
+                    <a:lumOff val="50000"/>
+                  </a:schemeClr>
+                </a:solidFill>
+                <a:latin typeface="Oxygen" panose="02000503000000000000" pitchFamily="2" charset="0"/>
+              </a:rPr>
+              <a:t> &amp; pandas</a:t>
+            </a:r>
+          </a:p>
+          <a:p>
+            <a:pPr marL="171450" indent="-171450">
+              <a:buFont typeface="Wingdings" panose="05000000000000000000" pitchFamily="2" charset="2"/>
+              <a:buChar char="v"/>
+            </a:pPr>
+            <a:r>
+              <a:rPr lang="en-US" sz="1000" b="1" dirty="0">
+                <a:solidFill>
+                  <a:schemeClr val="tx1">
+                    <a:lumMod val="50000"/>
+                    <a:lumOff val="50000"/>
+                  </a:schemeClr>
+                </a:solidFill>
+                <a:latin typeface="Oxygen" panose="02000503000000000000" pitchFamily="2" charset="0"/>
+              </a:rPr>
+              <a:t>Visualization: matplotlib</a:t>
+            </a:r>
+          </a:p>
+        </p:txBody>
+      </p:sp>
+      <p:sp>
+        <p:nvSpPr>
+          <p:cNvPr id="1025" name="TextBox 1024">
+            <a:extLst>
+              <a:ext uri="{FF2B5EF4-FFF2-40B4-BE49-F238E27FC236}">
+                <a16:creationId xmlns:a16="http://schemas.microsoft.com/office/drawing/2014/main" id="{492313F8-7E71-D755-AF98-69B1CEEEDCC7}"/>
+              </a:ext>
+            </a:extLst>
+          </p:cNvPr>
+          <p:cNvSpPr txBox="1"/>
+          <p:nvPr/>
+        </p:nvSpPr>
+        <p:spPr>
+          <a:xfrm>
+            <a:off x="820156" y="5092286"/>
+            <a:ext cx="2216834" cy="738664"/>
+          </a:xfrm>
+          <a:prstGeom prst="rect">
+            <a:avLst/>
+          </a:prstGeom>
+          <a:noFill/>
+        </p:spPr>
+        <p:txBody>
+          <a:bodyPr wrap="square">
+            <a:spAutoFit/>
+          </a:bodyPr>
+          <a:lstStyle/>
+          <a:p>
+            <a:r>
+              <a:rPr lang="en-US" sz="1200" b="1" cap="small" dirty="0">
+                <a:solidFill>
+                  <a:schemeClr val="tx1">
+                    <a:lumMod val="50000"/>
+                    <a:lumOff val="50000"/>
+                  </a:schemeClr>
+                </a:solidFill>
+                <a:latin typeface="Oxygen" panose="02000503000000000000" pitchFamily="2" charset="0"/>
+              </a:rPr>
+              <a:t>Gen AI &amp; Prompt Engineer</a:t>
+            </a:r>
+          </a:p>
+          <a:p>
+            <a:pPr marL="171450" indent="-171450">
+              <a:buFont typeface="Wingdings" panose="05000000000000000000" pitchFamily="2" charset="2"/>
+              <a:buChar char="v"/>
+            </a:pPr>
+            <a:r>
+              <a:rPr lang="en-US" sz="1000" b="1" dirty="0">
+                <a:solidFill>
+                  <a:schemeClr val="tx1">
+                    <a:lumMod val="50000"/>
+                    <a:lumOff val="50000"/>
+                  </a:schemeClr>
+                </a:solidFill>
+                <a:latin typeface="Oxygen" panose="02000503000000000000" pitchFamily="2" charset="0"/>
+              </a:rPr>
+              <a:t>LLM – ChatGPT / LLAMA</a:t>
+            </a:r>
+          </a:p>
+          <a:p>
+            <a:pPr marL="171450" indent="-171450">
+              <a:buFont typeface="Wingdings" panose="05000000000000000000" pitchFamily="2" charset="2"/>
+              <a:buChar char="v"/>
+            </a:pPr>
+            <a:r>
+              <a:rPr lang="en-US" sz="1000" b="1" dirty="0" err="1">
+                <a:solidFill>
+                  <a:schemeClr val="tx1">
+                    <a:lumMod val="50000"/>
+                    <a:lumOff val="50000"/>
+                  </a:schemeClr>
+                </a:solidFill>
+                <a:latin typeface="Oxygen" panose="02000503000000000000" pitchFamily="2" charset="0"/>
+              </a:rPr>
+              <a:t>LangChain</a:t>
+            </a:r>
+            <a:r>
+              <a:rPr lang="en-US" sz="1000" b="1" dirty="0">
+                <a:solidFill>
+                  <a:schemeClr val="tx1">
+                    <a:lumMod val="50000"/>
+                    <a:lumOff val="50000"/>
+                  </a:schemeClr>
+                </a:solidFill>
+                <a:latin typeface="Oxygen" panose="02000503000000000000" pitchFamily="2" charset="0"/>
+              </a:rPr>
+              <a:t> &amp; Semantic Search</a:t>
+            </a:r>
+          </a:p>
+          <a:p>
+            <a:pPr marL="171450" indent="-171450">
+              <a:buFont typeface="Wingdings" panose="05000000000000000000" pitchFamily="2" charset="2"/>
+              <a:buChar char="v"/>
+            </a:pPr>
+            <a:r>
+              <a:rPr lang="en-US" sz="1000" b="1" dirty="0">
+                <a:solidFill>
+                  <a:schemeClr val="tx1">
+                    <a:lumMod val="50000"/>
+                    <a:lumOff val="50000"/>
+                  </a:schemeClr>
+                </a:solidFill>
+                <a:latin typeface="Oxygen" panose="02000503000000000000" pitchFamily="2" charset="0"/>
+              </a:rPr>
+              <a:t>Prompt Engineering</a:t>
+            </a:r>
+          </a:p>
+        </p:txBody>
+      </p:sp>
+      <p:pic>
+        <p:nvPicPr>
+          <p:cNvPr id="1033" name="Picture 14">
+            <a:extLst>
+              <a:ext uri="{FF2B5EF4-FFF2-40B4-BE49-F238E27FC236}">
+                <a16:creationId xmlns:a16="http://schemas.microsoft.com/office/drawing/2014/main" id="{DB494C64-FA74-AD43-5E4A-FB01092C0D72}"/>
+              </a:ext>
+            </a:extLst>
+          </p:cNvPr>
+          <p:cNvPicPr>
+            <a:picLocks noChangeAspect="1" noChangeArrowheads="1"/>
+          </p:cNvPicPr>
+          <p:nvPr/>
+        </p:nvPicPr>
+        <p:blipFill>
+          <a:blip r:embed="rId8" cstate="hqprint">
+            <a:extLst>
+              <a:ext uri="{28A0092B-C50C-407E-A947-70E740481C1C}">
+                <a14:useLocalDpi xmlns:a14="http://schemas.microsoft.com/office/drawing/2010/main" val="0"/>
+              </a:ext>
+            </a:extLst>
+          </a:blip>
+          <a:srcRect/>
+          <a:stretch>
+            <a:fillRect/>
+          </a:stretch>
+        </p:blipFill>
+        <p:spPr bwMode="auto">
+          <a:xfrm>
+            <a:off x="564644" y="4413888"/>
+            <a:ext cx="412675" cy="439890"/>
+          </a:xfrm>
+          <a:prstGeom prst="rect">
+            <a:avLst/>
+          </a:prstGeom>
+          <a:noFill/>
+          <a:extLst>
+            <a:ext uri="{909E8E84-426E-40DD-AFC4-6F175D3DCCD1}">
+              <a14:hiddenFill xmlns:a14="http://schemas.microsoft.com/office/drawing/2010/main">
+                <a:solidFill>
+                  <a:srgbClr val="FFFFFF"/>
+                </a:solidFill>
+              </a14:hiddenFill>
+            </a:ext>
+          </a:extLst>
+        </p:spPr>
+      </p:pic>
+      <p:pic>
+        <p:nvPicPr>
+          <p:cNvPr id="1035" name="Picture 14">
+            <a:extLst>
+              <a:ext uri="{FF2B5EF4-FFF2-40B4-BE49-F238E27FC236}">
+                <a16:creationId xmlns:a16="http://schemas.microsoft.com/office/drawing/2014/main" id="{7826C10D-66EC-CAB3-B63D-4CF78B079C4D}"/>
+              </a:ext>
+            </a:extLst>
+          </p:cNvPr>
+          <p:cNvPicPr>
+            <a:picLocks noChangeAspect="1" noChangeArrowheads="1"/>
+          </p:cNvPicPr>
+          <p:nvPr/>
+        </p:nvPicPr>
+        <p:blipFill>
+          <a:blip r:embed="rId9" cstate="hqprint">
+            <a:extLst>
+              <a:ext uri="{28A0092B-C50C-407E-A947-70E740481C1C}">
+                <a14:useLocalDpi xmlns:a14="http://schemas.microsoft.com/office/drawing/2010/main" val="0"/>
+              </a:ext>
+            </a:extLst>
+          </a:blip>
+          <a:srcRect/>
+          <a:stretch>
+            <a:fillRect/>
+          </a:stretch>
+        </p:blipFill>
+        <p:spPr bwMode="auto">
+          <a:xfrm>
+            <a:off x="569021" y="5125480"/>
+            <a:ext cx="439890" cy="439890"/>
+          </a:xfrm>
+          <a:prstGeom prst="rect">
+            <a:avLst/>
+          </a:prstGeom>
+          <a:noFill/>
+          <a:extLst>
+            <a:ext uri="{909E8E84-426E-40DD-AFC4-6F175D3DCCD1}">
+              <a14:hiddenFill xmlns:a14="http://schemas.microsoft.com/office/drawing/2010/main">
+                <a:solidFill>
+                  <a:srgbClr val="FFFFFF"/>
+                </a:solidFill>
+              </a14:hiddenFill>
+            </a:ext>
+          </a:extLst>
+        </p:spPr>
+      </p:pic>
+      <p:sp>
+        <p:nvSpPr>
+          <p:cNvPr id="1037" name="TextBox 1036">
+            <a:extLst>
+              <a:ext uri="{FF2B5EF4-FFF2-40B4-BE49-F238E27FC236}">
+                <a16:creationId xmlns:a16="http://schemas.microsoft.com/office/drawing/2014/main" id="{E9B61FAC-2E71-8033-8C34-0D211B642633}"/>
+              </a:ext>
+            </a:extLst>
+          </p:cNvPr>
+          <p:cNvSpPr txBox="1"/>
+          <p:nvPr/>
+        </p:nvSpPr>
+        <p:spPr>
+          <a:xfrm rot="18752084">
+            <a:off x="3303023" y="4287029"/>
+            <a:ext cx="573681" cy="276999"/>
+          </a:xfrm>
+          <a:prstGeom prst="rect">
+            <a:avLst/>
+          </a:prstGeom>
+          <a:noFill/>
+        </p:spPr>
+        <p:txBody>
+          <a:bodyPr wrap="square" rtlCol="0">
+            <a:spAutoFit/>
+          </a:bodyPr>
+          <a:lstStyle/>
+          <a:p>
+            <a:pPr algn="ctr"/>
+            <a:r>
+              <a:rPr lang="en-US" sz="1200" b="1" cap="small" dirty="0">
+                <a:solidFill>
+                  <a:schemeClr val="tx1">
+                    <a:lumMod val="50000"/>
+                    <a:lumOff val="50000"/>
+                  </a:schemeClr>
+                </a:solidFill>
+                <a:latin typeface="Oxygen" panose="02000503000000000000" pitchFamily="2" charset="0"/>
+              </a:rPr>
+              <a:t>Sem 2</a:t>
+            </a:r>
+          </a:p>
+        </p:txBody>
+      </p:sp>
+      <p:sp>
+        <p:nvSpPr>
+          <p:cNvPr id="1039" name="TextBox 1038">
+            <a:extLst>
+              <a:ext uri="{FF2B5EF4-FFF2-40B4-BE49-F238E27FC236}">
+                <a16:creationId xmlns:a16="http://schemas.microsoft.com/office/drawing/2014/main" id="{C759E018-F3EE-05A4-D795-CE1DB774153B}"/>
+              </a:ext>
+            </a:extLst>
+          </p:cNvPr>
+          <p:cNvSpPr txBox="1"/>
+          <p:nvPr/>
+        </p:nvSpPr>
+        <p:spPr>
+          <a:xfrm rot="18752084">
+            <a:off x="218369" y="6214791"/>
+            <a:ext cx="573681" cy="276999"/>
+          </a:xfrm>
+          <a:prstGeom prst="rect">
+            <a:avLst/>
+          </a:prstGeom>
+          <a:noFill/>
+        </p:spPr>
+        <p:txBody>
+          <a:bodyPr wrap="square" rtlCol="0">
+            <a:spAutoFit/>
+          </a:bodyPr>
+          <a:lstStyle/>
+          <a:p>
+            <a:pPr algn="ctr"/>
+            <a:r>
+              <a:rPr lang="en-US" sz="1200" b="1" cap="small" dirty="0">
+                <a:solidFill>
+                  <a:schemeClr val="tx1">
+                    <a:lumMod val="50000"/>
+                    <a:lumOff val="50000"/>
+                  </a:schemeClr>
+                </a:solidFill>
+                <a:latin typeface="Oxygen" panose="02000503000000000000" pitchFamily="2" charset="0"/>
+              </a:rPr>
+              <a:t>Sem 3</a:t>
+            </a:r>
+          </a:p>
+        </p:txBody>
+      </p:sp>
+      <p:sp>
+        <p:nvSpPr>
+          <p:cNvPr id="1041" name="TextBox 1040">
+            <a:extLst>
+              <a:ext uri="{FF2B5EF4-FFF2-40B4-BE49-F238E27FC236}">
+                <a16:creationId xmlns:a16="http://schemas.microsoft.com/office/drawing/2014/main" id="{6504DAB1-8148-FDCE-C01D-EA96CBFBFDAC}"/>
+              </a:ext>
+            </a:extLst>
+          </p:cNvPr>
+          <p:cNvSpPr txBox="1"/>
+          <p:nvPr/>
+        </p:nvSpPr>
+        <p:spPr>
+          <a:xfrm rot="18752084">
+            <a:off x="3278870" y="6195577"/>
+            <a:ext cx="631240" cy="276999"/>
+          </a:xfrm>
+          <a:prstGeom prst="rect">
+            <a:avLst/>
+          </a:prstGeom>
+          <a:noFill/>
+        </p:spPr>
+        <p:txBody>
+          <a:bodyPr wrap="square" rtlCol="0">
+            <a:spAutoFit/>
+          </a:bodyPr>
+          <a:lstStyle/>
+          <a:p>
+            <a:pPr algn="ctr"/>
+            <a:r>
+              <a:rPr lang="en-US" sz="1200" b="1" cap="small" dirty="0">
+                <a:solidFill>
+                  <a:schemeClr val="tx1">
+                    <a:lumMod val="50000"/>
+                    <a:lumOff val="50000"/>
+                  </a:schemeClr>
+                </a:solidFill>
+                <a:latin typeface="Oxygen" panose="02000503000000000000" pitchFamily="2" charset="0"/>
+              </a:rPr>
+              <a:t>Sem 4</a:t>
+            </a:r>
+          </a:p>
+        </p:txBody>
+      </p:sp>
+      <p:sp>
+        <p:nvSpPr>
+          <p:cNvPr id="1043" name="TextBox 1042">
+            <a:extLst>
+              <a:ext uri="{FF2B5EF4-FFF2-40B4-BE49-F238E27FC236}">
+                <a16:creationId xmlns:a16="http://schemas.microsoft.com/office/drawing/2014/main" id="{B21BD89B-4DAC-16E6-57A2-60CE693FE1A7}"/>
+              </a:ext>
+            </a:extLst>
+          </p:cNvPr>
+          <p:cNvSpPr txBox="1"/>
+          <p:nvPr/>
+        </p:nvSpPr>
+        <p:spPr>
+          <a:xfrm>
+            <a:off x="3979785" y="4507048"/>
+            <a:ext cx="1892205" cy="1046440"/>
+          </a:xfrm>
+          <a:prstGeom prst="rect">
+            <a:avLst/>
+          </a:prstGeom>
+          <a:noFill/>
+        </p:spPr>
+        <p:txBody>
+          <a:bodyPr wrap="square">
+            <a:spAutoFit/>
+          </a:bodyPr>
+          <a:lstStyle/>
+          <a:p>
+            <a:r>
+              <a:rPr lang="en-US" sz="1200" b="1" cap="small" dirty="0">
+                <a:solidFill>
+                  <a:schemeClr val="tx1">
+                    <a:lumMod val="50000"/>
+                    <a:lumOff val="50000"/>
+                  </a:schemeClr>
+                </a:solidFill>
+                <a:latin typeface="Oxygen" panose="02000503000000000000" pitchFamily="2" charset="0"/>
+              </a:rPr>
+              <a:t>Data Science Specialist</a:t>
+            </a:r>
+          </a:p>
+          <a:p>
+            <a:pPr marL="171450" indent="-171450">
+              <a:buFont typeface="Wingdings" panose="05000000000000000000" pitchFamily="2" charset="2"/>
+              <a:buChar char="v"/>
+            </a:pPr>
+            <a:r>
+              <a:rPr lang="en-US" sz="1000" b="1" dirty="0">
+                <a:solidFill>
+                  <a:schemeClr val="tx1">
+                    <a:lumMod val="50000"/>
+                    <a:lumOff val="50000"/>
+                  </a:schemeClr>
+                </a:solidFill>
+                <a:latin typeface="Oxygen" panose="02000503000000000000" pitchFamily="2" charset="0"/>
+              </a:rPr>
+              <a:t>Neural Network</a:t>
+            </a:r>
+          </a:p>
+          <a:p>
+            <a:pPr marL="171450" indent="-171450">
+              <a:buFont typeface="Wingdings" panose="05000000000000000000" pitchFamily="2" charset="2"/>
+              <a:buChar char="v"/>
+            </a:pPr>
+            <a:r>
+              <a:rPr lang="en-US" sz="1000" b="1" dirty="0">
+                <a:solidFill>
+                  <a:schemeClr val="tx1">
+                    <a:lumMod val="50000"/>
+                    <a:lumOff val="50000"/>
+                  </a:schemeClr>
+                </a:solidFill>
+                <a:latin typeface="Oxygen" panose="02000503000000000000" pitchFamily="2" charset="0"/>
+              </a:rPr>
+              <a:t>TensorFlow, Keras</a:t>
+            </a:r>
+          </a:p>
+          <a:p>
+            <a:pPr marL="171450" indent="-171450">
+              <a:buFont typeface="Wingdings" panose="05000000000000000000" pitchFamily="2" charset="2"/>
+              <a:buChar char="v"/>
+            </a:pPr>
+            <a:r>
+              <a:rPr lang="en-US" sz="1000" b="1" dirty="0">
+                <a:solidFill>
+                  <a:schemeClr val="tx1">
+                    <a:lumMod val="50000"/>
+                    <a:lumOff val="50000"/>
+                  </a:schemeClr>
+                </a:solidFill>
+                <a:latin typeface="Oxygen" panose="02000503000000000000" pitchFamily="2" charset="0"/>
+              </a:rPr>
+              <a:t>Deep Learning</a:t>
+            </a:r>
+          </a:p>
+          <a:p>
+            <a:pPr marL="628650" lvl="1" indent="-171450">
+              <a:buFont typeface="Wingdings" panose="05000000000000000000" pitchFamily="2" charset="2"/>
+              <a:buChar char="§"/>
+            </a:pPr>
+            <a:r>
+              <a:rPr lang="en-US" sz="1000" b="1" dirty="0">
+                <a:solidFill>
+                  <a:schemeClr val="tx1">
+                    <a:lumMod val="50000"/>
+                    <a:lumOff val="50000"/>
+                  </a:schemeClr>
+                </a:solidFill>
+                <a:latin typeface="Oxygen" panose="02000503000000000000" pitchFamily="2" charset="0"/>
+              </a:rPr>
+              <a:t>Computer Vision</a:t>
+            </a:r>
+          </a:p>
+          <a:p>
+            <a:pPr marL="628650" lvl="1" indent="-171450">
+              <a:buFont typeface="Wingdings" panose="05000000000000000000" pitchFamily="2" charset="2"/>
+              <a:buChar char="§"/>
+            </a:pPr>
+            <a:r>
+              <a:rPr lang="en-US" sz="1000" b="1" dirty="0">
+                <a:solidFill>
+                  <a:schemeClr val="tx1">
+                    <a:lumMod val="50000"/>
+                    <a:lumOff val="50000"/>
+                  </a:schemeClr>
+                </a:solidFill>
+                <a:latin typeface="Oxygen" panose="02000503000000000000" pitchFamily="2" charset="0"/>
+              </a:rPr>
+              <a:t>NLP</a:t>
+            </a:r>
+          </a:p>
+        </p:txBody>
+      </p:sp>
+      <p:pic>
+        <p:nvPicPr>
+          <p:cNvPr id="1044" name="Picture 14">
+            <a:extLst>
+              <a:ext uri="{FF2B5EF4-FFF2-40B4-BE49-F238E27FC236}">
+                <a16:creationId xmlns:a16="http://schemas.microsoft.com/office/drawing/2014/main" id="{7E8CBBC9-FCCD-9F8F-350E-126B60D970E1}"/>
+              </a:ext>
+            </a:extLst>
+          </p:cNvPr>
+          <p:cNvPicPr>
+            <a:picLocks noChangeAspect="1" noChangeArrowheads="1"/>
+          </p:cNvPicPr>
+          <p:nvPr/>
+        </p:nvPicPr>
+        <p:blipFill>
+          <a:blip r:embed="rId8" cstate="hqprint">
+            <a:extLst>
+              <a:ext uri="{28A0092B-C50C-407E-A947-70E740481C1C}">
+                <a14:useLocalDpi xmlns:a14="http://schemas.microsoft.com/office/drawing/2010/main" val="0"/>
+              </a:ext>
+            </a:extLst>
+          </a:blip>
+          <a:srcRect/>
+          <a:stretch>
+            <a:fillRect/>
+          </a:stretch>
+        </p:blipFill>
+        <p:spPr bwMode="auto">
+          <a:xfrm>
+            <a:off x="3724272" y="4548946"/>
+            <a:ext cx="412675" cy="439890"/>
+          </a:xfrm>
+          <a:prstGeom prst="rect">
+            <a:avLst/>
+          </a:prstGeom>
+          <a:noFill/>
+          <a:extLst>
+            <a:ext uri="{909E8E84-426E-40DD-AFC4-6F175D3DCCD1}">
+              <a14:hiddenFill xmlns:a14="http://schemas.microsoft.com/office/drawing/2010/main">
+                <a:solidFill>
+                  <a:srgbClr val="FFFFFF"/>
+                </a:solidFill>
+              </a14:hiddenFill>
+            </a:ext>
+          </a:extLst>
+        </p:spPr>
+      </p:pic>
+      <p:sp>
+        <p:nvSpPr>
+          <p:cNvPr id="1045" name="TextBox 1044">
+            <a:extLst>
+              <a:ext uri="{FF2B5EF4-FFF2-40B4-BE49-F238E27FC236}">
+                <a16:creationId xmlns:a16="http://schemas.microsoft.com/office/drawing/2014/main" id="{2D62C17C-DA4B-769F-F7DC-3D1AF0CEA18C}"/>
+              </a:ext>
+            </a:extLst>
+          </p:cNvPr>
+          <p:cNvSpPr txBox="1"/>
+          <p:nvPr/>
+        </p:nvSpPr>
+        <p:spPr>
+          <a:xfrm>
+            <a:off x="827785" y="6511333"/>
+            <a:ext cx="2301582" cy="892552"/>
+          </a:xfrm>
+          <a:prstGeom prst="rect">
+            <a:avLst/>
+          </a:prstGeom>
+          <a:noFill/>
+        </p:spPr>
+        <p:txBody>
+          <a:bodyPr wrap="square">
+            <a:spAutoFit/>
+          </a:bodyPr>
+          <a:lstStyle/>
+          <a:p>
+            <a:r>
+              <a:rPr lang="en-US" sz="1200" b="1" cap="small" dirty="0">
+                <a:solidFill>
+                  <a:schemeClr val="tx1">
+                    <a:lumMod val="50000"/>
+                    <a:lumOff val="50000"/>
+                  </a:schemeClr>
+                </a:solidFill>
+                <a:latin typeface="Oxygen" panose="02000503000000000000" pitchFamily="2" charset="0"/>
+              </a:rPr>
+              <a:t>Machine Learning Engineer</a:t>
+            </a:r>
+          </a:p>
+          <a:p>
+            <a:pPr marL="171450" indent="-171450">
+              <a:buFont typeface="Wingdings" panose="05000000000000000000" pitchFamily="2" charset="2"/>
+              <a:buChar char="v"/>
+            </a:pPr>
+            <a:r>
+              <a:rPr lang="en-US" sz="1000" b="1" dirty="0">
+                <a:solidFill>
+                  <a:schemeClr val="tx1">
+                    <a:lumMod val="50000"/>
+                    <a:lumOff val="50000"/>
+                  </a:schemeClr>
+                </a:solidFill>
+                <a:latin typeface="Oxygen" panose="02000503000000000000" pitchFamily="2" charset="0"/>
+              </a:rPr>
+              <a:t>Project Org, Hyperparameters</a:t>
+            </a:r>
+          </a:p>
+          <a:p>
+            <a:pPr marL="171450" indent="-171450">
+              <a:buFont typeface="Wingdings" panose="05000000000000000000" pitchFamily="2" charset="2"/>
+              <a:buChar char="v"/>
+            </a:pPr>
+            <a:r>
+              <a:rPr lang="en-US" sz="1000" b="1" dirty="0">
+                <a:solidFill>
+                  <a:schemeClr val="tx1">
+                    <a:lumMod val="50000"/>
+                    <a:lumOff val="50000"/>
+                  </a:schemeClr>
+                </a:solidFill>
+                <a:latin typeface="Oxygen" panose="02000503000000000000" pitchFamily="2" charset="0"/>
+              </a:rPr>
+              <a:t>ML Ops: TF Data &amp; Deployment</a:t>
+            </a:r>
+          </a:p>
+          <a:p>
+            <a:pPr marL="171450" indent="-171450">
+              <a:buFont typeface="Wingdings" panose="05000000000000000000" pitchFamily="2" charset="2"/>
+              <a:buChar char="v"/>
+            </a:pPr>
+            <a:r>
+              <a:rPr lang="en-US" sz="1000" b="1" dirty="0">
+                <a:solidFill>
+                  <a:schemeClr val="tx1">
+                    <a:lumMod val="50000"/>
+                    <a:lumOff val="50000"/>
+                  </a:schemeClr>
+                </a:solidFill>
+                <a:latin typeface="Oxygen" panose="02000503000000000000" pitchFamily="2" charset="0"/>
+              </a:rPr>
+              <a:t>GAN, LLM</a:t>
+            </a:r>
+          </a:p>
+          <a:p>
+            <a:pPr marL="171450" indent="-171450">
+              <a:buFont typeface="Wingdings" panose="05000000000000000000" pitchFamily="2" charset="2"/>
+              <a:buChar char="v"/>
+            </a:pPr>
+            <a:r>
+              <a:rPr lang="en-US" sz="1000" b="1" dirty="0">
+                <a:solidFill>
+                  <a:schemeClr val="tx1">
+                    <a:lumMod val="50000"/>
+                    <a:lumOff val="50000"/>
+                  </a:schemeClr>
+                </a:solidFill>
+                <a:latin typeface="Oxygen" panose="02000503000000000000" pitchFamily="2" charset="0"/>
+              </a:rPr>
+              <a:t>AWS Cloud &amp; </a:t>
+            </a:r>
+            <a:r>
+              <a:rPr lang="en-US" sz="1000" b="1" dirty="0" err="1">
+                <a:solidFill>
+                  <a:schemeClr val="tx1">
+                    <a:lumMod val="50000"/>
+                    <a:lumOff val="50000"/>
+                  </a:schemeClr>
+                </a:solidFill>
+                <a:latin typeface="Oxygen" panose="02000503000000000000" pitchFamily="2" charset="0"/>
+              </a:rPr>
+              <a:t>Sagemaker</a:t>
+            </a:r>
+            <a:endParaRPr lang="en-US" sz="1000" b="1" dirty="0">
+              <a:solidFill>
+                <a:schemeClr val="tx1">
+                  <a:lumMod val="50000"/>
+                  <a:lumOff val="50000"/>
+                </a:schemeClr>
+              </a:solidFill>
+              <a:latin typeface="Oxygen" panose="02000503000000000000" pitchFamily="2" charset="0"/>
+            </a:endParaRPr>
+          </a:p>
+        </p:txBody>
+      </p:sp>
+      <p:pic>
+        <p:nvPicPr>
+          <p:cNvPr id="1047" name="Picture 14">
+            <a:extLst>
+              <a:ext uri="{FF2B5EF4-FFF2-40B4-BE49-F238E27FC236}">
+                <a16:creationId xmlns:a16="http://schemas.microsoft.com/office/drawing/2014/main" id="{E88E6465-0882-9322-F25A-8110AA3C8B20}"/>
+              </a:ext>
+            </a:extLst>
+          </p:cNvPr>
+          <p:cNvPicPr>
+            <a:picLocks noChangeAspect="1" noChangeArrowheads="1"/>
+          </p:cNvPicPr>
+          <p:nvPr/>
+        </p:nvPicPr>
+        <p:blipFill>
+          <a:blip r:embed="rId8" cstate="hqprint">
+            <a:extLst>
+              <a:ext uri="{28A0092B-C50C-407E-A947-70E740481C1C}">
+                <a14:useLocalDpi xmlns:a14="http://schemas.microsoft.com/office/drawing/2010/main" val="0"/>
+              </a:ext>
+            </a:extLst>
+          </a:blip>
+          <a:srcRect/>
+          <a:stretch>
+            <a:fillRect/>
+          </a:stretch>
+        </p:blipFill>
+        <p:spPr bwMode="auto">
+          <a:xfrm>
+            <a:off x="559111" y="6564479"/>
+            <a:ext cx="412675" cy="439890"/>
+          </a:xfrm>
+          <a:prstGeom prst="rect">
+            <a:avLst/>
+          </a:prstGeom>
+          <a:noFill/>
+          <a:extLst>
+            <a:ext uri="{909E8E84-426E-40DD-AFC4-6F175D3DCCD1}">
+              <a14:hiddenFill xmlns:a14="http://schemas.microsoft.com/office/drawing/2010/main">
+                <a:solidFill>
+                  <a:srgbClr val="FFFFFF"/>
+                </a:solidFill>
+              </a14:hiddenFill>
+            </a:ext>
+          </a:extLst>
+        </p:spPr>
+      </p:pic>
+      <p:sp>
+        <p:nvSpPr>
+          <p:cNvPr id="1048" name="TextBox 1047">
+            <a:extLst>
+              <a:ext uri="{FF2B5EF4-FFF2-40B4-BE49-F238E27FC236}">
+                <a16:creationId xmlns:a16="http://schemas.microsoft.com/office/drawing/2014/main" id="{85CC9D81-9312-D195-C34C-F76368C4A7A1}"/>
+              </a:ext>
+            </a:extLst>
+          </p:cNvPr>
+          <p:cNvSpPr txBox="1"/>
+          <p:nvPr/>
+        </p:nvSpPr>
+        <p:spPr>
+          <a:xfrm>
+            <a:off x="3963441" y="6516696"/>
+            <a:ext cx="1979230" cy="738664"/>
+          </a:xfrm>
+          <a:prstGeom prst="rect">
+            <a:avLst/>
+          </a:prstGeom>
+          <a:noFill/>
+        </p:spPr>
+        <p:txBody>
+          <a:bodyPr wrap="square">
+            <a:spAutoFit/>
+          </a:bodyPr>
+          <a:lstStyle/>
+          <a:p>
+            <a:r>
+              <a:rPr lang="en-US" sz="1200" b="1" cap="small" dirty="0">
+                <a:solidFill>
+                  <a:schemeClr val="tx1">
+                    <a:lumMod val="50000"/>
+                    <a:lumOff val="50000"/>
+                  </a:schemeClr>
+                </a:solidFill>
+                <a:latin typeface="Oxygen" panose="02000503000000000000" pitchFamily="2" charset="0"/>
+              </a:rPr>
+              <a:t>AI Specialist</a:t>
+            </a:r>
+          </a:p>
+          <a:p>
+            <a:pPr marL="171450" indent="-171450">
+              <a:buFont typeface="Wingdings" panose="05000000000000000000" pitchFamily="2" charset="2"/>
+              <a:buChar char="v"/>
+            </a:pPr>
+            <a:r>
+              <a:rPr lang="en-US" sz="1000" b="1" dirty="0">
+                <a:solidFill>
+                  <a:schemeClr val="tx1">
+                    <a:lumMod val="50000"/>
+                    <a:lumOff val="50000"/>
+                  </a:schemeClr>
+                </a:solidFill>
+                <a:latin typeface="Oxygen" panose="02000503000000000000" pitchFamily="2" charset="0"/>
+              </a:rPr>
+              <a:t>Live Project</a:t>
+            </a:r>
+          </a:p>
+          <a:p>
+            <a:pPr marL="171450" indent="-171450">
+              <a:buFont typeface="Wingdings" panose="05000000000000000000" pitchFamily="2" charset="2"/>
+              <a:buChar char="v"/>
+            </a:pPr>
+            <a:r>
+              <a:rPr lang="en-US" sz="1000" b="1" dirty="0">
+                <a:solidFill>
+                  <a:schemeClr val="tx1">
+                    <a:lumMod val="50000"/>
+                    <a:lumOff val="50000"/>
+                  </a:schemeClr>
+                </a:solidFill>
+                <a:latin typeface="Oxygen" panose="02000503000000000000" pitchFamily="2" charset="0"/>
+              </a:rPr>
+              <a:t>Product Engineering</a:t>
+            </a:r>
+          </a:p>
+          <a:p>
+            <a:pPr marL="171450" indent="-171450">
+              <a:buFont typeface="Wingdings" panose="05000000000000000000" pitchFamily="2" charset="2"/>
+              <a:buChar char="v"/>
+            </a:pPr>
+            <a:r>
+              <a:rPr lang="en-US" sz="1000" b="1" dirty="0">
+                <a:solidFill>
+                  <a:schemeClr val="tx1">
+                    <a:lumMod val="50000"/>
+                    <a:lumOff val="50000"/>
+                  </a:schemeClr>
+                </a:solidFill>
+                <a:latin typeface="Oxygen" panose="02000503000000000000" pitchFamily="2" charset="0"/>
+              </a:rPr>
+              <a:t>Agile Project Management</a:t>
+            </a:r>
+          </a:p>
+        </p:txBody>
+      </p:sp>
+      <p:pic>
+        <p:nvPicPr>
+          <p:cNvPr id="1049" name="Picture 14">
+            <a:extLst>
+              <a:ext uri="{FF2B5EF4-FFF2-40B4-BE49-F238E27FC236}">
+                <a16:creationId xmlns:a16="http://schemas.microsoft.com/office/drawing/2014/main" id="{12FB2E02-A8BE-1923-24D1-062E7C297788}"/>
+              </a:ext>
+            </a:extLst>
+          </p:cNvPr>
+          <p:cNvPicPr>
+            <a:picLocks noChangeAspect="1" noChangeArrowheads="1"/>
+          </p:cNvPicPr>
+          <p:nvPr/>
+        </p:nvPicPr>
+        <p:blipFill>
+          <a:blip r:embed="rId8" cstate="hqprint">
+            <a:extLst>
+              <a:ext uri="{28A0092B-C50C-407E-A947-70E740481C1C}">
+                <a14:useLocalDpi xmlns:a14="http://schemas.microsoft.com/office/drawing/2010/main" val="0"/>
+              </a:ext>
+            </a:extLst>
+          </a:blip>
+          <a:srcRect/>
+          <a:stretch>
+            <a:fillRect/>
+          </a:stretch>
+        </p:blipFill>
+        <p:spPr bwMode="auto">
+          <a:xfrm>
+            <a:off x="3703579" y="6516696"/>
+            <a:ext cx="412675" cy="439890"/>
+          </a:xfrm>
+          <a:prstGeom prst="rect">
+            <a:avLst/>
+          </a:prstGeom>
+          <a:noFill/>
+          <a:extLst>
+            <a:ext uri="{909E8E84-426E-40DD-AFC4-6F175D3DCCD1}">
+              <a14:hiddenFill xmlns:a14="http://schemas.microsoft.com/office/drawing/2010/main">
+                <a:solidFill>
+                  <a:srgbClr val="FFFFFF"/>
+                </a:solidFill>
+              </a14:hiddenFill>
+            </a:ext>
+          </a:extLst>
+        </p:spPr>
+      </p:pic>
+      <p:sp>
+        <p:nvSpPr>
+          <p:cNvPr id="49" name="TextBox 48">
+            <a:extLst>
+              <a:ext uri="{FF2B5EF4-FFF2-40B4-BE49-F238E27FC236}">
+                <a16:creationId xmlns:a16="http://schemas.microsoft.com/office/drawing/2014/main" id="{9D7421B6-C86F-2FCE-3179-2B91C6DADB45}"/>
+              </a:ext>
+            </a:extLst>
+          </p:cNvPr>
+          <p:cNvSpPr txBox="1"/>
+          <p:nvPr/>
+        </p:nvSpPr>
+        <p:spPr>
+          <a:xfrm>
+            <a:off x="801181" y="3413243"/>
+            <a:ext cx="1740805" cy="400110"/>
+          </a:xfrm>
+          <a:prstGeom prst="rect">
+            <a:avLst/>
+          </a:prstGeom>
+          <a:noFill/>
+        </p:spPr>
+        <p:txBody>
+          <a:bodyPr wrap="square">
+            <a:spAutoFit/>
+          </a:bodyPr>
+          <a:lstStyle/>
+          <a:p>
+            <a:pPr marL="171450" indent="-171450">
+              <a:buFont typeface="Arial" panose="020B0604020202020204" pitchFamily="34" charset="0"/>
+              <a:buChar char="•"/>
+            </a:pPr>
+            <a:r>
+              <a:rPr lang="en-US" sz="1000" b="1" dirty="0" smtClean="0">
+                <a:solidFill>
+                  <a:srgbClr val="FF0000"/>
+                </a:solidFill>
+                <a:latin typeface="Oxygen" panose="02000503000000000000" pitchFamily="2" charset="0"/>
+              </a:rPr>
+              <a:t>3</a:t>
+            </a:r>
+            <a:r>
+              <a:rPr lang="en-US" sz="1000" b="1" baseline="30000" dirty="0" smtClean="0">
+                <a:solidFill>
+                  <a:srgbClr val="FF0000"/>
+                </a:solidFill>
+                <a:latin typeface="Oxygen" panose="02000503000000000000" pitchFamily="2" charset="0"/>
+              </a:rPr>
+              <a:t>rd</a:t>
+            </a:r>
+            <a:r>
+              <a:rPr lang="en-US" sz="1000" b="1" dirty="0" smtClean="0">
+                <a:solidFill>
+                  <a:srgbClr val="FF0000"/>
+                </a:solidFill>
+                <a:latin typeface="Oxygen" panose="02000503000000000000" pitchFamily="2" charset="0"/>
+              </a:rPr>
+              <a:t> &amp; 4</a:t>
+            </a:r>
+            <a:r>
+              <a:rPr lang="en-US" sz="1000" b="1" baseline="30000" dirty="0" smtClean="0">
+                <a:solidFill>
+                  <a:srgbClr val="FF0000"/>
+                </a:solidFill>
+                <a:latin typeface="Oxygen" panose="02000503000000000000" pitchFamily="2" charset="0"/>
+              </a:rPr>
+              <a:t>th</a:t>
+            </a:r>
+            <a:r>
+              <a:rPr lang="en-US" sz="1000" b="1" dirty="0" smtClean="0">
+                <a:solidFill>
+                  <a:srgbClr val="FF0000"/>
+                </a:solidFill>
+                <a:latin typeface="Oxygen" panose="02000503000000000000" pitchFamily="2" charset="0"/>
+              </a:rPr>
+              <a:t> year students</a:t>
+            </a:r>
+          </a:p>
+          <a:p>
+            <a:pPr marL="171450" indent="-171450">
+              <a:buFont typeface="Arial" panose="020B0604020202020204" pitchFamily="34" charset="0"/>
+              <a:buChar char="•"/>
+            </a:pPr>
+            <a:r>
+              <a:rPr lang="en-US" sz="1000" b="1" dirty="0" smtClean="0">
+                <a:solidFill>
+                  <a:srgbClr val="FF0000"/>
+                </a:solidFill>
+                <a:latin typeface="Oxygen" panose="02000503000000000000" pitchFamily="2" charset="0"/>
+              </a:rPr>
+              <a:t>Professionals</a:t>
+            </a:r>
+            <a:endParaRPr lang="en-US" sz="1000" b="1" dirty="0" smtClean="0">
+              <a:solidFill>
+                <a:srgbClr val="FF0000"/>
+              </a:solidFill>
+              <a:latin typeface="Oxygen" panose="02000503000000000000" pitchFamily="2" charset="0"/>
+            </a:endParaRPr>
+          </a:p>
+        </p:txBody>
+      </p:sp>
+      <p:pic>
+        <p:nvPicPr>
+          <p:cNvPr id="50" name="Picture 8" descr="YouTube">
+            <a:extLst>
+              <a:ext uri="{FF2B5EF4-FFF2-40B4-BE49-F238E27FC236}">
+                <a16:creationId xmlns:a16="http://schemas.microsoft.com/office/drawing/2014/main" id="{09B174C1-FD9F-471A-1364-8517DAF38C55}"/>
+              </a:ext>
+            </a:extLst>
+          </p:cNvPr>
+          <p:cNvPicPr>
+            <a:picLocks noChangeAspect="1" noChangeArrowheads="1"/>
+          </p:cNvPicPr>
+          <p:nvPr/>
+        </p:nvPicPr>
+        <p:blipFill>
+          <a:blip r:embed="rId10">
+            <a:extLst>
+              <a:ext uri="{28A0092B-C50C-407E-A947-70E740481C1C}">
+                <a14:useLocalDpi xmlns:a14="http://schemas.microsoft.com/office/drawing/2010/main" val="0"/>
+              </a:ext>
+            </a:extLst>
+          </a:blip>
+          <a:srcRect/>
+          <a:stretch>
+            <a:fillRect/>
+          </a:stretch>
+        </p:blipFill>
+        <p:spPr bwMode="auto">
+          <a:xfrm>
+            <a:off x="4944377" y="8651326"/>
+            <a:ext cx="400751" cy="400751"/>
+          </a:xfrm>
+          <a:prstGeom prst="rect">
+            <a:avLst/>
+          </a:prstGeom>
+          <a:noFill/>
+          <a:extLst>
+            <a:ext uri="{909E8E84-426E-40DD-AFC4-6F175D3DCCD1}">
+              <a14:hiddenFill xmlns:a14="http://schemas.microsoft.com/office/drawing/2010/main">
+                <a:solidFill>
+                  <a:srgbClr val="FFFFFF"/>
+                </a:solidFill>
+              </a14:hiddenFill>
+            </a:ext>
+          </a:extLst>
+        </p:spPr>
+      </p:pic>
+      <p:pic>
+        <p:nvPicPr>
+          <p:cNvPr id="51" name="Picture 50">
+            <a:extLst>
+              <a:ext uri="{FF2B5EF4-FFF2-40B4-BE49-F238E27FC236}">
+                <a16:creationId xmlns:a16="http://schemas.microsoft.com/office/drawing/2014/main" id="{1B10D8FB-DD14-ED8F-3663-7285F6D36A95}"/>
+              </a:ext>
+            </a:extLst>
+          </p:cNvPr>
+          <p:cNvPicPr>
+            <a:picLocks noChangeAspect="1"/>
+          </p:cNvPicPr>
+          <p:nvPr/>
+        </p:nvPicPr>
+        <p:blipFill>
+          <a:blip r:embed="rId11"/>
+          <a:stretch>
+            <a:fillRect/>
+          </a:stretch>
+        </p:blipFill>
+        <p:spPr>
+          <a:xfrm>
+            <a:off x="5707228" y="8721116"/>
+            <a:ext cx="284384" cy="284384"/>
+          </a:xfrm>
+          <a:prstGeom prst="rect">
+            <a:avLst/>
+          </a:prstGeom>
+        </p:spPr>
+      </p:pic>
+      <p:pic>
+        <p:nvPicPr>
+          <p:cNvPr id="52" name="Picture 12" descr="LinkedIn">
+            <a:extLst>
+              <a:ext uri="{FF2B5EF4-FFF2-40B4-BE49-F238E27FC236}">
+                <a16:creationId xmlns:a16="http://schemas.microsoft.com/office/drawing/2014/main" id="{B8728633-2A06-8D51-9CB4-DD25478D0E4D}"/>
+              </a:ext>
+            </a:extLst>
+          </p:cNvPr>
+          <p:cNvPicPr>
+            <a:picLocks noChangeAspect="1" noChangeArrowheads="1"/>
+          </p:cNvPicPr>
+          <p:nvPr/>
+        </p:nvPicPr>
+        <p:blipFill>
+          <a:blip r:embed="rId12">
+            <a:extLst>
+              <a:ext uri="{28A0092B-C50C-407E-A947-70E740481C1C}">
+                <a14:useLocalDpi xmlns:a14="http://schemas.microsoft.com/office/drawing/2010/main" val="0"/>
+              </a:ext>
+            </a:extLst>
+          </a:blip>
+          <a:srcRect/>
+          <a:stretch>
+            <a:fillRect/>
+          </a:stretch>
+        </p:blipFill>
+        <p:spPr bwMode="auto">
+          <a:xfrm>
+            <a:off x="4565844" y="8662933"/>
+            <a:ext cx="400751" cy="400751"/>
+          </a:xfrm>
+          <a:prstGeom prst="rect">
+            <a:avLst/>
+          </a:prstGeom>
+          <a:noFill/>
+          <a:extLst>
+            <a:ext uri="{909E8E84-426E-40DD-AFC4-6F175D3DCCD1}">
+              <a14:hiddenFill xmlns:a14="http://schemas.microsoft.com/office/drawing/2010/main">
+                <a:solidFill>
+                  <a:srgbClr val="FFFFFF"/>
+                </a:solidFill>
+              </a14:hiddenFill>
+            </a:ext>
+          </a:extLst>
+        </p:spPr>
+      </p:pic>
+      <p:pic>
+        <p:nvPicPr>
+          <p:cNvPr id="53" name="Picture 14" descr="Instagram">
+            <a:extLst>
+              <a:ext uri="{FF2B5EF4-FFF2-40B4-BE49-F238E27FC236}">
+                <a16:creationId xmlns:a16="http://schemas.microsoft.com/office/drawing/2014/main" id="{5B65458A-DA92-EF42-2471-59EB8411655C}"/>
+              </a:ext>
+            </a:extLst>
+          </p:cNvPr>
+          <p:cNvPicPr>
+            <a:picLocks noChangeAspect="1" noChangeArrowheads="1"/>
+          </p:cNvPicPr>
+          <p:nvPr/>
+        </p:nvPicPr>
+        <p:blipFill>
+          <a:blip r:embed="rId13">
+            <a:extLst>
+              <a:ext uri="{28A0092B-C50C-407E-A947-70E740481C1C}">
+                <a14:useLocalDpi xmlns:a14="http://schemas.microsoft.com/office/drawing/2010/main" val="0"/>
+              </a:ext>
+            </a:extLst>
+          </a:blip>
+          <a:srcRect/>
+          <a:stretch>
+            <a:fillRect/>
+          </a:stretch>
+        </p:blipFill>
+        <p:spPr bwMode="auto">
+          <a:xfrm>
+            <a:off x="4233267" y="8681149"/>
+            <a:ext cx="364319" cy="364319"/>
+          </a:xfrm>
+          <a:prstGeom prst="rect">
+            <a:avLst/>
+          </a:prstGeom>
+          <a:noFill/>
+          <a:extLst>
+            <a:ext uri="{909E8E84-426E-40DD-AFC4-6F175D3DCCD1}">
+              <a14:hiddenFill xmlns:a14="http://schemas.microsoft.com/office/drawing/2010/main">
+                <a:solidFill>
+                  <a:srgbClr val="FFFFFF"/>
+                </a:solidFill>
+              </a14:hiddenFill>
+            </a:ext>
+          </a:extLst>
+        </p:spPr>
+      </p:pic>
+      <p:pic>
+        <p:nvPicPr>
+          <p:cNvPr id="54" name="Picture 16" descr="Facebook">
+            <a:extLst>
+              <a:ext uri="{FF2B5EF4-FFF2-40B4-BE49-F238E27FC236}">
+                <a16:creationId xmlns:a16="http://schemas.microsoft.com/office/drawing/2014/main" id="{B4A5D98E-C1D2-6716-5F84-4EE2F8A69089}"/>
+              </a:ext>
+            </a:extLst>
+          </p:cNvPr>
+          <p:cNvPicPr>
+            <a:picLocks noChangeAspect="1" noChangeArrowheads="1"/>
+          </p:cNvPicPr>
+          <p:nvPr/>
+        </p:nvPicPr>
+        <p:blipFill>
+          <a:blip r:embed="rId14">
+            <a:extLst>
+              <a:ext uri="{28A0092B-C50C-407E-A947-70E740481C1C}">
+                <a14:useLocalDpi xmlns:a14="http://schemas.microsoft.com/office/drawing/2010/main" val="0"/>
+              </a:ext>
+            </a:extLst>
+          </a:blip>
+          <a:srcRect/>
+          <a:stretch>
+            <a:fillRect/>
+          </a:stretch>
+        </p:blipFill>
+        <p:spPr bwMode="auto">
+          <a:xfrm>
+            <a:off x="5280954" y="8655456"/>
+            <a:ext cx="396751" cy="396751"/>
+          </a:xfrm>
+          <a:prstGeom prst="rect">
+            <a:avLst/>
+          </a:prstGeom>
+          <a:noFill/>
+          <a:extLst>
+            <a:ext uri="{909E8E84-426E-40DD-AFC4-6F175D3DCCD1}">
+              <a14:hiddenFill xmlns:a14="http://schemas.microsoft.com/office/drawing/2010/main">
+                <a:solidFill>
+                  <a:srgbClr val="FFFFFF"/>
+                </a:solidFill>
+              </a14:hiddenFill>
+            </a:ext>
+          </a:extLst>
+        </p:spPr>
+      </p:pic>
+      <p:sp>
+        <p:nvSpPr>
+          <p:cNvPr id="55" name="TextBox 54">
+            <a:extLst>
+              <a:ext uri="{FF2B5EF4-FFF2-40B4-BE49-F238E27FC236}">
+                <a16:creationId xmlns:a16="http://schemas.microsoft.com/office/drawing/2014/main" id="{86454AE3-F3EA-647E-7691-F4A099F3977E}"/>
+              </a:ext>
+            </a:extLst>
+          </p:cNvPr>
+          <p:cNvSpPr txBox="1"/>
+          <p:nvPr/>
+        </p:nvSpPr>
+        <p:spPr>
+          <a:xfrm>
+            <a:off x="-117" y="7925439"/>
+            <a:ext cx="2566666" cy="307777"/>
+          </a:xfrm>
+          <a:prstGeom prst="rect">
+            <a:avLst/>
+          </a:prstGeom>
+          <a:noFill/>
+        </p:spPr>
+        <p:txBody>
+          <a:bodyPr wrap="square" rtlCol="0">
+            <a:spAutoFit/>
+          </a:bodyPr>
+          <a:lstStyle/>
+          <a:p>
+            <a:pPr algn="r"/>
+            <a:r>
+              <a:rPr lang="en-US" sz="1400" b="1" u="sng" dirty="0">
+                <a:solidFill>
+                  <a:srgbClr val="0070C0"/>
+                </a:solidFill>
+                <a:latin typeface="Oxygen" panose="02000503000000000000" pitchFamily="2" charset="0"/>
+              </a:rPr>
+              <a:t>https://www.anodiam.com</a:t>
+            </a:r>
+          </a:p>
+        </p:txBody>
+      </p:sp>
+      <p:pic>
+        <p:nvPicPr>
+          <p:cNvPr id="56" name="Picture 18">
+            <a:extLst>
+              <a:ext uri="{FF2B5EF4-FFF2-40B4-BE49-F238E27FC236}">
+                <a16:creationId xmlns:a16="http://schemas.microsoft.com/office/drawing/2014/main" id="{D0E7CDB8-793D-8E2C-6369-7D35A165B777}"/>
+              </a:ext>
+            </a:extLst>
+          </p:cNvPr>
+          <p:cNvPicPr>
+            <a:picLocks noChangeAspect="1" noChangeArrowheads="1"/>
+          </p:cNvPicPr>
+          <p:nvPr/>
+        </p:nvPicPr>
+        <p:blipFill>
+          <a:blip r:embed="rId15" cstate="hqprint">
+            <a:extLst>
+              <a:ext uri="{28A0092B-C50C-407E-A947-70E740481C1C}">
+                <a14:useLocalDpi xmlns:a14="http://schemas.microsoft.com/office/drawing/2010/main" val="0"/>
+              </a:ext>
+            </a:extLst>
+          </a:blip>
+          <a:srcRect/>
+          <a:stretch>
+            <a:fillRect/>
+          </a:stretch>
+        </p:blipFill>
+        <p:spPr bwMode="auto">
+          <a:xfrm>
+            <a:off x="180964" y="8233659"/>
+            <a:ext cx="250134" cy="250134"/>
+          </a:xfrm>
+          <a:prstGeom prst="rect">
+            <a:avLst/>
+          </a:prstGeom>
+          <a:noFill/>
+          <a:extLst>
+            <a:ext uri="{909E8E84-426E-40DD-AFC4-6F175D3DCCD1}">
+              <a14:hiddenFill xmlns:a14="http://schemas.microsoft.com/office/drawing/2010/main">
+                <a:solidFill>
+                  <a:srgbClr val="FFFFFF"/>
+                </a:solidFill>
+              </a14:hiddenFill>
+            </a:ext>
+          </a:extLst>
+        </p:spPr>
+      </p:pic>
+      <p:sp>
+        <p:nvSpPr>
+          <p:cNvPr id="57" name="TextBox 56">
+            <a:extLst>
+              <a:ext uri="{FF2B5EF4-FFF2-40B4-BE49-F238E27FC236}">
+                <a16:creationId xmlns:a16="http://schemas.microsoft.com/office/drawing/2014/main" id="{B022CFE3-2EFE-7D26-730F-B712DDA0804C}"/>
+              </a:ext>
+            </a:extLst>
+          </p:cNvPr>
+          <p:cNvSpPr txBox="1"/>
+          <p:nvPr/>
+        </p:nvSpPr>
+        <p:spPr>
+          <a:xfrm>
+            <a:off x="373517" y="8265696"/>
+            <a:ext cx="2526942" cy="276999"/>
+          </a:xfrm>
+          <a:prstGeom prst="rect">
+            <a:avLst/>
+          </a:prstGeom>
+          <a:noFill/>
+        </p:spPr>
+        <p:txBody>
+          <a:bodyPr wrap="square">
+            <a:spAutoFit/>
+          </a:bodyPr>
+          <a:lstStyle/>
+          <a:p>
+            <a:pPr rtl="0" fontAlgn="t"/>
+            <a:r>
+              <a:rPr lang="en-US" sz="1200" b="1" dirty="0">
+                <a:solidFill>
+                  <a:srgbClr val="FF8C53"/>
+                </a:solidFill>
+                <a:effectLst>
+                  <a:outerShdw blurRad="38100" dist="38100" dir="2700000" algn="tl">
+                    <a:srgbClr val="000000">
+                      <a:alpha val="43137"/>
+                    </a:srgbClr>
+                  </a:outerShdw>
+                </a:effectLst>
+                <a:latin typeface="Oxygen" panose="02000503000000000000" pitchFamily="2" charset="0"/>
+              </a:rPr>
+              <a:t>N-1/25 Patuli Kolkata 700094</a:t>
+            </a:r>
+          </a:p>
+        </p:txBody>
+      </p:sp>
+      <p:sp>
+        <p:nvSpPr>
+          <p:cNvPr id="58" name="TextBox 57">
+            <a:extLst>
+              <a:ext uri="{FF2B5EF4-FFF2-40B4-BE49-F238E27FC236}">
+                <a16:creationId xmlns:a16="http://schemas.microsoft.com/office/drawing/2014/main" id="{0960518D-238A-76F3-AF24-538B464A60B9}"/>
+              </a:ext>
+            </a:extLst>
+          </p:cNvPr>
+          <p:cNvSpPr txBox="1"/>
+          <p:nvPr/>
+        </p:nvSpPr>
+        <p:spPr>
+          <a:xfrm>
+            <a:off x="369989" y="8501340"/>
+            <a:ext cx="2667000" cy="276999"/>
+          </a:xfrm>
+          <a:prstGeom prst="rect">
+            <a:avLst/>
+          </a:prstGeom>
+          <a:noFill/>
+        </p:spPr>
+        <p:txBody>
+          <a:bodyPr wrap="square">
+            <a:spAutoFit/>
+          </a:bodyPr>
+          <a:lstStyle/>
+          <a:p>
+            <a:pPr rtl="0" fontAlgn="t"/>
+            <a:r>
+              <a:rPr lang="en-US" sz="1200" b="1" i="0" u="sng" strike="noStrike" dirty="0">
+                <a:solidFill>
+                  <a:srgbClr val="000000"/>
+                </a:solidFill>
+                <a:effectLst/>
+                <a:latin typeface="Oxygen" panose="02000503000000000000" pitchFamily="2" charset="0"/>
+                <a:hlinkClick r:id="rId16"/>
+              </a:rPr>
+              <a:t>anirban@anodiam.com</a:t>
+            </a:r>
+            <a:endParaRPr lang="en-US" sz="1200" b="0" i="0" dirty="0">
+              <a:solidFill>
+                <a:srgbClr val="212121"/>
+              </a:solidFill>
+              <a:effectLst/>
+              <a:latin typeface="Lato" panose="020F0502020204030204" pitchFamily="34" charset="0"/>
+            </a:endParaRPr>
+          </a:p>
+        </p:txBody>
+      </p:sp>
+      <p:pic>
+        <p:nvPicPr>
+          <p:cNvPr id="59" name="Picture 22" descr="Mail Icon PNG Image | Mail icon, Email icon, Icon set design">
+            <a:extLst>
+              <a:ext uri="{FF2B5EF4-FFF2-40B4-BE49-F238E27FC236}">
+                <a16:creationId xmlns:a16="http://schemas.microsoft.com/office/drawing/2014/main" id="{F567ED39-0FD3-4DD0-977B-ED5C9666207E}"/>
+              </a:ext>
+            </a:extLst>
+          </p:cNvPr>
+          <p:cNvPicPr>
+            <a:picLocks noChangeAspect="1" noChangeArrowheads="1"/>
+          </p:cNvPicPr>
+          <p:nvPr/>
+        </p:nvPicPr>
+        <p:blipFill>
+          <a:blip r:embed="rId17" cstate="hqprint">
+            <a:extLst>
+              <a:ext uri="{28A0092B-C50C-407E-A947-70E740481C1C}">
+                <a14:useLocalDpi xmlns:a14="http://schemas.microsoft.com/office/drawing/2010/main" val="0"/>
+              </a:ext>
+            </a:extLst>
+          </a:blip>
+          <a:srcRect/>
+          <a:stretch>
+            <a:fillRect/>
+          </a:stretch>
+        </p:blipFill>
+        <p:spPr bwMode="auto">
+          <a:xfrm>
+            <a:off x="169366" y="8516277"/>
+            <a:ext cx="262573" cy="247127"/>
+          </a:xfrm>
+          <a:prstGeom prst="rect">
+            <a:avLst/>
+          </a:prstGeom>
+          <a:noFill/>
+          <a:extLst>
+            <a:ext uri="{909E8E84-426E-40DD-AFC4-6F175D3DCCD1}">
+              <a14:hiddenFill xmlns:a14="http://schemas.microsoft.com/office/drawing/2010/main">
+                <a:solidFill>
+                  <a:srgbClr val="FFFFFF"/>
+                </a:solidFill>
+              </a14:hiddenFill>
+            </a:ext>
+          </a:extLst>
+        </p:spPr>
+      </p:pic>
+      <p:pic>
+        <p:nvPicPr>
+          <p:cNvPr id="60" name="Picture 59">
+            <a:extLst>
+              <a:ext uri="{FF2B5EF4-FFF2-40B4-BE49-F238E27FC236}">
+                <a16:creationId xmlns:a16="http://schemas.microsoft.com/office/drawing/2014/main" id="{34E9D7A9-447C-35E7-A464-E466D806505F}"/>
+              </a:ext>
+            </a:extLst>
+          </p:cNvPr>
+          <p:cNvPicPr>
+            <a:picLocks noChangeAspect="1"/>
+          </p:cNvPicPr>
+          <p:nvPr/>
+        </p:nvPicPr>
+        <p:blipFill>
+          <a:blip r:embed="rId18"/>
+          <a:stretch>
+            <a:fillRect/>
+          </a:stretch>
+        </p:blipFill>
+        <p:spPr>
+          <a:xfrm>
+            <a:off x="138906" y="8735626"/>
+            <a:ext cx="313427" cy="294990"/>
+          </a:xfrm>
+          <a:prstGeom prst="rect">
+            <a:avLst/>
+          </a:prstGeom>
+        </p:spPr>
+      </p:pic>
+      <p:sp>
+        <p:nvSpPr>
+          <p:cNvPr id="61" name="TextBox 60">
+            <a:extLst>
+              <a:ext uri="{FF2B5EF4-FFF2-40B4-BE49-F238E27FC236}">
+                <a16:creationId xmlns:a16="http://schemas.microsoft.com/office/drawing/2014/main" id="{7032E583-8E63-F67E-D5BA-476D86FF8088}"/>
+              </a:ext>
+            </a:extLst>
+          </p:cNvPr>
+          <p:cNvSpPr txBox="1"/>
+          <p:nvPr/>
+        </p:nvSpPr>
+        <p:spPr>
+          <a:xfrm>
+            <a:off x="373921" y="8771709"/>
+            <a:ext cx="1563862" cy="276999"/>
+          </a:xfrm>
+          <a:prstGeom prst="rect">
+            <a:avLst/>
+          </a:prstGeom>
+          <a:noFill/>
+        </p:spPr>
+        <p:txBody>
+          <a:bodyPr wrap="square">
+            <a:spAutoFit/>
+          </a:bodyPr>
+          <a:lstStyle/>
+          <a:p>
+            <a:r>
+              <a:rPr lang="en-US" sz="1200" b="1" dirty="0">
+                <a:solidFill>
+                  <a:srgbClr val="FF8C53"/>
+                </a:solidFill>
+                <a:effectLst>
+                  <a:outerShdw blurRad="38100" dist="38100" dir="2700000" algn="tl">
+                    <a:srgbClr val="000000">
+                      <a:alpha val="43137"/>
+                    </a:srgbClr>
+                  </a:outerShdw>
+                </a:effectLst>
+                <a:latin typeface="Oxygen" panose="02000503000000000000" pitchFamily="2" charset="0"/>
+              </a:rPr>
+              <a:t>9073 700094</a:t>
+            </a:r>
+          </a:p>
+        </p:txBody>
+      </p:sp>
+      <p:sp>
+        <p:nvSpPr>
+          <p:cNvPr id="62" name="TextBox 61">
+            <a:extLst>
+              <a:ext uri="{FF2B5EF4-FFF2-40B4-BE49-F238E27FC236}">
+                <a16:creationId xmlns:a16="http://schemas.microsoft.com/office/drawing/2014/main" id="{C32427AD-B0C8-CFB2-C695-AC02473C8830}"/>
+              </a:ext>
+            </a:extLst>
+          </p:cNvPr>
+          <p:cNvSpPr txBox="1"/>
+          <p:nvPr/>
+        </p:nvSpPr>
+        <p:spPr>
+          <a:xfrm>
+            <a:off x="4213746" y="8464897"/>
+            <a:ext cx="1211351" cy="276999"/>
+          </a:xfrm>
+          <a:prstGeom prst="rect">
+            <a:avLst/>
+          </a:prstGeom>
+          <a:noFill/>
+        </p:spPr>
+        <p:txBody>
+          <a:bodyPr wrap="square">
+            <a:spAutoFit/>
+          </a:bodyPr>
+          <a:lstStyle/>
+          <a:p>
+            <a:pPr rtl="0" fontAlgn="t"/>
+            <a:r>
+              <a:rPr lang="en-US" sz="1200" b="1" dirty="0">
+                <a:solidFill>
+                  <a:srgbClr val="FF8C53"/>
+                </a:solidFill>
+                <a:effectLst>
+                  <a:outerShdw blurRad="38100" dist="38100" dir="2700000" algn="tl">
+                    <a:srgbClr val="000000">
+                      <a:alpha val="43137"/>
+                    </a:srgbClr>
+                  </a:outerShdw>
+                </a:effectLst>
+                <a:latin typeface="Oxygen" panose="02000503000000000000" pitchFamily="2" charset="0"/>
+              </a:rPr>
+              <a:t>Follow us on:</a:t>
+            </a:r>
+          </a:p>
+        </p:txBody>
+      </p:sp>
+      <p:pic>
+        <p:nvPicPr>
+          <p:cNvPr id="63" name="Picture 62"/>
+          <p:cNvPicPr>
+            <a:picLocks noChangeAspect="1"/>
+          </p:cNvPicPr>
+          <p:nvPr/>
+        </p:nvPicPr>
+        <p:blipFill>
+          <a:blip r:embed="rId19"/>
+          <a:stretch>
+            <a:fillRect/>
+          </a:stretch>
+        </p:blipFill>
+        <p:spPr>
+          <a:xfrm>
+            <a:off x="4286874" y="7978206"/>
+            <a:ext cx="1468120" cy="519550"/>
+          </a:xfrm>
+          <a:prstGeom prst="rect">
+            <a:avLst/>
+          </a:prstGeom>
+        </p:spPr>
+      </p:pic>
     </p:spTree>
     <p:extLst>
       <p:ext uri="{BB962C8B-B14F-4D97-AF65-F5344CB8AC3E}">
@@ -4233,6 +5681,1819 @@
   <p:clrMapOvr>
     <a:masterClrMapping/>
   </p:clrMapOvr>
+  <p:timing>
+    <p:tnLst>
+      <p:par>
+        <p:cTn id="1" dur="indefinite" restart="never" nodeType="tmRoot"/>
+      </p:par>
+    </p:tnLst>
+  </p:timing>
+</p:sld>
+</file>
+
+<file path=ppt/slides/slide2.xml><?xml version="1.0" encoding="utf-8"?>
+<p:sld xmlns:a="http://schemas.openxmlformats.org/drawingml/2006/main" xmlns:r="http://schemas.openxmlformats.org/officeDocument/2006/relationships" xmlns:p="http://schemas.openxmlformats.org/presentationml/2006/main">
+  <p:cSld>
+    <p:spTree>
+      <p:nvGrpSpPr>
+        <p:cNvPr id="1" name=""/>
+        <p:cNvGrpSpPr/>
+        <p:nvPr/>
+      </p:nvGrpSpPr>
+      <p:grpSpPr>
+        <a:xfrm>
+          <a:off x="0" y="0"/>
+          <a:ext cx="0" cy="0"/>
+          <a:chOff x="0" y="0"/>
+          <a:chExt cx="0" cy="0"/>
+        </a:xfrm>
+      </p:grpSpPr>
+      <p:sp>
+        <p:nvSpPr>
+          <p:cNvPr id="1050" name="Rectangle 1049">
+            <a:extLst>
+              <a:ext uri="{FF2B5EF4-FFF2-40B4-BE49-F238E27FC236}">
+                <a16:creationId xmlns:a16="http://schemas.microsoft.com/office/drawing/2014/main" id="{79FA8214-520D-A39F-8945-E09D7947149F}"/>
+              </a:ext>
+            </a:extLst>
+          </p:cNvPr>
+          <p:cNvSpPr/>
+          <p:nvPr/>
+        </p:nvSpPr>
+        <p:spPr>
+          <a:xfrm>
+            <a:off x="2268" y="161"/>
+            <a:ext cx="6420667" cy="9143839"/>
+          </a:xfrm>
+          <a:prstGeom prst="rect">
+            <a:avLst/>
+          </a:prstGeom>
+          <a:solidFill>
+            <a:srgbClr val="FFFFFF"/>
+          </a:solidFill>
+          <a:ln>
+            <a:noFill/>
+          </a:ln>
+        </p:spPr>
+        <p:style>
+          <a:lnRef idx="2">
+            <a:schemeClr val="accent1">
+              <a:shade val="15000"/>
+            </a:schemeClr>
+          </a:lnRef>
+          <a:fillRef idx="1">
+            <a:schemeClr val="accent1"/>
+          </a:fillRef>
+          <a:effectRef idx="0">
+            <a:schemeClr val="accent1"/>
+          </a:effectRef>
+          <a:fontRef idx="minor">
+            <a:schemeClr val="lt1"/>
+          </a:fontRef>
+        </p:style>
+        <p:txBody>
+          <a:bodyPr rtlCol="0" anchor="ctr"/>
+          <a:lstStyle/>
+          <a:p>
+            <a:pPr algn="ctr"/>
+            <a:endParaRPr lang="en-US"/>
+          </a:p>
+        </p:txBody>
+      </p:sp>
+      <p:pic>
+        <p:nvPicPr>
+          <p:cNvPr id="3" name="Picture 2">
+            <a:extLst>
+              <a:ext uri="{FF2B5EF4-FFF2-40B4-BE49-F238E27FC236}">
+                <a16:creationId xmlns:a16="http://schemas.microsoft.com/office/drawing/2014/main" id="{E1CBB64D-74C9-94EE-1532-B2102D356DC5}"/>
+              </a:ext>
+            </a:extLst>
+          </p:cNvPr>
+          <p:cNvPicPr>
+            <a:picLocks noChangeAspect="1"/>
+          </p:cNvPicPr>
+          <p:nvPr/>
+        </p:nvPicPr>
+        <p:blipFill>
+          <a:blip r:embed="rId2">
+            <a:duotone>
+              <a:prstClr val="black"/>
+              <a:schemeClr val="tx2">
+                <a:tint val="45000"/>
+                <a:satMod val="400000"/>
+              </a:schemeClr>
+            </a:duotone>
+            <a:extLst>
+              <a:ext uri="{BEBA8EAE-BF5A-486C-A8C5-ECC9F3942E4B}">
+                <a14:imgProps xmlns:a14="http://schemas.microsoft.com/office/drawing/2010/main">
+                  <a14:imgLayer r:embed="rId3">
+                    <a14:imgEffect>
+                      <a14:saturation sat="33000"/>
+                    </a14:imgEffect>
+                  </a14:imgLayer>
+                </a14:imgProps>
+              </a:ext>
+            </a:extLst>
+          </a:blip>
+          <a:stretch>
+            <a:fillRect/>
+          </a:stretch>
+        </p:blipFill>
+        <p:spPr>
+          <a:xfrm>
+            <a:off x="0" y="0"/>
+            <a:ext cx="6422936" cy="2961833"/>
+          </a:xfrm>
+          <a:prstGeom prst="rect">
+            <a:avLst/>
+          </a:prstGeom>
+        </p:spPr>
+      </p:pic>
+      <p:grpSp>
+        <p:nvGrpSpPr>
+          <p:cNvPr id="11" name="Group 10">
+            <a:extLst>
+              <a:ext uri="{FF2B5EF4-FFF2-40B4-BE49-F238E27FC236}">
+                <a16:creationId xmlns:a16="http://schemas.microsoft.com/office/drawing/2014/main" id="{4AA752BA-38B9-80A9-4347-5FC136F95E76}"/>
+              </a:ext>
+            </a:extLst>
+          </p:cNvPr>
+          <p:cNvGrpSpPr/>
+          <p:nvPr/>
+        </p:nvGrpSpPr>
+        <p:grpSpPr>
+          <a:xfrm>
+            <a:off x="2479012" y="125508"/>
+            <a:ext cx="3852215" cy="4717473"/>
+            <a:chOff x="4860843" y="1383147"/>
+            <a:chExt cx="4356707" cy="5474853"/>
+          </a:xfrm>
+        </p:grpSpPr>
+        <p:pic>
+          <p:nvPicPr>
+            <p:cNvPr id="12" name="Picture 11">
+              <a:extLst>
+                <a:ext uri="{FF2B5EF4-FFF2-40B4-BE49-F238E27FC236}">
+                  <a16:creationId xmlns:a16="http://schemas.microsoft.com/office/drawing/2014/main" id="{C1DE035E-0FBC-23D0-36D5-851BE8E22916}"/>
+                </a:ext>
+              </a:extLst>
+            </p:cNvPr>
+            <p:cNvPicPr>
+              <a:picLocks noChangeAspect="1" noChangeArrowheads="1"/>
+            </p:cNvPicPr>
+            <p:nvPr/>
+          </p:nvPicPr>
+          <p:blipFill>
+            <a:blip r:embed="rId4">
+              <a:extLst>
+                <a:ext uri="{28A0092B-C50C-407E-A947-70E740481C1C}">
+                  <a14:useLocalDpi xmlns:a14="http://schemas.microsoft.com/office/drawing/2010/main" val="0"/>
+                </a:ext>
+              </a:extLst>
+            </a:blip>
+            <a:srcRect/>
+            <a:stretch>
+              <a:fillRect/>
+            </a:stretch>
+          </p:blipFill>
+          <p:spPr bwMode="auto">
+            <a:xfrm>
+              <a:off x="4860843" y="1383147"/>
+              <a:ext cx="4356707" cy="5474853"/>
+            </a:xfrm>
+            <a:prstGeom prst="rect">
+              <a:avLst/>
+            </a:prstGeom>
+            <a:noFill/>
+            <a:extLst>
+              <a:ext uri="{909E8E84-426E-40DD-AFC4-6F175D3DCCD1}">
+                <a14:hiddenFill xmlns:a14="http://schemas.microsoft.com/office/drawing/2010/main">
+                  <a:solidFill>
+                    <a:srgbClr val="FFFFFF"/>
+                  </a:solidFill>
+                </a14:hiddenFill>
+              </a:ext>
+            </a:extLst>
+          </p:spPr>
+        </p:pic>
+        <p:pic>
+          <p:nvPicPr>
+            <p:cNvPr id="14" name="Picture 13">
+              <a:extLst>
+                <a:ext uri="{FF2B5EF4-FFF2-40B4-BE49-F238E27FC236}">
+                  <a16:creationId xmlns:a16="http://schemas.microsoft.com/office/drawing/2014/main" id="{D4E9F3EC-733F-C70D-7804-58E1BF471D81}"/>
+                </a:ext>
+              </a:extLst>
+            </p:cNvPr>
+            <p:cNvPicPr>
+              <a:picLocks noChangeAspect="1"/>
+            </p:cNvPicPr>
+            <p:nvPr/>
+          </p:nvPicPr>
+          <p:blipFill>
+            <a:blip r:embed="rId5" cstate="hqprint">
+              <a:extLst>
+                <a:ext uri="{28A0092B-C50C-407E-A947-70E740481C1C}">
+                  <a14:useLocalDpi xmlns:a14="http://schemas.microsoft.com/office/drawing/2010/main" val="0"/>
+                </a:ext>
+              </a:extLst>
+            </a:blip>
+            <a:stretch>
+              <a:fillRect/>
+            </a:stretch>
+          </p:blipFill>
+          <p:spPr>
+            <a:xfrm rot="21432795">
+              <a:off x="5026055" y="4112237"/>
+              <a:ext cx="419665" cy="396739"/>
+            </a:xfrm>
+            <a:prstGeom prst="rect">
+              <a:avLst/>
+            </a:prstGeom>
+          </p:spPr>
+        </p:pic>
+      </p:grpSp>
+      <p:pic>
+        <p:nvPicPr>
+          <p:cNvPr id="1026" name="Picture 2">
+            <a:extLst>
+              <a:ext uri="{FF2B5EF4-FFF2-40B4-BE49-F238E27FC236}">
+                <a16:creationId xmlns:a16="http://schemas.microsoft.com/office/drawing/2014/main" id="{681B7FFA-2532-C1EE-1C21-2FDB24C2F117}"/>
+              </a:ext>
+            </a:extLst>
+          </p:cNvPr>
+          <p:cNvPicPr>
+            <a:picLocks noChangeAspect="1" noChangeArrowheads="1"/>
+          </p:cNvPicPr>
+          <p:nvPr/>
+        </p:nvPicPr>
+        <p:blipFill>
+          <a:blip r:embed="rId6">
+            <a:extLst>
+              <a:ext uri="{28A0092B-C50C-407E-A947-70E740481C1C}">
+                <a14:useLocalDpi xmlns:a14="http://schemas.microsoft.com/office/drawing/2010/main" val="0"/>
+              </a:ext>
+            </a:extLst>
+          </a:blip>
+          <a:srcRect/>
+          <a:stretch>
+            <a:fillRect/>
+          </a:stretch>
+        </p:blipFill>
+        <p:spPr bwMode="auto">
+          <a:xfrm>
+            <a:off x="213573" y="200546"/>
+            <a:ext cx="3307373" cy="1110623"/>
+          </a:xfrm>
+          <a:prstGeom prst="rect">
+            <a:avLst/>
+          </a:prstGeom>
+          <a:noFill/>
+          <a:extLst>
+            <a:ext uri="{909E8E84-426E-40DD-AFC4-6F175D3DCCD1}">
+              <a14:hiddenFill xmlns:a14="http://schemas.microsoft.com/office/drawing/2010/main">
+                <a:solidFill>
+                  <a:srgbClr val="FFFFFF"/>
+                </a:solidFill>
+              </a14:hiddenFill>
+            </a:ext>
+          </a:extLst>
+        </p:spPr>
+      </p:pic>
+      <p:sp>
+        <p:nvSpPr>
+          <p:cNvPr id="7" name="TextBox 6">
+            <a:extLst>
+              <a:ext uri="{FF2B5EF4-FFF2-40B4-BE49-F238E27FC236}">
+                <a16:creationId xmlns:a16="http://schemas.microsoft.com/office/drawing/2014/main" id="{0CAEC218-7251-50A8-E97C-A8D380973EFD}"/>
+              </a:ext>
+            </a:extLst>
+          </p:cNvPr>
+          <p:cNvSpPr txBox="1"/>
+          <p:nvPr/>
+        </p:nvSpPr>
+        <p:spPr>
+          <a:xfrm>
+            <a:off x="3579055" y="2816309"/>
+            <a:ext cx="2363616" cy="369849"/>
+          </a:xfrm>
+          <a:prstGeom prst="rect">
+            <a:avLst/>
+          </a:prstGeom>
+          <a:noFill/>
+        </p:spPr>
+        <p:txBody>
+          <a:bodyPr wrap="square" rtlCol="0">
+            <a:spAutoFit/>
+          </a:bodyPr>
+          <a:lstStyle/>
+          <a:p>
+            <a:r>
+              <a:rPr lang="en-US" b="1" dirty="0">
+                <a:solidFill>
+                  <a:schemeClr val="bg1"/>
+                </a:solidFill>
+                <a:latin typeface="Oxygen" panose="02000503000000000000" pitchFamily="2" charset="0"/>
+              </a:rPr>
+              <a:t>Download our app!</a:t>
+            </a:r>
+          </a:p>
+        </p:txBody>
+      </p:sp>
+      <p:sp>
+        <p:nvSpPr>
+          <p:cNvPr id="8" name="AutoShape 4">
+            <a:extLst>
+              <a:ext uri="{FF2B5EF4-FFF2-40B4-BE49-F238E27FC236}">
+                <a16:creationId xmlns:a16="http://schemas.microsoft.com/office/drawing/2014/main" id="{1318FC0C-697E-A4A7-9959-76F6F061A167}"/>
+              </a:ext>
+            </a:extLst>
+          </p:cNvPr>
+          <p:cNvSpPr>
+            <a:spLocks noChangeAspect="1" noChangeArrowheads="1"/>
+          </p:cNvSpPr>
+          <p:nvPr/>
+        </p:nvSpPr>
+        <p:spPr bwMode="auto">
+          <a:xfrm>
+            <a:off x="4729162" y="5628212"/>
+            <a:ext cx="304800" cy="304800"/>
+          </a:xfrm>
+          <a:prstGeom prst="rect">
+            <a:avLst/>
+          </a:prstGeom>
+          <a:noFill/>
+          <a:extLst>
+            <a:ext uri="{909E8E84-426E-40DD-AFC4-6F175D3DCCD1}">
+              <a14:hiddenFill xmlns:a14="http://schemas.microsoft.com/office/drawing/2010/main">
+                <a:solidFill>
+                  <a:srgbClr val="FFFFFF"/>
+                </a:solidFill>
+              </a14:hiddenFill>
+            </a:ext>
+          </a:extLst>
+        </p:spPr>
+        <p:txBody>
+          <a:bodyPr vert="horz" wrap="square" lIns="91440" tIns="45720" rIns="91440" bIns="45720" numCol="1" anchor="t" anchorCtr="0" compatLnSpc="1">
+            <a:prstTxWarp prst="textNoShape">
+              <a:avLst/>
+            </a:prstTxWarp>
+          </a:bodyPr>
+          <a:lstStyle/>
+          <a:p>
+            <a:endParaRPr lang="en-US"/>
+          </a:p>
+        </p:txBody>
+      </p:sp>
+      <p:sp>
+        <p:nvSpPr>
+          <p:cNvPr id="10" name="AutoShape 6">
+            <a:extLst>
+              <a:ext uri="{FF2B5EF4-FFF2-40B4-BE49-F238E27FC236}">
+                <a16:creationId xmlns:a16="http://schemas.microsoft.com/office/drawing/2014/main" id="{08B62385-CE0C-9E79-30D1-BA728C928F82}"/>
+              </a:ext>
+            </a:extLst>
+          </p:cNvPr>
+          <p:cNvSpPr>
+            <a:spLocks noChangeAspect="1" noChangeArrowheads="1"/>
+          </p:cNvSpPr>
+          <p:nvPr/>
+        </p:nvSpPr>
+        <p:spPr bwMode="auto">
+          <a:xfrm>
+            <a:off x="4881562" y="5780612"/>
+            <a:ext cx="304800" cy="304800"/>
+          </a:xfrm>
+          <a:prstGeom prst="rect">
+            <a:avLst/>
+          </a:prstGeom>
+          <a:noFill/>
+          <a:extLst>
+            <a:ext uri="{909E8E84-426E-40DD-AFC4-6F175D3DCCD1}">
+              <a14:hiddenFill xmlns:a14="http://schemas.microsoft.com/office/drawing/2010/main">
+                <a:solidFill>
+                  <a:srgbClr val="FFFFFF"/>
+                </a:solidFill>
+              </a14:hiddenFill>
+            </a:ext>
+          </a:extLst>
+        </p:spPr>
+        <p:txBody>
+          <a:bodyPr vert="horz" wrap="square" lIns="91440" tIns="45720" rIns="91440" bIns="45720" numCol="1" anchor="t" anchorCtr="0" compatLnSpc="1">
+            <a:prstTxWarp prst="textNoShape">
+              <a:avLst/>
+            </a:prstTxWarp>
+          </a:bodyPr>
+          <a:lstStyle/>
+          <a:p>
+            <a:endParaRPr lang="en-US"/>
+          </a:p>
+        </p:txBody>
+      </p:sp>
+      <p:sp>
+        <p:nvSpPr>
+          <p:cNvPr id="27" name="Star: 32 Points 26">
+            <a:extLst>
+              <a:ext uri="{FF2B5EF4-FFF2-40B4-BE49-F238E27FC236}">
+                <a16:creationId xmlns:a16="http://schemas.microsoft.com/office/drawing/2014/main" id="{631945A5-6F47-E15C-3CBB-5C3343CEFB28}"/>
+              </a:ext>
+            </a:extLst>
+          </p:cNvPr>
+          <p:cNvSpPr/>
+          <p:nvPr/>
+        </p:nvSpPr>
+        <p:spPr>
+          <a:xfrm rot="21311287">
+            <a:off x="122012" y="3032472"/>
+            <a:ext cx="1560457" cy="566744"/>
+          </a:xfrm>
+          <a:prstGeom prst="star32">
+            <a:avLst>
+              <a:gd name="adj" fmla="val 43344"/>
+            </a:avLst>
+          </a:prstGeom>
+          <a:solidFill>
+            <a:srgbClr val="0070C0"/>
+          </a:solidFill>
+          <a:ln w="38100">
+            <a:solidFill>
+              <a:srgbClr val="FF0000"/>
+            </a:solidFill>
+          </a:ln>
+        </p:spPr>
+        <p:style>
+          <a:lnRef idx="2">
+            <a:schemeClr val="accent1">
+              <a:shade val="15000"/>
+            </a:schemeClr>
+          </a:lnRef>
+          <a:fillRef idx="1">
+            <a:schemeClr val="accent1"/>
+          </a:fillRef>
+          <a:effectRef idx="0">
+            <a:schemeClr val="accent1"/>
+          </a:effectRef>
+          <a:fontRef idx="minor">
+            <a:schemeClr val="lt1"/>
+          </a:fontRef>
+        </p:style>
+        <p:txBody>
+          <a:bodyPr rtlCol="0" anchor="ctr"/>
+          <a:lstStyle/>
+          <a:p>
+            <a:pPr algn="ctr"/>
+            <a:r>
+              <a:rPr lang="en-US" sz="2000" b="1" dirty="0" smtClean="0">
+                <a:solidFill>
+                  <a:schemeClr val="bg1"/>
+                </a:solidFill>
+                <a:latin typeface="Oxygen" panose="02000503000000000000" pitchFamily="2" charset="0"/>
+              </a:rPr>
+              <a:t>50%</a:t>
+            </a:r>
+            <a:r>
+              <a:rPr lang="en-US" sz="2000" b="1" dirty="0" smtClean="0">
+                <a:solidFill>
+                  <a:schemeClr val="bg1"/>
+                </a:solidFill>
+                <a:latin typeface="Oxygen" panose="02000503000000000000" pitchFamily="2" charset="0"/>
+              </a:rPr>
+              <a:t> </a:t>
+            </a:r>
+            <a:r>
+              <a:rPr lang="en-US" sz="1000" b="1" dirty="0" smtClean="0">
+                <a:solidFill>
+                  <a:schemeClr val="bg1"/>
+                </a:solidFill>
+                <a:latin typeface="Oxygen" panose="02000503000000000000" pitchFamily="2" charset="0"/>
+              </a:rPr>
+              <a:t>off</a:t>
+            </a:r>
+            <a:endParaRPr lang="en-US" sz="1000" b="1" dirty="0">
+              <a:latin typeface="Oxygen" panose="02000503000000000000" pitchFamily="2" charset="0"/>
+            </a:endParaRPr>
+          </a:p>
+        </p:txBody>
+      </p:sp>
+      <p:sp>
+        <p:nvSpPr>
+          <p:cNvPr id="30" name="TextBox 29">
+            <a:extLst>
+              <a:ext uri="{FF2B5EF4-FFF2-40B4-BE49-F238E27FC236}">
+                <a16:creationId xmlns:a16="http://schemas.microsoft.com/office/drawing/2014/main" id="{9D7421B6-C86F-2FCE-3179-2B91C6DADB45}"/>
+              </a:ext>
+            </a:extLst>
+          </p:cNvPr>
+          <p:cNvSpPr txBox="1"/>
+          <p:nvPr/>
+        </p:nvSpPr>
+        <p:spPr>
+          <a:xfrm>
+            <a:off x="162800" y="1770772"/>
+            <a:ext cx="2563020" cy="1000274"/>
+          </a:xfrm>
+          <a:prstGeom prst="rect">
+            <a:avLst/>
+          </a:prstGeom>
+          <a:noFill/>
+        </p:spPr>
+        <p:txBody>
+          <a:bodyPr wrap="square">
+            <a:spAutoFit/>
+          </a:bodyPr>
+          <a:lstStyle/>
+          <a:p>
+            <a:r>
+              <a:rPr lang="en-US" sz="2000" b="1" cap="small" dirty="0" smtClean="0">
+                <a:solidFill>
+                  <a:schemeClr val="bg1"/>
+                </a:solidFill>
+                <a:latin typeface="Oxygen" panose="02000503000000000000" pitchFamily="2" charset="0"/>
+              </a:rPr>
+              <a:t>IT Courses</a:t>
+            </a:r>
+            <a:endParaRPr lang="en-US" sz="2000" b="1" cap="small" dirty="0" smtClean="0">
+              <a:solidFill>
+                <a:schemeClr val="bg1"/>
+              </a:solidFill>
+              <a:latin typeface="Oxygen" panose="02000503000000000000" pitchFamily="2" charset="0"/>
+            </a:endParaRPr>
+          </a:p>
+          <a:p>
+            <a:r>
+              <a:rPr lang="en-US" sz="1300" b="1" dirty="0" smtClean="0">
+                <a:solidFill>
+                  <a:schemeClr val="bg1"/>
+                </a:solidFill>
+                <a:latin typeface="Oxygen" panose="02000503000000000000" pitchFamily="2" charset="0"/>
+              </a:rPr>
+              <a:t>for</a:t>
+            </a:r>
+          </a:p>
+          <a:p>
+            <a:pPr marL="171450" indent="-171450">
+              <a:buFont typeface="Arial" panose="020B0604020202020204" pitchFamily="34" charset="0"/>
+              <a:buChar char="•"/>
+            </a:pPr>
+            <a:r>
+              <a:rPr lang="en-US" sz="1300" b="1" dirty="0" smtClean="0">
+                <a:solidFill>
+                  <a:schemeClr val="bg1"/>
+                </a:solidFill>
+                <a:latin typeface="Oxygen" panose="02000503000000000000" pitchFamily="2" charset="0"/>
+              </a:rPr>
+              <a:t>School &amp; College Students</a:t>
+            </a:r>
+            <a:endParaRPr lang="en-US" sz="1300" b="1" dirty="0">
+              <a:solidFill>
+                <a:schemeClr val="bg1"/>
+              </a:solidFill>
+              <a:latin typeface="Oxygen" panose="02000503000000000000" pitchFamily="2" charset="0"/>
+            </a:endParaRPr>
+          </a:p>
+          <a:p>
+            <a:pPr marL="171450" indent="-171450">
+              <a:buFont typeface="Arial" panose="020B0604020202020204" pitchFamily="34" charset="0"/>
+              <a:buChar char="•"/>
+            </a:pPr>
+            <a:r>
+              <a:rPr lang="en-US" sz="1300" b="1" dirty="0" smtClean="0">
+                <a:solidFill>
+                  <a:schemeClr val="bg1"/>
+                </a:solidFill>
+                <a:latin typeface="Oxygen" panose="02000503000000000000" pitchFamily="2" charset="0"/>
+              </a:rPr>
+              <a:t>Professionals</a:t>
+            </a:r>
+          </a:p>
+        </p:txBody>
+      </p:sp>
+      <p:sp>
+        <p:nvSpPr>
+          <p:cNvPr id="6" name="TextBox 5">
+            <a:extLst>
+              <a:ext uri="{FF2B5EF4-FFF2-40B4-BE49-F238E27FC236}">
+                <a16:creationId xmlns:a16="http://schemas.microsoft.com/office/drawing/2014/main" id="{4EE17EA9-F9FD-41B2-DD57-00F637C57701}"/>
+              </a:ext>
+            </a:extLst>
+          </p:cNvPr>
+          <p:cNvSpPr txBox="1"/>
+          <p:nvPr/>
+        </p:nvSpPr>
+        <p:spPr>
+          <a:xfrm>
+            <a:off x="214901" y="1311169"/>
+            <a:ext cx="3482527" cy="400110"/>
+          </a:xfrm>
+          <a:prstGeom prst="rect">
+            <a:avLst/>
+          </a:prstGeom>
+          <a:noFill/>
+        </p:spPr>
+        <p:txBody>
+          <a:bodyPr wrap="square" rtlCol="0">
+            <a:spAutoFit/>
+          </a:bodyPr>
+          <a:lstStyle/>
+          <a:p>
+            <a:r>
+              <a:rPr lang="en-US" sz="2000" b="1" i="1" dirty="0">
+                <a:solidFill>
+                  <a:srgbClr val="FF8C52"/>
+                </a:solidFill>
+                <a:latin typeface="Oxygen" panose="02000503000000000000" pitchFamily="2" charset="0"/>
+              </a:rPr>
+              <a:t>Education that enlightens! </a:t>
+            </a:r>
+          </a:p>
+        </p:txBody>
+      </p:sp>
+      <p:sp>
+        <p:nvSpPr>
+          <p:cNvPr id="5" name="TextBox 4">
+            <a:extLst>
+              <a:ext uri="{FF2B5EF4-FFF2-40B4-BE49-F238E27FC236}">
+                <a16:creationId xmlns:a16="http://schemas.microsoft.com/office/drawing/2014/main" id="{69A1AF85-554C-4286-D829-438742482D80}"/>
+              </a:ext>
+            </a:extLst>
+          </p:cNvPr>
+          <p:cNvSpPr txBox="1"/>
+          <p:nvPr/>
+        </p:nvSpPr>
+        <p:spPr>
+          <a:xfrm>
+            <a:off x="66550" y="3540813"/>
+            <a:ext cx="3122351" cy="400110"/>
+          </a:xfrm>
+          <a:prstGeom prst="rect">
+            <a:avLst/>
+          </a:prstGeom>
+          <a:noFill/>
+        </p:spPr>
+        <p:txBody>
+          <a:bodyPr wrap="square">
+            <a:spAutoFit/>
+          </a:bodyPr>
+          <a:lstStyle/>
+          <a:p>
+            <a:pPr algn="ctr"/>
+            <a:r>
+              <a:rPr lang="en-US" sz="2000" b="1" dirty="0">
+                <a:solidFill>
+                  <a:srgbClr val="FF0000"/>
+                </a:solidFill>
+                <a:latin typeface="Oxygen" panose="02000503000000000000" pitchFamily="2" charset="0"/>
+              </a:rPr>
+              <a:t>Hurry! Offer ends soon!</a:t>
+            </a:r>
+          </a:p>
+        </p:txBody>
+      </p:sp>
+      <p:pic>
+        <p:nvPicPr>
+          <p:cNvPr id="17" name="Picture 8">
+            <a:extLst>
+              <a:ext uri="{FF2B5EF4-FFF2-40B4-BE49-F238E27FC236}">
+                <a16:creationId xmlns:a16="http://schemas.microsoft.com/office/drawing/2014/main" id="{0CBD4089-8DE5-6C05-7CB9-0A8BCD0B92BE}"/>
+              </a:ext>
+            </a:extLst>
+          </p:cNvPr>
+          <p:cNvPicPr>
+            <a:picLocks noChangeAspect="1" noChangeArrowheads="1"/>
+          </p:cNvPicPr>
+          <p:nvPr/>
+        </p:nvPicPr>
+        <p:blipFill>
+          <a:blip r:embed="rId7" cstate="hqprint">
+            <a:extLst>
+              <a:ext uri="{28A0092B-C50C-407E-A947-70E740481C1C}">
+                <a14:useLocalDpi xmlns:a14="http://schemas.microsoft.com/office/drawing/2010/main" val="0"/>
+              </a:ext>
+            </a:extLst>
+          </a:blip>
+          <a:srcRect/>
+          <a:stretch>
+            <a:fillRect/>
+          </a:stretch>
+        </p:blipFill>
+        <p:spPr bwMode="auto">
+          <a:xfrm>
+            <a:off x="5767981" y="2816167"/>
+            <a:ext cx="381417" cy="381417"/>
+          </a:xfrm>
+          <a:prstGeom prst="rect">
+            <a:avLst/>
+          </a:prstGeom>
+          <a:noFill/>
+          <a:extLst>
+            <a:ext uri="{909E8E84-426E-40DD-AFC4-6F175D3DCCD1}">
+              <a14:hiddenFill xmlns:a14="http://schemas.microsoft.com/office/drawing/2010/main">
+                <a:solidFill>
+                  <a:srgbClr val="FFFFFF"/>
+                </a:solidFill>
+              </a14:hiddenFill>
+            </a:ext>
+          </a:extLst>
+        </p:spPr>
+      </p:pic>
+      <p:sp>
+        <p:nvSpPr>
+          <p:cNvPr id="22" name="Rectangle 21">
+            <a:extLst>
+              <a:ext uri="{FF2B5EF4-FFF2-40B4-BE49-F238E27FC236}">
+                <a16:creationId xmlns:a16="http://schemas.microsoft.com/office/drawing/2014/main" id="{043DC748-09CC-0DC9-07BB-AC9DE7F19FE5}"/>
+              </a:ext>
+            </a:extLst>
+          </p:cNvPr>
+          <p:cNvSpPr/>
+          <p:nvPr/>
+        </p:nvSpPr>
+        <p:spPr>
+          <a:xfrm>
+            <a:off x="2266122" y="4065104"/>
+            <a:ext cx="4134678" cy="1677337"/>
+          </a:xfrm>
+          <a:prstGeom prst="rect">
+            <a:avLst/>
+          </a:prstGeom>
+          <a:solidFill>
+            <a:srgbClr val="FFFFFF"/>
+          </a:solidFill>
+          <a:ln>
+            <a:noFill/>
+          </a:ln>
+        </p:spPr>
+        <p:style>
+          <a:lnRef idx="2">
+            <a:schemeClr val="accent1">
+              <a:shade val="15000"/>
+            </a:schemeClr>
+          </a:lnRef>
+          <a:fillRef idx="1">
+            <a:schemeClr val="accent1"/>
+          </a:fillRef>
+          <a:effectRef idx="0">
+            <a:schemeClr val="accent1"/>
+          </a:effectRef>
+          <a:fontRef idx="minor">
+            <a:schemeClr val="lt1"/>
+          </a:fontRef>
+        </p:style>
+        <p:txBody>
+          <a:bodyPr rtlCol="0" anchor="ctr"/>
+          <a:lstStyle/>
+          <a:p>
+            <a:pPr algn="ctr"/>
+            <a:endParaRPr lang="en-US"/>
+          </a:p>
+        </p:txBody>
+      </p:sp>
+      <p:sp>
+        <p:nvSpPr>
+          <p:cNvPr id="2" name="Rectangle: Rounded Corners 1">
+            <a:extLst>
+              <a:ext uri="{FF2B5EF4-FFF2-40B4-BE49-F238E27FC236}">
+                <a16:creationId xmlns:a16="http://schemas.microsoft.com/office/drawing/2014/main" id="{BBF4A80A-561F-99D6-9166-E89E3A0574D7}"/>
+              </a:ext>
+            </a:extLst>
+          </p:cNvPr>
+          <p:cNvSpPr/>
+          <p:nvPr/>
+        </p:nvSpPr>
+        <p:spPr>
+          <a:xfrm>
+            <a:off x="274648" y="4197799"/>
+            <a:ext cx="2830411" cy="1719134"/>
+          </a:xfrm>
+          <a:prstGeom prst="roundRect">
+            <a:avLst/>
+          </a:prstGeom>
+          <a:solidFill>
+            <a:schemeClr val="bg1">
+              <a:lumMod val="95000"/>
+            </a:schemeClr>
+          </a:solidFill>
+          <a:ln>
+            <a:noFill/>
+          </a:ln>
+          <a:effectLst>
+            <a:outerShdw blurRad="50800" dist="38100" dir="2700000" algn="tl" rotWithShape="0">
+              <a:prstClr val="black">
+                <a:alpha val="40000"/>
+              </a:prstClr>
+            </a:outerShdw>
+          </a:effectLst>
+        </p:spPr>
+        <p:style>
+          <a:lnRef idx="2">
+            <a:schemeClr val="accent1">
+              <a:shade val="15000"/>
+            </a:schemeClr>
+          </a:lnRef>
+          <a:fillRef idx="1">
+            <a:schemeClr val="accent1"/>
+          </a:fillRef>
+          <a:effectRef idx="0">
+            <a:schemeClr val="accent1"/>
+          </a:effectRef>
+          <a:fontRef idx="minor">
+            <a:schemeClr val="lt1"/>
+          </a:fontRef>
+        </p:style>
+        <p:txBody>
+          <a:bodyPr rtlCol="0" anchor="ctr"/>
+          <a:lstStyle/>
+          <a:p>
+            <a:pPr algn="ctr"/>
+            <a:endParaRPr lang="en-US"/>
+          </a:p>
+        </p:txBody>
+      </p:sp>
+      <p:sp>
+        <p:nvSpPr>
+          <p:cNvPr id="25" name="TextBox 24">
+            <a:extLst>
+              <a:ext uri="{FF2B5EF4-FFF2-40B4-BE49-F238E27FC236}">
+                <a16:creationId xmlns:a16="http://schemas.microsoft.com/office/drawing/2014/main" id="{17CDCBBE-901E-3A1D-40A4-A0C1D98406D8}"/>
+              </a:ext>
+            </a:extLst>
+          </p:cNvPr>
+          <p:cNvSpPr txBox="1"/>
+          <p:nvPr/>
+        </p:nvSpPr>
+        <p:spPr>
+          <a:xfrm rot="18752084">
+            <a:off x="219274" y="4266694"/>
+            <a:ext cx="541706" cy="276999"/>
+          </a:xfrm>
+          <a:prstGeom prst="rect">
+            <a:avLst/>
+          </a:prstGeom>
+          <a:noFill/>
+        </p:spPr>
+        <p:txBody>
+          <a:bodyPr wrap="square" rtlCol="0">
+            <a:spAutoFit/>
+          </a:bodyPr>
+          <a:lstStyle/>
+          <a:p>
+            <a:pPr algn="ctr"/>
+            <a:r>
+              <a:rPr lang="en-US" sz="1200" b="1" cap="small" dirty="0">
+                <a:solidFill>
+                  <a:schemeClr val="tx1">
+                    <a:lumMod val="50000"/>
+                    <a:lumOff val="50000"/>
+                  </a:schemeClr>
+                </a:solidFill>
+                <a:latin typeface="Oxygen" panose="02000503000000000000" pitchFamily="2" charset="0"/>
+              </a:rPr>
+              <a:t>Sem 1</a:t>
+            </a:r>
+          </a:p>
+        </p:txBody>
+      </p:sp>
+      <p:sp>
+        <p:nvSpPr>
+          <p:cNvPr id="1024" name="TextBox 1023">
+            <a:extLst>
+              <a:ext uri="{FF2B5EF4-FFF2-40B4-BE49-F238E27FC236}">
+                <a16:creationId xmlns:a16="http://schemas.microsoft.com/office/drawing/2014/main" id="{3CC7E408-93B0-3725-23E8-D91F61F638E2}"/>
+              </a:ext>
+            </a:extLst>
+          </p:cNvPr>
+          <p:cNvSpPr txBox="1"/>
+          <p:nvPr/>
+        </p:nvSpPr>
+        <p:spPr>
+          <a:xfrm>
+            <a:off x="820157" y="4371990"/>
+            <a:ext cx="2284902" cy="738664"/>
+          </a:xfrm>
+          <a:prstGeom prst="rect">
+            <a:avLst/>
+          </a:prstGeom>
+          <a:noFill/>
+        </p:spPr>
+        <p:txBody>
+          <a:bodyPr wrap="square">
+            <a:spAutoFit/>
+          </a:bodyPr>
+          <a:lstStyle/>
+          <a:p>
+            <a:r>
+              <a:rPr lang="en-US" sz="1200" b="1" cap="small" dirty="0">
+                <a:solidFill>
+                  <a:schemeClr val="tx1">
+                    <a:lumMod val="50000"/>
+                    <a:lumOff val="50000"/>
+                  </a:schemeClr>
+                </a:solidFill>
+                <a:latin typeface="Oxygen" panose="02000503000000000000" pitchFamily="2" charset="0"/>
+              </a:rPr>
+              <a:t>Data Analysis Engineer</a:t>
+            </a:r>
+          </a:p>
+          <a:p>
+            <a:pPr marL="171450" indent="-171450">
+              <a:buFont typeface="Wingdings" panose="05000000000000000000" pitchFamily="2" charset="2"/>
+              <a:buChar char="v"/>
+            </a:pPr>
+            <a:r>
+              <a:rPr lang="en-US" sz="1000" b="1" dirty="0">
+                <a:solidFill>
+                  <a:schemeClr val="tx1">
+                    <a:lumMod val="50000"/>
+                    <a:lumOff val="50000"/>
+                  </a:schemeClr>
+                </a:solidFill>
+                <a:latin typeface="Oxygen" panose="02000503000000000000" pitchFamily="2" charset="0"/>
+              </a:rPr>
+              <a:t>AI Intro, Python, Maths,  Stats</a:t>
+            </a:r>
+          </a:p>
+          <a:p>
+            <a:pPr marL="171450" indent="-171450">
+              <a:buFont typeface="Wingdings" panose="05000000000000000000" pitchFamily="2" charset="2"/>
+              <a:buChar char="v"/>
+            </a:pPr>
+            <a:r>
+              <a:rPr lang="en-US" sz="1000" b="1" dirty="0">
+                <a:solidFill>
+                  <a:schemeClr val="tx1">
+                    <a:lumMod val="50000"/>
+                    <a:lumOff val="50000"/>
+                  </a:schemeClr>
+                </a:solidFill>
+                <a:latin typeface="Oxygen" panose="02000503000000000000" pitchFamily="2" charset="0"/>
+              </a:rPr>
+              <a:t>Data Analysis: </a:t>
+            </a:r>
+            <a:r>
+              <a:rPr lang="en-US" sz="1000" b="1" dirty="0" err="1">
+                <a:solidFill>
+                  <a:schemeClr val="tx1">
+                    <a:lumMod val="50000"/>
+                    <a:lumOff val="50000"/>
+                  </a:schemeClr>
+                </a:solidFill>
+                <a:latin typeface="Oxygen" panose="02000503000000000000" pitchFamily="2" charset="0"/>
+              </a:rPr>
+              <a:t>numpy</a:t>
+            </a:r>
+            <a:r>
+              <a:rPr lang="en-US" sz="1000" b="1" dirty="0">
+                <a:solidFill>
+                  <a:schemeClr val="tx1">
+                    <a:lumMod val="50000"/>
+                    <a:lumOff val="50000"/>
+                  </a:schemeClr>
+                </a:solidFill>
+                <a:latin typeface="Oxygen" panose="02000503000000000000" pitchFamily="2" charset="0"/>
+              </a:rPr>
+              <a:t> &amp; pandas</a:t>
+            </a:r>
+          </a:p>
+          <a:p>
+            <a:pPr marL="171450" indent="-171450">
+              <a:buFont typeface="Wingdings" panose="05000000000000000000" pitchFamily="2" charset="2"/>
+              <a:buChar char="v"/>
+            </a:pPr>
+            <a:r>
+              <a:rPr lang="en-US" sz="1000" b="1" dirty="0">
+                <a:solidFill>
+                  <a:schemeClr val="tx1">
+                    <a:lumMod val="50000"/>
+                    <a:lumOff val="50000"/>
+                  </a:schemeClr>
+                </a:solidFill>
+                <a:latin typeface="Oxygen" panose="02000503000000000000" pitchFamily="2" charset="0"/>
+              </a:rPr>
+              <a:t>Visualization: matplotlib</a:t>
+            </a:r>
+          </a:p>
+        </p:txBody>
+      </p:sp>
+      <p:sp>
+        <p:nvSpPr>
+          <p:cNvPr id="1025" name="TextBox 1024">
+            <a:extLst>
+              <a:ext uri="{FF2B5EF4-FFF2-40B4-BE49-F238E27FC236}">
+                <a16:creationId xmlns:a16="http://schemas.microsoft.com/office/drawing/2014/main" id="{492313F8-7E71-D755-AF98-69B1CEEEDCC7}"/>
+              </a:ext>
+            </a:extLst>
+          </p:cNvPr>
+          <p:cNvSpPr txBox="1"/>
+          <p:nvPr/>
+        </p:nvSpPr>
+        <p:spPr>
+          <a:xfrm>
+            <a:off x="820156" y="5092286"/>
+            <a:ext cx="2216834" cy="738664"/>
+          </a:xfrm>
+          <a:prstGeom prst="rect">
+            <a:avLst/>
+          </a:prstGeom>
+          <a:noFill/>
+        </p:spPr>
+        <p:txBody>
+          <a:bodyPr wrap="square">
+            <a:spAutoFit/>
+          </a:bodyPr>
+          <a:lstStyle/>
+          <a:p>
+            <a:r>
+              <a:rPr lang="en-US" sz="1200" b="1" cap="small" dirty="0">
+                <a:solidFill>
+                  <a:schemeClr val="tx1">
+                    <a:lumMod val="50000"/>
+                    <a:lumOff val="50000"/>
+                  </a:schemeClr>
+                </a:solidFill>
+                <a:latin typeface="Oxygen" panose="02000503000000000000" pitchFamily="2" charset="0"/>
+              </a:rPr>
+              <a:t>Gen AI &amp; Prompt Engineer</a:t>
+            </a:r>
+          </a:p>
+          <a:p>
+            <a:pPr marL="171450" indent="-171450">
+              <a:buFont typeface="Wingdings" panose="05000000000000000000" pitchFamily="2" charset="2"/>
+              <a:buChar char="v"/>
+            </a:pPr>
+            <a:r>
+              <a:rPr lang="en-US" sz="1000" b="1" dirty="0">
+                <a:solidFill>
+                  <a:schemeClr val="tx1">
+                    <a:lumMod val="50000"/>
+                    <a:lumOff val="50000"/>
+                  </a:schemeClr>
+                </a:solidFill>
+                <a:latin typeface="Oxygen" panose="02000503000000000000" pitchFamily="2" charset="0"/>
+              </a:rPr>
+              <a:t>LLM – ChatGPT / LLAMA</a:t>
+            </a:r>
+          </a:p>
+          <a:p>
+            <a:pPr marL="171450" indent="-171450">
+              <a:buFont typeface="Wingdings" panose="05000000000000000000" pitchFamily="2" charset="2"/>
+              <a:buChar char="v"/>
+            </a:pPr>
+            <a:r>
+              <a:rPr lang="en-US" sz="1000" b="1" dirty="0" err="1">
+                <a:solidFill>
+                  <a:schemeClr val="tx1">
+                    <a:lumMod val="50000"/>
+                    <a:lumOff val="50000"/>
+                  </a:schemeClr>
+                </a:solidFill>
+                <a:latin typeface="Oxygen" panose="02000503000000000000" pitchFamily="2" charset="0"/>
+              </a:rPr>
+              <a:t>LangChain</a:t>
+            </a:r>
+            <a:r>
+              <a:rPr lang="en-US" sz="1000" b="1" dirty="0">
+                <a:solidFill>
+                  <a:schemeClr val="tx1">
+                    <a:lumMod val="50000"/>
+                    <a:lumOff val="50000"/>
+                  </a:schemeClr>
+                </a:solidFill>
+                <a:latin typeface="Oxygen" panose="02000503000000000000" pitchFamily="2" charset="0"/>
+              </a:rPr>
+              <a:t> &amp; Semantic Search</a:t>
+            </a:r>
+          </a:p>
+          <a:p>
+            <a:pPr marL="171450" indent="-171450">
+              <a:buFont typeface="Wingdings" panose="05000000000000000000" pitchFamily="2" charset="2"/>
+              <a:buChar char="v"/>
+            </a:pPr>
+            <a:r>
+              <a:rPr lang="en-US" sz="1000" b="1" dirty="0">
+                <a:solidFill>
+                  <a:schemeClr val="tx1">
+                    <a:lumMod val="50000"/>
+                    <a:lumOff val="50000"/>
+                  </a:schemeClr>
+                </a:solidFill>
+                <a:latin typeface="Oxygen" panose="02000503000000000000" pitchFamily="2" charset="0"/>
+              </a:rPr>
+              <a:t>Prompt Engineering</a:t>
+            </a:r>
+          </a:p>
+        </p:txBody>
+      </p:sp>
+      <p:pic>
+        <p:nvPicPr>
+          <p:cNvPr id="1033" name="Picture 14">
+            <a:extLst>
+              <a:ext uri="{FF2B5EF4-FFF2-40B4-BE49-F238E27FC236}">
+                <a16:creationId xmlns:a16="http://schemas.microsoft.com/office/drawing/2014/main" id="{DB494C64-FA74-AD43-5E4A-FB01092C0D72}"/>
+              </a:ext>
+            </a:extLst>
+          </p:cNvPr>
+          <p:cNvPicPr>
+            <a:picLocks noChangeAspect="1" noChangeArrowheads="1"/>
+          </p:cNvPicPr>
+          <p:nvPr/>
+        </p:nvPicPr>
+        <p:blipFill>
+          <a:blip r:embed="rId8" cstate="hqprint">
+            <a:extLst>
+              <a:ext uri="{28A0092B-C50C-407E-A947-70E740481C1C}">
+                <a14:useLocalDpi xmlns:a14="http://schemas.microsoft.com/office/drawing/2010/main" val="0"/>
+              </a:ext>
+            </a:extLst>
+          </a:blip>
+          <a:srcRect/>
+          <a:stretch>
+            <a:fillRect/>
+          </a:stretch>
+        </p:blipFill>
+        <p:spPr bwMode="auto">
+          <a:xfrm>
+            <a:off x="564644" y="4413888"/>
+            <a:ext cx="412675" cy="439890"/>
+          </a:xfrm>
+          <a:prstGeom prst="rect">
+            <a:avLst/>
+          </a:prstGeom>
+          <a:noFill/>
+          <a:extLst>
+            <a:ext uri="{909E8E84-426E-40DD-AFC4-6F175D3DCCD1}">
+              <a14:hiddenFill xmlns:a14="http://schemas.microsoft.com/office/drawing/2010/main">
+                <a:solidFill>
+                  <a:srgbClr val="FFFFFF"/>
+                </a:solidFill>
+              </a14:hiddenFill>
+            </a:ext>
+          </a:extLst>
+        </p:spPr>
+      </p:pic>
+      <p:pic>
+        <p:nvPicPr>
+          <p:cNvPr id="1035" name="Picture 14">
+            <a:extLst>
+              <a:ext uri="{FF2B5EF4-FFF2-40B4-BE49-F238E27FC236}">
+                <a16:creationId xmlns:a16="http://schemas.microsoft.com/office/drawing/2014/main" id="{7826C10D-66EC-CAB3-B63D-4CF78B079C4D}"/>
+              </a:ext>
+            </a:extLst>
+          </p:cNvPr>
+          <p:cNvPicPr>
+            <a:picLocks noChangeAspect="1" noChangeArrowheads="1"/>
+          </p:cNvPicPr>
+          <p:nvPr/>
+        </p:nvPicPr>
+        <p:blipFill>
+          <a:blip r:embed="rId9" cstate="hqprint">
+            <a:extLst>
+              <a:ext uri="{28A0092B-C50C-407E-A947-70E740481C1C}">
+                <a14:useLocalDpi xmlns:a14="http://schemas.microsoft.com/office/drawing/2010/main" val="0"/>
+              </a:ext>
+            </a:extLst>
+          </a:blip>
+          <a:srcRect/>
+          <a:stretch>
+            <a:fillRect/>
+          </a:stretch>
+        </p:blipFill>
+        <p:spPr bwMode="auto">
+          <a:xfrm>
+            <a:off x="569021" y="5125480"/>
+            <a:ext cx="439890" cy="439890"/>
+          </a:xfrm>
+          <a:prstGeom prst="rect">
+            <a:avLst/>
+          </a:prstGeom>
+          <a:noFill/>
+          <a:extLst>
+            <a:ext uri="{909E8E84-426E-40DD-AFC4-6F175D3DCCD1}">
+              <a14:hiddenFill xmlns:a14="http://schemas.microsoft.com/office/drawing/2010/main">
+                <a:solidFill>
+                  <a:srgbClr val="FFFFFF"/>
+                </a:solidFill>
+              </a14:hiddenFill>
+            </a:ext>
+          </a:extLst>
+        </p:spPr>
+      </p:pic>
+      <p:pic>
+        <p:nvPicPr>
+          <p:cNvPr id="50" name="Picture 8" descr="YouTube">
+            <a:extLst>
+              <a:ext uri="{FF2B5EF4-FFF2-40B4-BE49-F238E27FC236}">
+                <a16:creationId xmlns:a16="http://schemas.microsoft.com/office/drawing/2014/main" id="{09B174C1-FD9F-471A-1364-8517DAF38C55}"/>
+              </a:ext>
+            </a:extLst>
+          </p:cNvPr>
+          <p:cNvPicPr>
+            <a:picLocks noChangeAspect="1" noChangeArrowheads="1"/>
+          </p:cNvPicPr>
+          <p:nvPr/>
+        </p:nvPicPr>
+        <p:blipFill>
+          <a:blip r:embed="rId10">
+            <a:extLst>
+              <a:ext uri="{28A0092B-C50C-407E-A947-70E740481C1C}">
+                <a14:useLocalDpi xmlns:a14="http://schemas.microsoft.com/office/drawing/2010/main" val="0"/>
+              </a:ext>
+            </a:extLst>
+          </a:blip>
+          <a:srcRect/>
+          <a:stretch>
+            <a:fillRect/>
+          </a:stretch>
+        </p:blipFill>
+        <p:spPr bwMode="auto">
+          <a:xfrm>
+            <a:off x="4944377" y="8651326"/>
+            <a:ext cx="400751" cy="400751"/>
+          </a:xfrm>
+          <a:prstGeom prst="rect">
+            <a:avLst/>
+          </a:prstGeom>
+          <a:noFill/>
+          <a:extLst>
+            <a:ext uri="{909E8E84-426E-40DD-AFC4-6F175D3DCCD1}">
+              <a14:hiddenFill xmlns:a14="http://schemas.microsoft.com/office/drawing/2010/main">
+                <a:solidFill>
+                  <a:srgbClr val="FFFFFF"/>
+                </a:solidFill>
+              </a14:hiddenFill>
+            </a:ext>
+          </a:extLst>
+        </p:spPr>
+      </p:pic>
+      <p:pic>
+        <p:nvPicPr>
+          <p:cNvPr id="51" name="Picture 50">
+            <a:extLst>
+              <a:ext uri="{FF2B5EF4-FFF2-40B4-BE49-F238E27FC236}">
+                <a16:creationId xmlns:a16="http://schemas.microsoft.com/office/drawing/2014/main" id="{1B10D8FB-DD14-ED8F-3663-7285F6D36A95}"/>
+              </a:ext>
+            </a:extLst>
+          </p:cNvPr>
+          <p:cNvPicPr>
+            <a:picLocks noChangeAspect="1"/>
+          </p:cNvPicPr>
+          <p:nvPr/>
+        </p:nvPicPr>
+        <p:blipFill>
+          <a:blip r:embed="rId11"/>
+          <a:stretch>
+            <a:fillRect/>
+          </a:stretch>
+        </p:blipFill>
+        <p:spPr>
+          <a:xfrm>
+            <a:off x="5707228" y="8721116"/>
+            <a:ext cx="284384" cy="284384"/>
+          </a:xfrm>
+          <a:prstGeom prst="rect">
+            <a:avLst/>
+          </a:prstGeom>
+        </p:spPr>
+      </p:pic>
+      <p:pic>
+        <p:nvPicPr>
+          <p:cNvPr id="52" name="Picture 12" descr="LinkedIn">
+            <a:extLst>
+              <a:ext uri="{FF2B5EF4-FFF2-40B4-BE49-F238E27FC236}">
+                <a16:creationId xmlns:a16="http://schemas.microsoft.com/office/drawing/2014/main" id="{B8728633-2A06-8D51-9CB4-DD25478D0E4D}"/>
+              </a:ext>
+            </a:extLst>
+          </p:cNvPr>
+          <p:cNvPicPr>
+            <a:picLocks noChangeAspect="1" noChangeArrowheads="1"/>
+          </p:cNvPicPr>
+          <p:nvPr/>
+        </p:nvPicPr>
+        <p:blipFill>
+          <a:blip r:embed="rId12">
+            <a:extLst>
+              <a:ext uri="{28A0092B-C50C-407E-A947-70E740481C1C}">
+                <a14:useLocalDpi xmlns:a14="http://schemas.microsoft.com/office/drawing/2010/main" val="0"/>
+              </a:ext>
+            </a:extLst>
+          </a:blip>
+          <a:srcRect/>
+          <a:stretch>
+            <a:fillRect/>
+          </a:stretch>
+        </p:blipFill>
+        <p:spPr bwMode="auto">
+          <a:xfrm>
+            <a:off x="4565844" y="8662933"/>
+            <a:ext cx="400751" cy="400751"/>
+          </a:xfrm>
+          <a:prstGeom prst="rect">
+            <a:avLst/>
+          </a:prstGeom>
+          <a:noFill/>
+          <a:extLst>
+            <a:ext uri="{909E8E84-426E-40DD-AFC4-6F175D3DCCD1}">
+              <a14:hiddenFill xmlns:a14="http://schemas.microsoft.com/office/drawing/2010/main">
+                <a:solidFill>
+                  <a:srgbClr val="FFFFFF"/>
+                </a:solidFill>
+              </a14:hiddenFill>
+            </a:ext>
+          </a:extLst>
+        </p:spPr>
+      </p:pic>
+      <p:pic>
+        <p:nvPicPr>
+          <p:cNvPr id="53" name="Picture 14" descr="Instagram">
+            <a:extLst>
+              <a:ext uri="{FF2B5EF4-FFF2-40B4-BE49-F238E27FC236}">
+                <a16:creationId xmlns:a16="http://schemas.microsoft.com/office/drawing/2014/main" id="{5B65458A-DA92-EF42-2471-59EB8411655C}"/>
+              </a:ext>
+            </a:extLst>
+          </p:cNvPr>
+          <p:cNvPicPr>
+            <a:picLocks noChangeAspect="1" noChangeArrowheads="1"/>
+          </p:cNvPicPr>
+          <p:nvPr/>
+        </p:nvPicPr>
+        <p:blipFill>
+          <a:blip r:embed="rId13">
+            <a:extLst>
+              <a:ext uri="{28A0092B-C50C-407E-A947-70E740481C1C}">
+                <a14:useLocalDpi xmlns:a14="http://schemas.microsoft.com/office/drawing/2010/main" val="0"/>
+              </a:ext>
+            </a:extLst>
+          </a:blip>
+          <a:srcRect/>
+          <a:stretch>
+            <a:fillRect/>
+          </a:stretch>
+        </p:blipFill>
+        <p:spPr bwMode="auto">
+          <a:xfrm>
+            <a:off x="4233267" y="8681149"/>
+            <a:ext cx="364319" cy="364319"/>
+          </a:xfrm>
+          <a:prstGeom prst="rect">
+            <a:avLst/>
+          </a:prstGeom>
+          <a:noFill/>
+          <a:extLst>
+            <a:ext uri="{909E8E84-426E-40DD-AFC4-6F175D3DCCD1}">
+              <a14:hiddenFill xmlns:a14="http://schemas.microsoft.com/office/drawing/2010/main">
+                <a:solidFill>
+                  <a:srgbClr val="FFFFFF"/>
+                </a:solidFill>
+              </a14:hiddenFill>
+            </a:ext>
+          </a:extLst>
+        </p:spPr>
+      </p:pic>
+      <p:pic>
+        <p:nvPicPr>
+          <p:cNvPr id="54" name="Picture 16" descr="Facebook">
+            <a:extLst>
+              <a:ext uri="{FF2B5EF4-FFF2-40B4-BE49-F238E27FC236}">
+                <a16:creationId xmlns:a16="http://schemas.microsoft.com/office/drawing/2014/main" id="{B4A5D98E-C1D2-6716-5F84-4EE2F8A69089}"/>
+              </a:ext>
+            </a:extLst>
+          </p:cNvPr>
+          <p:cNvPicPr>
+            <a:picLocks noChangeAspect="1" noChangeArrowheads="1"/>
+          </p:cNvPicPr>
+          <p:nvPr/>
+        </p:nvPicPr>
+        <p:blipFill>
+          <a:blip r:embed="rId14">
+            <a:extLst>
+              <a:ext uri="{28A0092B-C50C-407E-A947-70E740481C1C}">
+                <a14:useLocalDpi xmlns:a14="http://schemas.microsoft.com/office/drawing/2010/main" val="0"/>
+              </a:ext>
+            </a:extLst>
+          </a:blip>
+          <a:srcRect/>
+          <a:stretch>
+            <a:fillRect/>
+          </a:stretch>
+        </p:blipFill>
+        <p:spPr bwMode="auto">
+          <a:xfrm>
+            <a:off x="5280954" y="8655456"/>
+            <a:ext cx="396751" cy="396751"/>
+          </a:xfrm>
+          <a:prstGeom prst="rect">
+            <a:avLst/>
+          </a:prstGeom>
+          <a:noFill/>
+          <a:extLst>
+            <a:ext uri="{909E8E84-426E-40DD-AFC4-6F175D3DCCD1}">
+              <a14:hiddenFill xmlns:a14="http://schemas.microsoft.com/office/drawing/2010/main">
+                <a:solidFill>
+                  <a:srgbClr val="FFFFFF"/>
+                </a:solidFill>
+              </a14:hiddenFill>
+            </a:ext>
+          </a:extLst>
+        </p:spPr>
+      </p:pic>
+      <p:sp>
+        <p:nvSpPr>
+          <p:cNvPr id="55" name="TextBox 54">
+            <a:extLst>
+              <a:ext uri="{FF2B5EF4-FFF2-40B4-BE49-F238E27FC236}">
+                <a16:creationId xmlns:a16="http://schemas.microsoft.com/office/drawing/2014/main" id="{86454AE3-F3EA-647E-7691-F4A099F3977E}"/>
+              </a:ext>
+            </a:extLst>
+          </p:cNvPr>
+          <p:cNvSpPr txBox="1"/>
+          <p:nvPr/>
+        </p:nvSpPr>
+        <p:spPr>
+          <a:xfrm>
+            <a:off x="-117" y="7925439"/>
+            <a:ext cx="2566666" cy="307777"/>
+          </a:xfrm>
+          <a:prstGeom prst="rect">
+            <a:avLst/>
+          </a:prstGeom>
+          <a:noFill/>
+        </p:spPr>
+        <p:txBody>
+          <a:bodyPr wrap="square" rtlCol="0">
+            <a:spAutoFit/>
+          </a:bodyPr>
+          <a:lstStyle/>
+          <a:p>
+            <a:pPr algn="r"/>
+            <a:r>
+              <a:rPr lang="en-US" sz="1400" b="1" u="sng" dirty="0">
+                <a:solidFill>
+                  <a:srgbClr val="0070C0"/>
+                </a:solidFill>
+                <a:latin typeface="Oxygen" panose="02000503000000000000" pitchFamily="2" charset="0"/>
+              </a:rPr>
+              <a:t>https://www.anodiam.com</a:t>
+            </a:r>
+          </a:p>
+        </p:txBody>
+      </p:sp>
+      <p:pic>
+        <p:nvPicPr>
+          <p:cNvPr id="56" name="Picture 18">
+            <a:extLst>
+              <a:ext uri="{FF2B5EF4-FFF2-40B4-BE49-F238E27FC236}">
+                <a16:creationId xmlns:a16="http://schemas.microsoft.com/office/drawing/2014/main" id="{D0E7CDB8-793D-8E2C-6369-7D35A165B777}"/>
+              </a:ext>
+            </a:extLst>
+          </p:cNvPr>
+          <p:cNvPicPr>
+            <a:picLocks noChangeAspect="1" noChangeArrowheads="1"/>
+          </p:cNvPicPr>
+          <p:nvPr/>
+        </p:nvPicPr>
+        <p:blipFill>
+          <a:blip r:embed="rId15" cstate="hqprint">
+            <a:extLst>
+              <a:ext uri="{28A0092B-C50C-407E-A947-70E740481C1C}">
+                <a14:useLocalDpi xmlns:a14="http://schemas.microsoft.com/office/drawing/2010/main" val="0"/>
+              </a:ext>
+            </a:extLst>
+          </a:blip>
+          <a:srcRect/>
+          <a:stretch>
+            <a:fillRect/>
+          </a:stretch>
+        </p:blipFill>
+        <p:spPr bwMode="auto">
+          <a:xfrm>
+            <a:off x="180964" y="8233659"/>
+            <a:ext cx="250134" cy="250134"/>
+          </a:xfrm>
+          <a:prstGeom prst="rect">
+            <a:avLst/>
+          </a:prstGeom>
+          <a:noFill/>
+          <a:extLst>
+            <a:ext uri="{909E8E84-426E-40DD-AFC4-6F175D3DCCD1}">
+              <a14:hiddenFill xmlns:a14="http://schemas.microsoft.com/office/drawing/2010/main">
+                <a:solidFill>
+                  <a:srgbClr val="FFFFFF"/>
+                </a:solidFill>
+              </a14:hiddenFill>
+            </a:ext>
+          </a:extLst>
+        </p:spPr>
+      </p:pic>
+      <p:sp>
+        <p:nvSpPr>
+          <p:cNvPr id="57" name="TextBox 56">
+            <a:extLst>
+              <a:ext uri="{FF2B5EF4-FFF2-40B4-BE49-F238E27FC236}">
+                <a16:creationId xmlns:a16="http://schemas.microsoft.com/office/drawing/2014/main" id="{B022CFE3-2EFE-7D26-730F-B712DDA0804C}"/>
+              </a:ext>
+            </a:extLst>
+          </p:cNvPr>
+          <p:cNvSpPr txBox="1"/>
+          <p:nvPr/>
+        </p:nvSpPr>
+        <p:spPr>
+          <a:xfrm>
+            <a:off x="373517" y="8265696"/>
+            <a:ext cx="2526942" cy="276999"/>
+          </a:xfrm>
+          <a:prstGeom prst="rect">
+            <a:avLst/>
+          </a:prstGeom>
+          <a:noFill/>
+        </p:spPr>
+        <p:txBody>
+          <a:bodyPr wrap="square">
+            <a:spAutoFit/>
+          </a:bodyPr>
+          <a:lstStyle/>
+          <a:p>
+            <a:pPr rtl="0" fontAlgn="t"/>
+            <a:r>
+              <a:rPr lang="en-US" sz="1200" b="1" dirty="0">
+                <a:solidFill>
+                  <a:srgbClr val="FF8C53"/>
+                </a:solidFill>
+                <a:effectLst>
+                  <a:outerShdw blurRad="38100" dist="38100" dir="2700000" algn="tl">
+                    <a:srgbClr val="000000">
+                      <a:alpha val="43137"/>
+                    </a:srgbClr>
+                  </a:outerShdw>
+                </a:effectLst>
+                <a:latin typeface="Oxygen" panose="02000503000000000000" pitchFamily="2" charset="0"/>
+              </a:rPr>
+              <a:t>N-1/25 Patuli Kolkata 700094</a:t>
+            </a:r>
+          </a:p>
+        </p:txBody>
+      </p:sp>
+      <p:sp>
+        <p:nvSpPr>
+          <p:cNvPr id="58" name="TextBox 57">
+            <a:extLst>
+              <a:ext uri="{FF2B5EF4-FFF2-40B4-BE49-F238E27FC236}">
+                <a16:creationId xmlns:a16="http://schemas.microsoft.com/office/drawing/2014/main" id="{0960518D-238A-76F3-AF24-538B464A60B9}"/>
+              </a:ext>
+            </a:extLst>
+          </p:cNvPr>
+          <p:cNvSpPr txBox="1"/>
+          <p:nvPr/>
+        </p:nvSpPr>
+        <p:spPr>
+          <a:xfrm>
+            <a:off x="369989" y="8501340"/>
+            <a:ext cx="2667000" cy="276999"/>
+          </a:xfrm>
+          <a:prstGeom prst="rect">
+            <a:avLst/>
+          </a:prstGeom>
+          <a:noFill/>
+        </p:spPr>
+        <p:txBody>
+          <a:bodyPr wrap="square">
+            <a:spAutoFit/>
+          </a:bodyPr>
+          <a:lstStyle/>
+          <a:p>
+            <a:pPr rtl="0" fontAlgn="t"/>
+            <a:r>
+              <a:rPr lang="en-US" sz="1200" b="1" i="0" u="sng" strike="noStrike" dirty="0">
+                <a:solidFill>
+                  <a:srgbClr val="000000"/>
+                </a:solidFill>
+                <a:effectLst/>
+                <a:latin typeface="Oxygen" panose="02000503000000000000" pitchFamily="2" charset="0"/>
+                <a:hlinkClick r:id="rId16"/>
+              </a:rPr>
+              <a:t>anirban@anodiam.com</a:t>
+            </a:r>
+            <a:endParaRPr lang="en-US" sz="1200" b="0" i="0" dirty="0">
+              <a:solidFill>
+                <a:srgbClr val="212121"/>
+              </a:solidFill>
+              <a:effectLst/>
+              <a:latin typeface="Lato" panose="020F0502020204030204" pitchFamily="34" charset="0"/>
+            </a:endParaRPr>
+          </a:p>
+        </p:txBody>
+      </p:sp>
+      <p:pic>
+        <p:nvPicPr>
+          <p:cNvPr id="59" name="Picture 22" descr="Mail Icon PNG Image | Mail icon, Email icon, Icon set design">
+            <a:extLst>
+              <a:ext uri="{FF2B5EF4-FFF2-40B4-BE49-F238E27FC236}">
+                <a16:creationId xmlns:a16="http://schemas.microsoft.com/office/drawing/2014/main" id="{F567ED39-0FD3-4DD0-977B-ED5C9666207E}"/>
+              </a:ext>
+            </a:extLst>
+          </p:cNvPr>
+          <p:cNvPicPr>
+            <a:picLocks noChangeAspect="1" noChangeArrowheads="1"/>
+          </p:cNvPicPr>
+          <p:nvPr/>
+        </p:nvPicPr>
+        <p:blipFill>
+          <a:blip r:embed="rId17" cstate="hqprint">
+            <a:extLst>
+              <a:ext uri="{28A0092B-C50C-407E-A947-70E740481C1C}">
+                <a14:useLocalDpi xmlns:a14="http://schemas.microsoft.com/office/drawing/2010/main" val="0"/>
+              </a:ext>
+            </a:extLst>
+          </a:blip>
+          <a:srcRect/>
+          <a:stretch>
+            <a:fillRect/>
+          </a:stretch>
+        </p:blipFill>
+        <p:spPr bwMode="auto">
+          <a:xfrm>
+            <a:off x="169366" y="8516277"/>
+            <a:ext cx="262573" cy="247127"/>
+          </a:xfrm>
+          <a:prstGeom prst="rect">
+            <a:avLst/>
+          </a:prstGeom>
+          <a:noFill/>
+          <a:extLst>
+            <a:ext uri="{909E8E84-426E-40DD-AFC4-6F175D3DCCD1}">
+              <a14:hiddenFill xmlns:a14="http://schemas.microsoft.com/office/drawing/2010/main">
+                <a:solidFill>
+                  <a:srgbClr val="FFFFFF"/>
+                </a:solidFill>
+              </a14:hiddenFill>
+            </a:ext>
+          </a:extLst>
+        </p:spPr>
+      </p:pic>
+      <p:pic>
+        <p:nvPicPr>
+          <p:cNvPr id="60" name="Picture 59">
+            <a:extLst>
+              <a:ext uri="{FF2B5EF4-FFF2-40B4-BE49-F238E27FC236}">
+                <a16:creationId xmlns:a16="http://schemas.microsoft.com/office/drawing/2014/main" id="{34E9D7A9-447C-35E7-A464-E466D806505F}"/>
+              </a:ext>
+            </a:extLst>
+          </p:cNvPr>
+          <p:cNvPicPr>
+            <a:picLocks noChangeAspect="1"/>
+          </p:cNvPicPr>
+          <p:nvPr/>
+        </p:nvPicPr>
+        <p:blipFill>
+          <a:blip r:embed="rId18"/>
+          <a:stretch>
+            <a:fillRect/>
+          </a:stretch>
+        </p:blipFill>
+        <p:spPr>
+          <a:xfrm>
+            <a:off x="138906" y="8735626"/>
+            <a:ext cx="313427" cy="294990"/>
+          </a:xfrm>
+          <a:prstGeom prst="rect">
+            <a:avLst/>
+          </a:prstGeom>
+        </p:spPr>
+      </p:pic>
+      <p:sp>
+        <p:nvSpPr>
+          <p:cNvPr id="61" name="TextBox 60">
+            <a:extLst>
+              <a:ext uri="{FF2B5EF4-FFF2-40B4-BE49-F238E27FC236}">
+                <a16:creationId xmlns:a16="http://schemas.microsoft.com/office/drawing/2014/main" id="{7032E583-8E63-F67E-D5BA-476D86FF8088}"/>
+              </a:ext>
+            </a:extLst>
+          </p:cNvPr>
+          <p:cNvSpPr txBox="1"/>
+          <p:nvPr/>
+        </p:nvSpPr>
+        <p:spPr>
+          <a:xfrm>
+            <a:off x="373921" y="8771709"/>
+            <a:ext cx="1563862" cy="276999"/>
+          </a:xfrm>
+          <a:prstGeom prst="rect">
+            <a:avLst/>
+          </a:prstGeom>
+          <a:noFill/>
+        </p:spPr>
+        <p:txBody>
+          <a:bodyPr wrap="square">
+            <a:spAutoFit/>
+          </a:bodyPr>
+          <a:lstStyle/>
+          <a:p>
+            <a:r>
+              <a:rPr lang="en-US" sz="1200" b="1" dirty="0">
+                <a:solidFill>
+                  <a:srgbClr val="FF8C53"/>
+                </a:solidFill>
+                <a:effectLst>
+                  <a:outerShdw blurRad="38100" dist="38100" dir="2700000" algn="tl">
+                    <a:srgbClr val="000000">
+                      <a:alpha val="43137"/>
+                    </a:srgbClr>
+                  </a:outerShdw>
+                </a:effectLst>
+                <a:latin typeface="Oxygen" panose="02000503000000000000" pitchFamily="2" charset="0"/>
+              </a:rPr>
+              <a:t>9073 700094</a:t>
+            </a:r>
+          </a:p>
+        </p:txBody>
+      </p:sp>
+      <p:sp>
+        <p:nvSpPr>
+          <p:cNvPr id="62" name="TextBox 61">
+            <a:extLst>
+              <a:ext uri="{FF2B5EF4-FFF2-40B4-BE49-F238E27FC236}">
+                <a16:creationId xmlns:a16="http://schemas.microsoft.com/office/drawing/2014/main" id="{C32427AD-B0C8-CFB2-C695-AC02473C8830}"/>
+              </a:ext>
+            </a:extLst>
+          </p:cNvPr>
+          <p:cNvSpPr txBox="1"/>
+          <p:nvPr/>
+        </p:nvSpPr>
+        <p:spPr>
+          <a:xfrm>
+            <a:off x="4213746" y="8464897"/>
+            <a:ext cx="1211351" cy="276999"/>
+          </a:xfrm>
+          <a:prstGeom prst="rect">
+            <a:avLst/>
+          </a:prstGeom>
+          <a:noFill/>
+        </p:spPr>
+        <p:txBody>
+          <a:bodyPr wrap="square">
+            <a:spAutoFit/>
+          </a:bodyPr>
+          <a:lstStyle/>
+          <a:p>
+            <a:pPr rtl="0" fontAlgn="t"/>
+            <a:r>
+              <a:rPr lang="en-US" sz="1200" b="1" dirty="0">
+                <a:solidFill>
+                  <a:srgbClr val="FF8C53"/>
+                </a:solidFill>
+                <a:effectLst>
+                  <a:outerShdw blurRad="38100" dist="38100" dir="2700000" algn="tl">
+                    <a:srgbClr val="000000">
+                      <a:alpha val="43137"/>
+                    </a:srgbClr>
+                  </a:outerShdw>
+                </a:effectLst>
+                <a:latin typeface="Oxygen" panose="02000503000000000000" pitchFamily="2" charset="0"/>
+              </a:rPr>
+              <a:t>Follow us on:</a:t>
+            </a:r>
+          </a:p>
+        </p:txBody>
+      </p:sp>
+      <p:pic>
+        <p:nvPicPr>
+          <p:cNvPr id="63" name="Picture 62"/>
+          <p:cNvPicPr>
+            <a:picLocks noChangeAspect="1"/>
+          </p:cNvPicPr>
+          <p:nvPr/>
+        </p:nvPicPr>
+        <p:blipFill>
+          <a:blip r:embed="rId19"/>
+          <a:stretch>
+            <a:fillRect/>
+          </a:stretch>
+        </p:blipFill>
+        <p:spPr>
+          <a:xfrm>
+            <a:off x="4286874" y="7978206"/>
+            <a:ext cx="1468120" cy="519550"/>
+          </a:xfrm>
+          <a:prstGeom prst="rect">
+            <a:avLst/>
+          </a:prstGeom>
+        </p:spPr>
+      </p:pic>
+    </p:spTree>
+    <p:extLst>
+      <p:ext uri="{BB962C8B-B14F-4D97-AF65-F5344CB8AC3E}">
+        <p14:creationId xmlns:p14="http://schemas.microsoft.com/office/powerpoint/2010/main" val="724295109"/>
+      </p:ext>
+    </p:extLst>
+  </p:cSld>
+  <p:clrMapOvr>
+    <a:masterClrMapping/>
+  </p:clrMapOvr>
+  <p:timing>
+    <p:tnLst>
+      <p:par>
+        <p:cTn id="1" dur="indefinite" restart="never" nodeType="tmRoot"/>
+      </p:par>
+    </p:tnLst>
+  </p:timing>
 </p:sld>
 </file>
 

--- a/Offline/BusinessManagement/Marketing/AI marketing/AIBrochure.pptx
+++ b/Offline/BusinessManagement/Marketing/AI marketing/AIBrochure.pptx
@@ -3407,7 +3407,7 @@
           <a:p>
             <a:pPr algn="ctr"/>
             <a:r>
-              <a:rPr lang="en-US" sz="2000" b="1" dirty="0" smtClean="0">
+              <a:rPr lang="en-US" sz="2000" b="1" dirty="0">
                 <a:solidFill>
                   <a:schemeClr val="bg1"/>
                 </a:solidFill>
@@ -3416,7 +3416,7 @@
               <a:t>Free </a:t>
             </a:r>
             <a:r>
-              <a:rPr lang="en-US" sz="1000" b="1" dirty="0" smtClean="0">
+              <a:rPr lang="en-US" sz="1000" b="1" dirty="0">
                 <a:solidFill>
                   <a:schemeClr val="bg1"/>
                 </a:solidFill>
@@ -3493,38 +3493,17 @@
               </a:rPr>
               <a:t>School &amp; College Students</a:t>
             </a:r>
-            <a:endParaRPr lang="en-US" sz="1300" b="1" dirty="0" smtClean="0">
-              <a:solidFill>
-                <a:schemeClr val="bg1"/>
-              </a:solidFill>
-              <a:latin typeface="Oxygen" panose="02000503000000000000" pitchFamily="2" charset="0"/>
-            </a:endParaRPr>
-          </a:p>
-          <a:p>
-            <a:r>
-              <a:rPr lang="en-US" sz="1300" b="1" dirty="0" smtClean="0">
+          </a:p>
+          <a:p>
+            <a:r>
+              <a:rPr lang="en-US" sz="1300" b="1" dirty="0">
                 <a:solidFill>
                   <a:schemeClr val="bg1"/>
                 </a:solidFill>
                 <a:latin typeface="Oxygen" panose="02000503000000000000" pitchFamily="2" charset="0"/>
               </a:rPr>
-              <a:t>	(all classes &amp; streams)</a:t>
-            </a:r>
-            <a:r>
-              <a:rPr lang="en-US" sz="1300" b="1" dirty="0" smtClean="0">
-                <a:solidFill>
-                  <a:schemeClr val="bg1"/>
-                </a:solidFill>
-                <a:latin typeface="Oxygen" panose="02000503000000000000" pitchFamily="2" charset="0"/>
-              </a:rPr>
-              <a:t> </a:t>
-            </a:r>
-            <a:endParaRPr lang="en-US" sz="1300" b="1" dirty="0">
-              <a:solidFill>
-                <a:schemeClr val="bg1"/>
-              </a:solidFill>
-              <a:latin typeface="Oxygen" panose="02000503000000000000" pitchFamily="2" charset="0"/>
-            </a:endParaRPr>
+              <a:t>	(all classes &amp; streams) </a:t>
+            </a:r>
           </a:p>
           <a:p>
             <a:pPr marL="171450" indent="-171450">
@@ -3532,7 +3511,7 @@
               <a:buChar char="•"/>
             </a:pPr>
             <a:r>
-              <a:rPr lang="en-US" sz="1300" b="1" dirty="0" smtClean="0">
+              <a:rPr lang="en-US" sz="1300" b="1" dirty="0">
                 <a:solidFill>
                   <a:schemeClr val="bg1"/>
                 </a:solidFill>
@@ -5003,7 +4982,7 @@
               <a:buChar char="•"/>
             </a:pPr>
             <a:r>
-              <a:rPr lang="en-US" sz="1000" b="1" dirty="0" smtClean="0">
+              <a:rPr lang="en-US" sz="1000" b="1" dirty="0">
                 <a:solidFill>
                   <a:srgbClr val="FF0000"/>
                 </a:solidFill>
@@ -5012,7 +4991,7 @@
               <a:t>3</a:t>
             </a:r>
             <a:r>
-              <a:rPr lang="en-US" sz="1000" b="1" baseline="30000" dirty="0" smtClean="0">
+              <a:rPr lang="en-US" sz="1000" b="1" baseline="30000" dirty="0">
                 <a:solidFill>
                   <a:srgbClr val="FF0000"/>
                 </a:solidFill>
@@ -5021,7 +5000,7 @@
               <a:t>rd</a:t>
             </a:r>
             <a:r>
-              <a:rPr lang="en-US" sz="1000" b="1" dirty="0" smtClean="0">
+              <a:rPr lang="en-US" sz="1000" b="1" dirty="0">
                 <a:solidFill>
                   <a:srgbClr val="FF0000"/>
                 </a:solidFill>
@@ -5030,7 +5009,7 @@
               <a:t> &amp; 4</a:t>
             </a:r>
             <a:r>
-              <a:rPr lang="en-US" sz="1000" b="1" baseline="30000" dirty="0" smtClean="0">
+              <a:rPr lang="en-US" sz="1000" b="1" baseline="30000" dirty="0">
                 <a:solidFill>
                   <a:srgbClr val="FF0000"/>
                 </a:solidFill>
@@ -5039,7 +5018,7 @@
               <a:t>th</a:t>
             </a:r>
             <a:r>
-              <a:rPr lang="en-US" sz="1000" b="1" dirty="0" smtClean="0">
+              <a:rPr lang="en-US" sz="1000" b="1" dirty="0">
                 <a:solidFill>
                   <a:srgbClr val="FF0000"/>
                 </a:solidFill>
@@ -5054,7 +5033,7 @@
               <a:buChar char="•"/>
             </a:pPr>
             <a:r>
-              <a:rPr lang="en-US" sz="1000" b="1" dirty="0" smtClean="0">
+              <a:rPr lang="en-US" sz="1000" b="1" dirty="0">
                 <a:solidFill>
                   <a:srgbClr val="FF0000"/>
                 </a:solidFill>
@@ -5062,12 +5041,6 @@
               </a:rPr>
               <a:t>Professionals</a:t>
             </a:r>
-            <a:endParaRPr lang="en-US" sz="1000" b="1" dirty="0" smtClean="0">
-              <a:solidFill>
-                <a:srgbClr val="FF0000"/>
-              </a:solidFill>
-              <a:latin typeface="Oxygen" panose="02000503000000000000" pitchFamily="2" charset="0"/>
-            </a:endParaRPr>
           </a:p>
         </p:txBody>
       </p:sp>
@@ -5289,47 +5262,6 @@
           </a:extLst>
         </p:spPr>
       </p:pic>
-      <p:sp>
-        <p:nvSpPr>
-          <p:cNvPr id="55" name="TextBox 54">
-            <a:extLst>
-              <a:ext uri="{FF2B5EF4-FFF2-40B4-BE49-F238E27FC236}">
-                <a16:creationId xmlns:a16="http://schemas.microsoft.com/office/drawing/2014/main" id="{86454AE3-F3EA-647E-7691-F4A099F3977E}"/>
-              </a:ext>
-            </a:extLst>
-          </p:cNvPr>
-          <p:cNvSpPr txBox="1"/>
-          <p:nvPr/>
-        </p:nvSpPr>
-        <p:spPr>
-          <a:xfrm>
-            <a:off x="-117" y="7925439"/>
-            <a:ext cx="2566666" cy="307777"/>
-          </a:xfrm>
-          <a:prstGeom prst="rect">
-            <a:avLst/>
-          </a:prstGeom>
-          <a:noFill/>
-        </p:spPr>
-        <p:txBody>
-          <a:bodyPr wrap="square" rtlCol="0">
-            <a:spAutoFit/>
-          </a:bodyPr>
-          <a:lstStyle/>
-          <a:p>
-            <a:pPr algn="r"/>
-            <a:r>
-              <a:rPr lang="en-US" sz="1400" b="1" u="sng" dirty="0">
-                <a:solidFill>
-                  <a:srgbClr val="0070C0"/>
-                </a:solidFill>
-                <a:latin typeface="Oxygen" panose="02000503000000000000" pitchFamily="2" charset="0"/>
-              </a:rPr>
-              <a:t>https://www.anodiam.com</a:t>
-            </a:r>
-          </a:p>
-        </p:txBody>
-      </p:sp>
       <p:pic>
         <p:nvPicPr>
           <p:cNvPr id="56" name="Picture 18">
@@ -5671,6 +5603,47 @@
           </a:prstGeom>
         </p:spPr>
       </p:pic>
+      <p:sp>
+        <p:nvSpPr>
+          <p:cNvPr id="13" name="TextBox 12">
+            <a:extLst>
+              <a:ext uri="{FF2B5EF4-FFF2-40B4-BE49-F238E27FC236}">
+                <a16:creationId xmlns:a16="http://schemas.microsoft.com/office/drawing/2014/main" id="{72AC9BBD-9172-4828-584D-BBAE3267F5BE}"/>
+              </a:ext>
+            </a:extLst>
+          </p:cNvPr>
+          <p:cNvSpPr txBox="1"/>
+          <p:nvPr/>
+        </p:nvSpPr>
+        <p:spPr>
+          <a:xfrm>
+            <a:off x="128591" y="7925439"/>
+            <a:ext cx="1764626" cy="307777"/>
+          </a:xfrm>
+          <a:prstGeom prst="rect">
+            <a:avLst/>
+          </a:prstGeom>
+          <a:noFill/>
+        </p:spPr>
+        <p:txBody>
+          <a:bodyPr wrap="square" rtlCol="0">
+            <a:spAutoFit/>
+          </a:bodyPr>
+          <a:lstStyle/>
+          <a:p>
+            <a:pPr algn="ctr"/>
+            <a:r>
+              <a:rPr lang="en-US" sz="1400" b="1" u="sng" dirty="0">
+                <a:solidFill>
+                  <a:srgbClr val="0070C0"/>
+                </a:solidFill>
+                <a:latin typeface="Oxygen" panose="02000503000000000000" pitchFamily="2" charset="0"/>
+              </a:rPr>
+              <a:t>anodiam.com</a:t>
+            </a:r>
+          </a:p>
+        </p:txBody>
+      </p:sp>
     </p:spTree>
     <p:extLst>
       <p:ext uri="{BB962C8B-B14F-4D97-AF65-F5344CB8AC3E}">
@@ -5681,13 +5654,6 @@
   <p:clrMapOvr>
     <a:masterClrMapping/>
   </p:clrMapOvr>
-  <p:timing>
-    <p:tnLst>
-      <p:par>
-        <p:cTn id="1" dur="indefinite" restart="never" nodeType="tmRoot"/>
-      </p:par>
-    </p:tnLst>
-  </p:timing>
 </p:sld>
 </file>
 
@@ -5708,58 +5674,6 @@
           <a:chExt cx="0" cy="0"/>
         </a:xfrm>
       </p:grpSpPr>
-      <p:sp>
-        <p:nvSpPr>
-          <p:cNvPr id="1050" name="Rectangle 1049">
-            <a:extLst>
-              <a:ext uri="{FF2B5EF4-FFF2-40B4-BE49-F238E27FC236}">
-                <a16:creationId xmlns:a16="http://schemas.microsoft.com/office/drawing/2014/main" id="{79FA8214-520D-A39F-8945-E09D7947149F}"/>
-              </a:ext>
-            </a:extLst>
-          </p:cNvPr>
-          <p:cNvSpPr/>
-          <p:nvPr/>
-        </p:nvSpPr>
-        <p:spPr>
-          <a:xfrm>
-            <a:off x="2268" y="161"/>
-            <a:ext cx="6420667" cy="9143839"/>
-          </a:xfrm>
-          <a:prstGeom prst="rect">
-            <a:avLst/>
-          </a:prstGeom>
-          <a:solidFill>
-            <a:srgbClr val="FFFFFF"/>
-          </a:solidFill>
-          <a:ln>
-            <a:noFill/>
-          </a:ln>
-        </p:spPr>
-        <p:style>
-          <a:lnRef idx="2">
-            <a:schemeClr val="accent1">
-              <a:shade val="15000"/>
-            </a:schemeClr>
-          </a:lnRef>
-          <a:fillRef idx="1">
-            <a:schemeClr val="accent1"/>
-          </a:fillRef>
-          <a:effectRef idx="0">
-            <a:schemeClr val="accent1"/>
-          </a:effectRef>
-          <a:fontRef idx="minor">
-            <a:schemeClr val="lt1"/>
-          </a:fontRef>
-        </p:style>
-        <p:txBody>
-          <a:bodyPr rtlCol="0" anchor="ctr"/>
-          <a:lstStyle/>
-          <a:p>
-            <a:pPr algn="ctr"/>
-            <a:endParaRPr lang="en-US"/>
-          </a:p>
-        </p:txBody>
-      </p:sp>
       <p:pic>
         <p:nvPicPr>
           <p:cNvPr id="3" name="Picture 2">
@@ -6143,25 +6057,16 @@
           <a:p>
             <a:pPr algn="ctr"/>
             <a:r>
-              <a:rPr lang="en-US" sz="2000" b="1" dirty="0" smtClean="0">
+              <a:rPr lang="en-US" sz="2000" b="1" dirty="0">
                 <a:solidFill>
                   <a:schemeClr val="bg1"/>
                 </a:solidFill>
                 <a:latin typeface="Oxygen" panose="02000503000000000000" pitchFamily="2" charset="0"/>
               </a:rPr>
-              <a:t>50%</a:t>
-            </a:r>
-            <a:r>
-              <a:rPr lang="en-US" sz="2000" b="1" dirty="0" smtClean="0">
-                <a:solidFill>
-                  <a:schemeClr val="bg1"/>
-                </a:solidFill>
-                <a:latin typeface="Oxygen" panose="02000503000000000000" pitchFamily="2" charset="0"/>
-              </a:rPr>
-              <a:t> </a:t>
-            </a:r>
-            <a:r>
-              <a:rPr lang="en-US" sz="1000" b="1" dirty="0" smtClean="0">
+              <a:t>50% </a:t>
+            </a:r>
+            <a:r>
+              <a:rPr lang="en-US" sz="1000" b="1" dirty="0">
                 <a:solidFill>
                   <a:schemeClr val="bg1"/>
                 </a:solidFill>
@@ -6204,7 +6109,7 @@
           <a:lstStyle/>
           <a:p>
             <a:r>
-              <a:rPr lang="en-US" sz="2000" b="1" cap="small" dirty="0" smtClean="0">
+              <a:rPr lang="en-US" sz="2000" b="1" cap="small" dirty="0">
                 <a:solidFill>
                   <a:schemeClr val="bg1"/>
                 </a:solidFill>
@@ -6212,16 +6117,10 @@
               </a:rPr>
               <a:t>IT Courses</a:t>
             </a:r>
-            <a:endParaRPr lang="en-US" sz="2000" b="1" cap="small" dirty="0" smtClean="0">
-              <a:solidFill>
-                <a:schemeClr val="bg1"/>
-              </a:solidFill>
-              <a:latin typeface="Oxygen" panose="02000503000000000000" pitchFamily="2" charset="0"/>
-            </a:endParaRPr>
-          </a:p>
-          <a:p>
-            <a:r>
-              <a:rPr lang="en-US" sz="1300" b="1" dirty="0" smtClean="0">
+          </a:p>
+          <a:p>
+            <a:r>
+              <a:rPr lang="en-US" sz="1300" b="1" dirty="0">
                 <a:solidFill>
                   <a:schemeClr val="bg1"/>
                 </a:solidFill>
@@ -6236,7 +6135,7 @@
               <a:buChar char="•"/>
             </a:pPr>
             <a:r>
-              <a:rPr lang="en-US" sz="1300" b="1" dirty="0" smtClean="0">
+              <a:rPr lang="en-US" sz="1300" b="1" dirty="0">
                 <a:solidFill>
                   <a:schemeClr val="bg1"/>
                 </a:solidFill>
@@ -6244,12 +6143,6 @@
               </a:rPr>
               <a:t>School &amp; College Students</a:t>
             </a:r>
-            <a:endParaRPr lang="en-US" sz="1300" b="1" dirty="0">
-              <a:solidFill>
-                <a:schemeClr val="bg1"/>
-              </a:solidFill>
-              <a:latin typeface="Oxygen" panose="02000503000000000000" pitchFamily="2" charset="0"/>
-            </a:endParaRPr>
           </a:p>
           <a:p>
             <a:pPr marL="171450" indent="-171450">
@@ -6257,7 +6150,7 @@
               <a:buChar char="•"/>
             </a:pPr>
             <a:r>
-              <a:rPr lang="en-US" sz="1300" b="1" dirty="0" smtClean="0">
+              <a:rPr lang="en-US" sz="1300" b="1" dirty="0">
                 <a:solidFill>
                   <a:schemeClr val="bg1"/>
                 </a:solidFill>
@@ -6448,12 +6341,702 @@
           </a:p>
         </p:txBody>
       </p:sp>
-      <p:sp>
-        <p:nvSpPr>
-          <p:cNvPr id="2" name="Rectangle: Rounded Corners 1">
-            <a:extLst>
-              <a:ext uri="{FF2B5EF4-FFF2-40B4-BE49-F238E27FC236}">
-                <a16:creationId xmlns:a16="http://schemas.microsoft.com/office/drawing/2014/main" id="{BBF4A80A-561F-99D6-9166-E89E3A0574D7}"/>
+      <p:pic>
+        <p:nvPicPr>
+          <p:cNvPr id="50" name="Picture 8" descr="YouTube">
+            <a:extLst>
+              <a:ext uri="{FF2B5EF4-FFF2-40B4-BE49-F238E27FC236}">
+                <a16:creationId xmlns:a16="http://schemas.microsoft.com/office/drawing/2014/main" id="{09B174C1-FD9F-471A-1364-8517DAF38C55}"/>
+              </a:ext>
+            </a:extLst>
+          </p:cNvPr>
+          <p:cNvPicPr>
+            <a:picLocks noChangeAspect="1" noChangeArrowheads="1"/>
+          </p:cNvPicPr>
+          <p:nvPr/>
+        </p:nvPicPr>
+        <p:blipFill>
+          <a:blip r:embed="rId8">
+            <a:extLst>
+              <a:ext uri="{28A0092B-C50C-407E-A947-70E740481C1C}">
+                <a14:useLocalDpi xmlns:a14="http://schemas.microsoft.com/office/drawing/2010/main" val="0"/>
+              </a:ext>
+            </a:extLst>
+          </a:blip>
+          <a:srcRect/>
+          <a:stretch>
+            <a:fillRect/>
+          </a:stretch>
+        </p:blipFill>
+        <p:spPr bwMode="auto">
+          <a:xfrm>
+            <a:off x="4944377" y="8651326"/>
+            <a:ext cx="400751" cy="400751"/>
+          </a:xfrm>
+          <a:prstGeom prst="rect">
+            <a:avLst/>
+          </a:prstGeom>
+          <a:noFill/>
+          <a:extLst>
+            <a:ext uri="{909E8E84-426E-40DD-AFC4-6F175D3DCCD1}">
+              <a14:hiddenFill xmlns:a14="http://schemas.microsoft.com/office/drawing/2010/main">
+                <a:solidFill>
+                  <a:srgbClr val="FFFFFF"/>
+                </a:solidFill>
+              </a14:hiddenFill>
+            </a:ext>
+          </a:extLst>
+        </p:spPr>
+      </p:pic>
+      <p:pic>
+        <p:nvPicPr>
+          <p:cNvPr id="51" name="Picture 50">
+            <a:extLst>
+              <a:ext uri="{FF2B5EF4-FFF2-40B4-BE49-F238E27FC236}">
+                <a16:creationId xmlns:a16="http://schemas.microsoft.com/office/drawing/2014/main" id="{1B10D8FB-DD14-ED8F-3663-7285F6D36A95}"/>
+              </a:ext>
+            </a:extLst>
+          </p:cNvPr>
+          <p:cNvPicPr>
+            <a:picLocks noChangeAspect="1"/>
+          </p:cNvPicPr>
+          <p:nvPr/>
+        </p:nvPicPr>
+        <p:blipFill>
+          <a:blip r:embed="rId9"/>
+          <a:stretch>
+            <a:fillRect/>
+          </a:stretch>
+        </p:blipFill>
+        <p:spPr>
+          <a:xfrm>
+            <a:off x="5707228" y="8721116"/>
+            <a:ext cx="284384" cy="284384"/>
+          </a:xfrm>
+          <a:prstGeom prst="rect">
+            <a:avLst/>
+          </a:prstGeom>
+        </p:spPr>
+      </p:pic>
+      <p:pic>
+        <p:nvPicPr>
+          <p:cNvPr id="52" name="Picture 12" descr="LinkedIn">
+            <a:extLst>
+              <a:ext uri="{FF2B5EF4-FFF2-40B4-BE49-F238E27FC236}">
+                <a16:creationId xmlns:a16="http://schemas.microsoft.com/office/drawing/2014/main" id="{B8728633-2A06-8D51-9CB4-DD25478D0E4D}"/>
+              </a:ext>
+            </a:extLst>
+          </p:cNvPr>
+          <p:cNvPicPr>
+            <a:picLocks noChangeAspect="1" noChangeArrowheads="1"/>
+          </p:cNvPicPr>
+          <p:nvPr/>
+        </p:nvPicPr>
+        <p:blipFill>
+          <a:blip r:embed="rId10">
+            <a:extLst>
+              <a:ext uri="{28A0092B-C50C-407E-A947-70E740481C1C}">
+                <a14:useLocalDpi xmlns:a14="http://schemas.microsoft.com/office/drawing/2010/main" val="0"/>
+              </a:ext>
+            </a:extLst>
+          </a:blip>
+          <a:srcRect/>
+          <a:stretch>
+            <a:fillRect/>
+          </a:stretch>
+        </p:blipFill>
+        <p:spPr bwMode="auto">
+          <a:xfrm>
+            <a:off x="4565844" y="8662933"/>
+            <a:ext cx="400751" cy="400751"/>
+          </a:xfrm>
+          <a:prstGeom prst="rect">
+            <a:avLst/>
+          </a:prstGeom>
+          <a:noFill/>
+          <a:extLst>
+            <a:ext uri="{909E8E84-426E-40DD-AFC4-6F175D3DCCD1}">
+              <a14:hiddenFill xmlns:a14="http://schemas.microsoft.com/office/drawing/2010/main">
+                <a:solidFill>
+                  <a:srgbClr val="FFFFFF"/>
+                </a:solidFill>
+              </a14:hiddenFill>
+            </a:ext>
+          </a:extLst>
+        </p:spPr>
+      </p:pic>
+      <p:pic>
+        <p:nvPicPr>
+          <p:cNvPr id="53" name="Picture 14" descr="Instagram">
+            <a:extLst>
+              <a:ext uri="{FF2B5EF4-FFF2-40B4-BE49-F238E27FC236}">
+                <a16:creationId xmlns:a16="http://schemas.microsoft.com/office/drawing/2014/main" id="{5B65458A-DA92-EF42-2471-59EB8411655C}"/>
+              </a:ext>
+            </a:extLst>
+          </p:cNvPr>
+          <p:cNvPicPr>
+            <a:picLocks noChangeAspect="1" noChangeArrowheads="1"/>
+          </p:cNvPicPr>
+          <p:nvPr/>
+        </p:nvPicPr>
+        <p:blipFill>
+          <a:blip r:embed="rId11">
+            <a:extLst>
+              <a:ext uri="{28A0092B-C50C-407E-A947-70E740481C1C}">
+                <a14:useLocalDpi xmlns:a14="http://schemas.microsoft.com/office/drawing/2010/main" val="0"/>
+              </a:ext>
+            </a:extLst>
+          </a:blip>
+          <a:srcRect/>
+          <a:stretch>
+            <a:fillRect/>
+          </a:stretch>
+        </p:blipFill>
+        <p:spPr bwMode="auto">
+          <a:xfrm>
+            <a:off x="4233267" y="8681149"/>
+            <a:ext cx="364319" cy="364319"/>
+          </a:xfrm>
+          <a:prstGeom prst="rect">
+            <a:avLst/>
+          </a:prstGeom>
+          <a:noFill/>
+          <a:extLst>
+            <a:ext uri="{909E8E84-426E-40DD-AFC4-6F175D3DCCD1}">
+              <a14:hiddenFill xmlns:a14="http://schemas.microsoft.com/office/drawing/2010/main">
+                <a:solidFill>
+                  <a:srgbClr val="FFFFFF"/>
+                </a:solidFill>
+              </a14:hiddenFill>
+            </a:ext>
+          </a:extLst>
+        </p:spPr>
+      </p:pic>
+      <p:pic>
+        <p:nvPicPr>
+          <p:cNvPr id="54" name="Picture 16" descr="Facebook">
+            <a:extLst>
+              <a:ext uri="{FF2B5EF4-FFF2-40B4-BE49-F238E27FC236}">
+                <a16:creationId xmlns:a16="http://schemas.microsoft.com/office/drawing/2014/main" id="{B4A5D98E-C1D2-6716-5F84-4EE2F8A69089}"/>
+              </a:ext>
+            </a:extLst>
+          </p:cNvPr>
+          <p:cNvPicPr>
+            <a:picLocks noChangeAspect="1" noChangeArrowheads="1"/>
+          </p:cNvPicPr>
+          <p:nvPr/>
+        </p:nvPicPr>
+        <p:blipFill>
+          <a:blip r:embed="rId12">
+            <a:extLst>
+              <a:ext uri="{28A0092B-C50C-407E-A947-70E740481C1C}">
+                <a14:useLocalDpi xmlns:a14="http://schemas.microsoft.com/office/drawing/2010/main" val="0"/>
+              </a:ext>
+            </a:extLst>
+          </a:blip>
+          <a:srcRect/>
+          <a:stretch>
+            <a:fillRect/>
+          </a:stretch>
+        </p:blipFill>
+        <p:spPr bwMode="auto">
+          <a:xfrm>
+            <a:off x="5280954" y="8655456"/>
+            <a:ext cx="396751" cy="396751"/>
+          </a:xfrm>
+          <a:prstGeom prst="rect">
+            <a:avLst/>
+          </a:prstGeom>
+          <a:noFill/>
+          <a:extLst>
+            <a:ext uri="{909E8E84-426E-40DD-AFC4-6F175D3DCCD1}">
+              <a14:hiddenFill xmlns:a14="http://schemas.microsoft.com/office/drawing/2010/main">
+                <a:solidFill>
+                  <a:srgbClr val="FFFFFF"/>
+                </a:solidFill>
+              </a14:hiddenFill>
+            </a:ext>
+          </a:extLst>
+        </p:spPr>
+      </p:pic>
+      <p:sp>
+        <p:nvSpPr>
+          <p:cNvPr id="55" name="TextBox 54">
+            <a:extLst>
+              <a:ext uri="{FF2B5EF4-FFF2-40B4-BE49-F238E27FC236}">
+                <a16:creationId xmlns:a16="http://schemas.microsoft.com/office/drawing/2014/main" id="{86454AE3-F3EA-647E-7691-F4A099F3977E}"/>
+              </a:ext>
+            </a:extLst>
+          </p:cNvPr>
+          <p:cNvSpPr txBox="1"/>
+          <p:nvPr/>
+        </p:nvSpPr>
+        <p:spPr>
+          <a:xfrm>
+            <a:off x="128591" y="7925439"/>
+            <a:ext cx="1764626" cy="307777"/>
+          </a:xfrm>
+          <a:prstGeom prst="rect">
+            <a:avLst/>
+          </a:prstGeom>
+          <a:noFill/>
+        </p:spPr>
+        <p:txBody>
+          <a:bodyPr wrap="square" rtlCol="0">
+            <a:spAutoFit/>
+          </a:bodyPr>
+          <a:lstStyle/>
+          <a:p>
+            <a:pPr algn="ctr"/>
+            <a:r>
+              <a:rPr lang="en-US" sz="1400" b="1" u="sng" dirty="0">
+                <a:solidFill>
+                  <a:srgbClr val="0070C0"/>
+                </a:solidFill>
+                <a:latin typeface="Oxygen" panose="02000503000000000000" pitchFamily="2" charset="0"/>
+              </a:rPr>
+              <a:t>anodiam.com</a:t>
+            </a:r>
+          </a:p>
+        </p:txBody>
+      </p:sp>
+      <p:pic>
+        <p:nvPicPr>
+          <p:cNvPr id="56" name="Picture 18">
+            <a:extLst>
+              <a:ext uri="{FF2B5EF4-FFF2-40B4-BE49-F238E27FC236}">
+                <a16:creationId xmlns:a16="http://schemas.microsoft.com/office/drawing/2014/main" id="{D0E7CDB8-793D-8E2C-6369-7D35A165B777}"/>
+              </a:ext>
+            </a:extLst>
+          </p:cNvPr>
+          <p:cNvPicPr>
+            <a:picLocks noChangeAspect="1" noChangeArrowheads="1"/>
+          </p:cNvPicPr>
+          <p:nvPr/>
+        </p:nvPicPr>
+        <p:blipFill>
+          <a:blip r:embed="rId13" cstate="hqprint">
+            <a:extLst>
+              <a:ext uri="{28A0092B-C50C-407E-A947-70E740481C1C}">
+                <a14:useLocalDpi xmlns:a14="http://schemas.microsoft.com/office/drawing/2010/main" val="0"/>
+              </a:ext>
+            </a:extLst>
+          </a:blip>
+          <a:srcRect/>
+          <a:stretch>
+            <a:fillRect/>
+          </a:stretch>
+        </p:blipFill>
+        <p:spPr bwMode="auto">
+          <a:xfrm>
+            <a:off x="180964" y="8233659"/>
+            <a:ext cx="250134" cy="250134"/>
+          </a:xfrm>
+          <a:prstGeom prst="rect">
+            <a:avLst/>
+          </a:prstGeom>
+          <a:noFill/>
+          <a:extLst>
+            <a:ext uri="{909E8E84-426E-40DD-AFC4-6F175D3DCCD1}">
+              <a14:hiddenFill xmlns:a14="http://schemas.microsoft.com/office/drawing/2010/main">
+                <a:solidFill>
+                  <a:srgbClr val="FFFFFF"/>
+                </a:solidFill>
+              </a14:hiddenFill>
+            </a:ext>
+          </a:extLst>
+        </p:spPr>
+      </p:pic>
+      <p:sp>
+        <p:nvSpPr>
+          <p:cNvPr id="57" name="TextBox 56">
+            <a:extLst>
+              <a:ext uri="{FF2B5EF4-FFF2-40B4-BE49-F238E27FC236}">
+                <a16:creationId xmlns:a16="http://schemas.microsoft.com/office/drawing/2014/main" id="{B022CFE3-2EFE-7D26-730F-B712DDA0804C}"/>
+              </a:ext>
+            </a:extLst>
+          </p:cNvPr>
+          <p:cNvSpPr txBox="1"/>
+          <p:nvPr/>
+        </p:nvSpPr>
+        <p:spPr>
+          <a:xfrm>
+            <a:off x="373517" y="8265696"/>
+            <a:ext cx="2526942" cy="276999"/>
+          </a:xfrm>
+          <a:prstGeom prst="rect">
+            <a:avLst/>
+          </a:prstGeom>
+          <a:noFill/>
+        </p:spPr>
+        <p:txBody>
+          <a:bodyPr wrap="square">
+            <a:spAutoFit/>
+          </a:bodyPr>
+          <a:lstStyle/>
+          <a:p>
+            <a:pPr rtl="0" fontAlgn="t"/>
+            <a:r>
+              <a:rPr lang="en-US" sz="1200" b="1" dirty="0">
+                <a:solidFill>
+                  <a:srgbClr val="FF8C53"/>
+                </a:solidFill>
+                <a:effectLst>
+                  <a:outerShdw blurRad="38100" dist="38100" dir="2700000" algn="tl">
+                    <a:srgbClr val="000000">
+                      <a:alpha val="43137"/>
+                    </a:srgbClr>
+                  </a:outerShdw>
+                </a:effectLst>
+                <a:latin typeface="Oxygen" panose="02000503000000000000" pitchFamily="2" charset="0"/>
+              </a:rPr>
+              <a:t>N-1/25 Patuli Kolkata 700094</a:t>
+            </a:r>
+          </a:p>
+        </p:txBody>
+      </p:sp>
+      <p:sp>
+        <p:nvSpPr>
+          <p:cNvPr id="58" name="TextBox 57">
+            <a:extLst>
+              <a:ext uri="{FF2B5EF4-FFF2-40B4-BE49-F238E27FC236}">
+                <a16:creationId xmlns:a16="http://schemas.microsoft.com/office/drawing/2014/main" id="{0960518D-238A-76F3-AF24-538B464A60B9}"/>
+              </a:ext>
+            </a:extLst>
+          </p:cNvPr>
+          <p:cNvSpPr txBox="1"/>
+          <p:nvPr/>
+        </p:nvSpPr>
+        <p:spPr>
+          <a:xfrm>
+            <a:off x="369989" y="8501340"/>
+            <a:ext cx="2667000" cy="276999"/>
+          </a:xfrm>
+          <a:prstGeom prst="rect">
+            <a:avLst/>
+          </a:prstGeom>
+          <a:noFill/>
+        </p:spPr>
+        <p:txBody>
+          <a:bodyPr wrap="square">
+            <a:spAutoFit/>
+          </a:bodyPr>
+          <a:lstStyle/>
+          <a:p>
+            <a:pPr rtl="0" fontAlgn="t"/>
+            <a:r>
+              <a:rPr lang="en-US" sz="1200" b="1" i="0" u="sng" strike="noStrike" dirty="0">
+                <a:solidFill>
+                  <a:srgbClr val="000000"/>
+                </a:solidFill>
+                <a:effectLst/>
+                <a:latin typeface="Oxygen" panose="02000503000000000000" pitchFamily="2" charset="0"/>
+                <a:hlinkClick r:id="rId14"/>
+              </a:rPr>
+              <a:t>anirban@anodiam.com</a:t>
+            </a:r>
+            <a:endParaRPr lang="en-US" sz="1200" b="0" i="0" dirty="0">
+              <a:solidFill>
+                <a:srgbClr val="212121"/>
+              </a:solidFill>
+              <a:effectLst/>
+              <a:latin typeface="Lato" panose="020F0502020204030204" pitchFamily="34" charset="0"/>
+            </a:endParaRPr>
+          </a:p>
+        </p:txBody>
+      </p:sp>
+      <p:pic>
+        <p:nvPicPr>
+          <p:cNvPr id="59" name="Picture 22" descr="Mail Icon PNG Image | Mail icon, Email icon, Icon set design">
+            <a:extLst>
+              <a:ext uri="{FF2B5EF4-FFF2-40B4-BE49-F238E27FC236}">
+                <a16:creationId xmlns:a16="http://schemas.microsoft.com/office/drawing/2014/main" id="{F567ED39-0FD3-4DD0-977B-ED5C9666207E}"/>
+              </a:ext>
+            </a:extLst>
+          </p:cNvPr>
+          <p:cNvPicPr>
+            <a:picLocks noChangeAspect="1" noChangeArrowheads="1"/>
+          </p:cNvPicPr>
+          <p:nvPr/>
+        </p:nvPicPr>
+        <p:blipFill>
+          <a:blip r:embed="rId15" cstate="hqprint">
+            <a:extLst>
+              <a:ext uri="{28A0092B-C50C-407E-A947-70E740481C1C}">
+                <a14:useLocalDpi xmlns:a14="http://schemas.microsoft.com/office/drawing/2010/main" val="0"/>
+              </a:ext>
+            </a:extLst>
+          </a:blip>
+          <a:srcRect/>
+          <a:stretch>
+            <a:fillRect/>
+          </a:stretch>
+        </p:blipFill>
+        <p:spPr bwMode="auto">
+          <a:xfrm>
+            <a:off x="169366" y="8516277"/>
+            <a:ext cx="262573" cy="247127"/>
+          </a:xfrm>
+          <a:prstGeom prst="rect">
+            <a:avLst/>
+          </a:prstGeom>
+          <a:noFill/>
+          <a:extLst>
+            <a:ext uri="{909E8E84-426E-40DD-AFC4-6F175D3DCCD1}">
+              <a14:hiddenFill xmlns:a14="http://schemas.microsoft.com/office/drawing/2010/main">
+                <a:solidFill>
+                  <a:srgbClr val="FFFFFF"/>
+                </a:solidFill>
+              </a14:hiddenFill>
+            </a:ext>
+          </a:extLst>
+        </p:spPr>
+      </p:pic>
+      <p:pic>
+        <p:nvPicPr>
+          <p:cNvPr id="60" name="Picture 59">
+            <a:extLst>
+              <a:ext uri="{FF2B5EF4-FFF2-40B4-BE49-F238E27FC236}">
+                <a16:creationId xmlns:a16="http://schemas.microsoft.com/office/drawing/2014/main" id="{34E9D7A9-447C-35E7-A464-E466D806505F}"/>
+              </a:ext>
+            </a:extLst>
+          </p:cNvPr>
+          <p:cNvPicPr>
+            <a:picLocks noChangeAspect="1"/>
+          </p:cNvPicPr>
+          <p:nvPr/>
+        </p:nvPicPr>
+        <p:blipFill>
+          <a:blip r:embed="rId16"/>
+          <a:stretch>
+            <a:fillRect/>
+          </a:stretch>
+        </p:blipFill>
+        <p:spPr>
+          <a:xfrm>
+            <a:off x="138906" y="8735626"/>
+            <a:ext cx="313427" cy="294990"/>
+          </a:xfrm>
+          <a:prstGeom prst="rect">
+            <a:avLst/>
+          </a:prstGeom>
+        </p:spPr>
+      </p:pic>
+      <p:sp>
+        <p:nvSpPr>
+          <p:cNvPr id="61" name="TextBox 60">
+            <a:extLst>
+              <a:ext uri="{FF2B5EF4-FFF2-40B4-BE49-F238E27FC236}">
+                <a16:creationId xmlns:a16="http://schemas.microsoft.com/office/drawing/2014/main" id="{7032E583-8E63-F67E-D5BA-476D86FF8088}"/>
+              </a:ext>
+            </a:extLst>
+          </p:cNvPr>
+          <p:cNvSpPr txBox="1"/>
+          <p:nvPr/>
+        </p:nvSpPr>
+        <p:spPr>
+          <a:xfrm>
+            <a:off x="373921" y="8771709"/>
+            <a:ext cx="1563862" cy="276999"/>
+          </a:xfrm>
+          <a:prstGeom prst="rect">
+            <a:avLst/>
+          </a:prstGeom>
+          <a:noFill/>
+        </p:spPr>
+        <p:txBody>
+          <a:bodyPr wrap="square">
+            <a:spAutoFit/>
+          </a:bodyPr>
+          <a:lstStyle/>
+          <a:p>
+            <a:r>
+              <a:rPr lang="en-US" sz="1200" b="1" dirty="0">
+                <a:solidFill>
+                  <a:srgbClr val="FF8C53"/>
+                </a:solidFill>
+                <a:effectLst>
+                  <a:outerShdw blurRad="38100" dist="38100" dir="2700000" algn="tl">
+                    <a:srgbClr val="000000">
+                      <a:alpha val="43137"/>
+                    </a:srgbClr>
+                  </a:outerShdw>
+                </a:effectLst>
+                <a:latin typeface="Oxygen" panose="02000503000000000000" pitchFamily="2" charset="0"/>
+              </a:rPr>
+              <a:t>9073 700094</a:t>
+            </a:r>
+          </a:p>
+        </p:txBody>
+      </p:sp>
+      <p:sp>
+        <p:nvSpPr>
+          <p:cNvPr id="62" name="TextBox 61">
+            <a:extLst>
+              <a:ext uri="{FF2B5EF4-FFF2-40B4-BE49-F238E27FC236}">
+                <a16:creationId xmlns:a16="http://schemas.microsoft.com/office/drawing/2014/main" id="{C32427AD-B0C8-CFB2-C695-AC02473C8830}"/>
+              </a:ext>
+            </a:extLst>
+          </p:cNvPr>
+          <p:cNvSpPr txBox="1"/>
+          <p:nvPr/>
+        </p:nvSpPr>
+        <p:spPr>
+          <a:xfrm>
+            <a:off x="4213746" y="8464897"/>
+            <a:ext cx="1211351" cy="276999"/>
+          </a:xfrm>
+          <a:prstGeom prst="rect">
+            <a:avLst/>
+          </a:prstGeom>
+          <a:noFill/>
+        </p:spPr>
+        <p:txBody>
+          <a:bodyPr wrap="square">
+            <a:spAutoFit/>
+          </a:bodyPr>
+          <a:lstStyle/>
+          <a:p>
+            <a:pPr rtl="0" fontAlgn="t"/>
+            <a:r>
+              <a:rPr lang="en-US" sz="1200" b="1" dirty="0">
+                <a:solidFill>
+                  <a:srgbClr val="FF8C53"/>
+                </a:solidFill>
+                <a:effectLst>
+                  <a:outerShdw blurRad="38100" dist="38100" dir="2700000" algn="tl">
+                    <a:srgbClr val="000000">
+                      <a:alpha val="43137"/>
+                    </a:srgbClr>
+                  </a:outerShdw>
+                </a:effectLst>
+                <a:latin typeface="Oxygen" panose="02000503000000000000" pitchFamily="2" charset="0"/>
+              </a:rPr>
+              <a:t>Follow us on:</a:t>
+            </a:r>
+          </a:p>
+        </p:txBody>
+      </p:sp>
+      <p:pic>
+        <p:nvPicPr>
+          <p:cNvPr id="63" name="Picture 62"/>
+          <p:cNvPicPr>
+            <a:picLocks noChangeAspect="1"/>
+          </p:cNvPicPr>
+          <p:nvPr/>
+        </p:nvPicPr>
+        <p:blipFill>
+          <a:blip r:embed="rId17"/>
+          <a:stretch>
+            <a:fillRect/>
+          </a:stretch>
+        </p:blipFill>
+        <p:spPr>
+          <a:xfrm>
+            <a:off x="4286874" y="7978206"/>
+            <a:ext cx="1468120" cy="519550"/>
+          </a:xfrm>
+          <a:prstGeom prst="rect">
+            <a:avLst/>
+          </a:prstGeom>
+        </p:spPr>
+      </p:pic>
+      <p:sp>
+        <p:nvSpPr>
+          <p:cNvPr id="23" name="AutoShape 4">
+            <a:extLst>
+              <a:ext uri="{FF2B5EF4-FFF2-40B4-BE49-F238E27FC236}">
+                <a16:creationId xmlns:a16="http://schemas.microsoft.com/office/drawing/2014/main" id="{8F50F8CA-77BB-9225-3AAC-80E4C57B3105}"/>
+              </a:ext>
+            </a:extLst>
+          </p:cNvPr>
+          <p:cNvSpPr>
+            <a:spLocks noChangeAspect="1" noChangeArrowheads="1"/>
+          </p:cNvSpPr>
+          <p:nvPr/>
+        </p:nvSpPr>
+        <p:spPr bwMode="auto">
+          <a:xfrm>
+            <a:off x="4729162" y="5628212"/>
+            <a:ext cx="304800" cy="304800"/>
+          </a:xfrm>
+          <a:prstGeom prst="rect">
+            <a:avLst/>
+          </a:prstGeom>
+          <a:noFill/>
+          <a:extLst>
+            <a:ext uri="{909E8E84-426E-40DD-AFC4-6F175D3DCCD1}">
+              <a14:hiddenFill xmlns:a14="http://schemas.microsoft.com/office/drawing/2010/main">
+                <a:solidFill>
+                  <a:srgbClr val="FFFFFF"/>
+                </a:solidFill>
+              </a14:hiddenFill>
+            </a:ext>
+          </a:extLst>
+        </p:spPr>
+        <p:txBody>
+          <a:bodyPr vert="horz" wrap="square" lIns="91440" tIns="45720" rIns="91440" bIns="45720" numCol="1" anchor="t" anchorCtr="0" compatLnSpc="1">
+            <a:prstTxWarp prst="textNoShape">
+              <a:avLst/>
+            </a:prstTxWarp>
+          </a:bodyPr>
+          <a:lstStyle/>
+          <a:p>
+            <a:endParaRPr lang="en-US"/>
+          </a:p>
+        </p:txBody>
+      </p:sp>
+      <p:sp>
+        <p:nvSpPr>
+          <p:cNvPr id="24" name="AutoShape 6">
+            <a:extLst>
+              <a:ext uri="{FF2B5EF4-FFF2-40B4-BE49-F238E27FC236}">
+                <a16:creationId xmlns:a16="http://schemas.microsoft.com/office/drawing/2014/main" id="{7650E646-EDCC-0519-7780-ECF7A0631DFC}"/>
+              </a:ext>
+            </a:extLst>
+          </p:cNvPr>
+          <p:cNvSpPr>
+            <a:spLocks noChangeAspect="1" noChangeArrowheads="1"/>
+          </p:cNvSpPr>
+          <p:nvPr/>
+        </p:nvSpPr>
+        <p:spPr bwMode="auto">
+          <a:xfrm>
+            <a:off x="4881562" y="5780612"/>
+            <a:ext cx="304800" cy="304800"/>
+          </a:xfrm>
+          <a:prstGeom prst="rect">
+            <a:avLst/>
+          </a:prstGeom>
+          <a:noFill/>
+          <a:extLst>
+            <a:ext uri="{909E8E84-426E-40DD-AFC4-6F175D3DCCD1}">
+              <a14:hiddenFill xmlns:a14="http://schemas.microsoft.com/office/drawing/2010/main">
+                <a:solidFill>
+                  <a:srgbClr val="FFFFFF"/>
+                </a:solidFill>
+              </a14:hiddenFill>
+            </a:ext>
+          </a:extLst>
+        </p:spPr>
+        <p:txBody>
+          <a:bodyPr vert="horz" wrap="square" lIns="91440" tIns="45720" rIns="91440" bIns="45720" numCol="1" anchor="t" anchorCtr="0" compatLnSpc="1">
+            <a:prstTxWarp prst="textNoShape">
+              <a:avLst/>
+            </a:prstTxWarp>
+          </a:bodyPr>
+          <a:lstStyle/>
+          <a:p>
+            <a:endParaRPr lang="en-US"/>
+          </a:p>
+        </p:txBody>
+      </p:sp>
+      <p:sp>
+        <p:nvSpPr>
+          <p:cNvPr id="25" name="Rectangle 24">
+            <a:extLst>
+              <a:ext uri="{FF2B5EF4-FFF2-40B4-BE49-F238E27FC236}">
+                <a16:creationId xmlns:a16="http://schemas.microsoft.com/office/drawing/2014/main" id="{94E4D82C-6F51-75D4-7A8B-A4444517292E}"/>
               </a:ext>
             </a:extLst>
           </p:cNvPr>
@@ -6462,27 +7045,18 @@
         </p:nvSpPr>
         <p:spPr>
           <a:xfrm>
-            <a:off x="274648" y="4197799"/>
-            <a:ext cx="2830411" cy="1719134"/>
-          </a:xfrm>
-          <a:prstGeom prst="roundRect">
+            <a:off x="2266122" y="4065104"/>
+            <a:ext cx="4134678" cy="1677337"/>
+          </a:xfrm>
+          <a:prstGeom prst="rect">
             <a:avLst/>
           </a:prstGeom>
           <a:solidFill>
-            <a:schemeClr val="bg1">
-              <a:lumMod val="95000"/>
-            </a:schemeClr>
+            <a:srgbClr val="FFFFFF"/>
           </a:solidFill>
           <a:ln>
             <a:noFill/>
           </a:ln>
-          <a:effectLst>
-            <a:outerShdw blurRad="50800" dist="38100" dir="2700000" algn="tl" rotWithShape="0">
-              <a:prstClr val="black">
-                <a:alpha val="40000"/>
-              </a:prstClr>
-            </a:outerShdw>
-          </a:effectLst>
         </p:spPr>
         <p:style>
           <a:lnRef idx="2">
@@ -6511,10 +7085,250 @@
       </p:sp>
       <p:sp>
         <p:nvSpPr>
-          <p:cNvPr id="25" name="TextBox 24">
-            <a:extLst>
-              <a:ext uri="{FF2B5EF4-FFF2-40B4-BE49-F238E27FC236}">
-                <a16:creationId xmlns:a16="http://schemas.microsoft.com/office/drawing/2014/main" id="{17CDCBBE-901E-3A1D-40A4-A0C1D98406D8}"/>
+          <p:cNvPr id="26" name="Rectangle: Rounded Corners 25">
+            <a:extLst>
+              <a:ext uri="{FF2B5EF4-FFF2-40B4-BE49-F238E27FC236}">
+                <a16:creationId xmlns:a16="http://schemas.microsoft.com/office/drawing/2014/main" id="{29D2F94B-8D1D-E5F6-C14E-D651F1D5C682}"/>
+              </a:ext>
+            </a:extLst>
+          </p:cNvPr>
+          <p:cNvSpPr/>
+          <p:nvPr/>
+        </p:nvSpPr>
+        <p:spPr>
+          <a:xfrm>
+            <a:off x="274648" y="4197799"/>
+            <a:ext cx="2830411" cy="1719134"/>
+          </a:xfrm>
+          <a:prstGeom prst="roundRect">
+            <a:avLst/>
+          </a:prstGeom>
+          <a:solidFill>
+            <a:schemeClr val="bg1">
+              <a:lumMod val="95000"/>
+            </a:schemeClr>
+          </a:solidFill>
+          <a:ln>
+            <a:noFill/>
+          </a:ln>
+          <a:effectLst>
+            <a:outerShdw blurRad="50800" dist="38100" dir="2700000" algn="tl" rotWithShape="0">
+              <a:prstClr val="black">
+                <a:alpha val="40000"/>
+              </a:prstClr>
+            </a:outerShdw>
+          </a:effectLst>
+        </p:spPr>
+        <p:style>
+          <a:lnRef idx="2">
+            <a:schemeClr val="accent1">
+              <a:shade val="15000"/>
+            </a:schemeClr>
+          </a:lnRef>
+          <a:fillRef idx="1">
+            <a:schemeClr val="accent1"/>
+          </a:fillRef>
+          <a:effectRef idx="0">
+            <a:schemeClr val="accent1"/>
+          </a:effectRef>
+          <a:fontRef idx="minor">
+            <a:schemeClr val="lt1"/>
+          </a:fontRef>
+        </p:style>
+        <p:txBody>
+          <a:bodyPr rtlCol="0" anchor="ctr"/>
+          <a:lstStyle/>
+          <a:p>
+            <a:pPr algn="ctr"/>
+            <a:endParaRPr lang="en-US"/>
+          </a:p>
+        </p:txBody>
+      </p:sp>
+      <p:sp>
+        <p:nvSpPr>
+          <p:cNvPr id="28" name="Rectangle: Rounded Corners 27">
+            <a:extLst>
+              <a:ext uri="{FF2B5EF4-FFF2-40B4-BE49-F238E27FC236}">
+                <a16:creationId xmlns:a16="http://schemas.microsoft.com/office/drawing/2014/main" id="{C5FF944D-4358-989F-9FC9-15C69ED3BA38}"/>
+              </a:ext>
+            </a:extLst>
+          </p:cNvPr>
+          <p:cNvSpPr/>
+          <p:nvPr/>
+        </p:nvSpPr>
+        <p:spPr>
+          <a:xfrm>
+            <a:off x="274647" y="6106763"/>
+            <a:ext cx="2830411" cy="1719134"/>
+          </a:xfrm>
+          <a:prstGeom prst="roundRect">
+            <a:avLst/>
+          </a:prstGeom>
+          <a:solidFill>
+            <a:schemeClr val="bg2"/>
+          </a:solidFill>
+          <a:ln>
+            <a:noFill/>
+          </a:ln>
+          <a:effectLst>
+            <a:outerShdw blurRad="50800" dist="38100" dir="2700000" algn="tl" rotWithShape="0">
+              <a:prstClr val="black">
+                <a:alpha val="40000"/>
+              </a:prstClr>
+            </a:outerShdw>
+          </a:effectLst>
+        </p:spPr>
+        <p:style>
+          <a:lnRef idx="2">
+            <a:schemeClr val="accent1">
+              <a:shade val="15000"/>
+            </a:schemeClr>
+          </a:lnRef>
+          <a:fillRef idx="1">
+            <a:schemeClr val="accent1"/>
+          </a:fillRef>
+          <a:effectRef idx="0">
+            <a:schemeClr val="accent1"/>
+          </a:effectRef>
+          <a:fontRef idx="minor">
+            <a:schemeClr val="lt1"/>
+          </a:fontRef>
+        </p:style>
+        <p:txBody>
+          <a:bodyPr rtlCol="0" anchor="ctr"/>
+          <a:lstStyle/>
+          <a:p>
+            <a:pPr algn="ctr"/>
+            <a:endParaRPr lang="en-US"/>
+          </a:p>
+        </p:txBody>
+      </p:sp>
+      <p:sp>
+        <p:nvSpPr>
+          <p:cNvPr id="29" name="Rectangle: Rounded Corners 28">
+            <a:extLst>
+              <a:ext uri="{FF2B5EF4-FFF2-40B4-BE49-F238E27FC236}">
+                <a16:creationId xmlns:a16="http://schemas.microsoft.com/office/drawing/2014/main" id="{7E58509A-F346-AE28-A271-CA0B94F037D7}"/>
+              </a:ext>
+            </a:extLst>
+          </p:cNvPr>
+          <p:cNvSpPr/>
+          <p:nvPr/>
+        </p:nvSpPr>
+        <p:spPr>
+          <a:xfrm>
+            <a:off x="3345657" y="4201537"/>
+            <a:ext cx="2830411" cy="1719134"/>
+          </a:xfrm>
+          <a:prstGeom prst="roundRect">
+            <a:avLst/>
+          </a:prstGeom>
+          <a:solidFill>
+            <a:schemeClr val="bg2"/>
+          </a:solidFill>
+          <a:ln>
+            <a:noFill/>
+          </a:ln>
+          <a:effectLst>
+            <a:outerShdw blurRad="50800" dist="38100" dir="2700000" algn="tl" rotWithShape="0">
+              <a:prstClr val="black">
+                <a:alpha val="40000"/>
+              </a:prstClr>
+            </a:outerShdw>
+          </a:effectLst>
+        </p:spPr>
+        <p:style>
+          <a:lnRef idx="2">
+            <a:schemeClr val="accent1">
+              <a:shade val="15000"/>
+            </a:schemeClr>
+          </a:lnRef>
+          <a:fillRef idx="1">
+            <a:schemeClr val="accent1"/>
+          </a:fillRef>
+          <a:effectRef idx="0">
+            <a:schemeClr val="accent1"/>
+          </a:effectRef>
+          <a:fontRef idx="minor">
+            <a:schemeClr val="lt1"/>
+          </a:fontRef>
+        </p:style>
+        <p:txBody>
+          <a:bodyPr rtlCol="0" anchor="ctr"/>
+          <a:lstStyle/>
+          <a:p>
+            <a:pPr algn="ctr"/>
+            <a:endParaRPr lang="en-US"/>
+          </a:p>
+        </p:txBody>
+      </p:sp>
+      <p:sp>
+        <p:nvSpPr>
+          <p:cNvPr id="31" name="Rectangle: Rounded Corners 30">
+            <a:extLst>
+              <a:ext uri="{FF2B5EF4-FFF2-40B4-BE49-F238E27FC236}">
+                <a16:creationId xmlns:a16="http://schemas.microsoft.com/office/drawing/2014/main" id="{6F8FF753-A381-E16F-DF5F-8722E0BDF2A1}"/>
+              </a:ext>
+            </a:extLst>
+          </p:cNvPr>
+          <p:cNvSpPr/>
+          <p:nvPr/>
+        </p:nvSpPr>
+        <p:spPr>
+          <a:xfrm>
+            <a:off x="3345656" y="6097019"/>
+            <a:ext cx="2830411" cy="1719134"/>
+          </a:xfrm>
+          <a:prstGeom prst="roundRect">
+            <a:avLst/>
+          </a:prstGeom>
+          <a:solidFill>
+            <a:schemeClr val="bg1">
+              <a:lumMod val="85000"/>
+            </a:schemeClr>
+          </a:solidFill>
+          <a:ln>
+            <a:noFill/>
+          </a:ln>
+          <a:effectLst>
+            <a:outerShdw blurRad="50800" dist="38100" dir="2700000" algn="tl" rotWithShape="0">
+              <a:prstClr val="black">
+                <a:alpha val="40000"/>
+              </a:prstClr>
+            </a:outerShdw>
+          </a:effectLst>
+        </p:spPr>
+        <p:style>
+          <a:lnRef idx="2">
+            <a:schemeClr val="accent1">
+              <a:shade val="15000"/>
+            </a:schemeClr>
+          </a:lnRef>
+          <a:fillRef idx="1">
+            <a:schemeClr val="accent1"/>
+          </a:fillRef>
+          <a:effectRef idx="0">
+            <a:schemeClr val="accent1"/>
+          </a:effectRef>
+          <a:fontRef idx="minor">
+            <a:schemeClr val="lt1"/>
+          </a:fontRef>
+        </p:style>
+        <p:txBody>
+          <a:bodyPr rtlCol="0" anchor="ctr"/>
+          <a:lstStyle/>
+          <a:p>
+            <a:pPr algn="ctr"/>
+            <a:endParaRPr lang="en-US"/>
+          </a:p>
+        </p:txBody>
+      </p:sp>
+      <p:sp>
+        <p:nvSpPr>
+          <p:cNvPr id="33" name="TextBox 32">
+            <a:extLst>
+              <a:ext uri="{FF2B5EF4-FFF2-40B4-BE49-F238E27FC236}">
+                <a16:creationId xmlns:a16="http://schemas.microsoft.com/office/drawing/2014/main" id="{8E21FB70-F86A-CB8C-9C3E-DF31228CB840}"/>
               </a:ext>
             </a:extLst>
           </p:cNvPr>
@@ -6522,9 +7336,9 @@
           <p:nvPr/>
         </p:nvSpPr>
         <p:spPr>
-          <a:xfrm rot="18752084">
-            <a:off x="219274" y="4266694"/>
-            <a:ext cx="541706" cy="276999"/>
+          <a:xfrm>
+            <a:off x="697267" y="4356339"/>
+            <a:ext cx="2284902" cy="1399422"/>
           </a:xfrm>
           <a:prstGeom prst="rect">
             <a:avLst/>
@@ -6532,12 +7346,16 @@
           <a:noFill/>
         </p:spPr>
         <p:txBody>
-          <a:bodyPr wrap="square" rtlCol="0">
+          <a:bodyPr wrap="square">
             <a:spAutoFit/>
           </a:bodyPr>
           <a:lstStyle/>
           <a:p>
-            <a:pPr algn="ctr"/>
+            <a:pPr>
+              <a:lnSpc>
+                <a:spcPct val="150000"/>
+              </a:lnSpc>
+            </a:pPr>
             <a:r>
               <a:rPr lang="en-US" sz="1200" b="1" cap="small" dirty="0">
                 <a:solidFill>
@@ -6548,41 +7366,16 @@
                 </a:solidFill>
                 <a:latin typeface="Oxygen" panose="02000503000000000000" pitchFamily="2" charset="0"/>
               </a:rPr>
-              <a:t>Sem 1</a:t>
-            </a:r>
-          </a:p>
-        </p:txBody>
-      </p:sp>
-      <p:sp>
-        <p:nvSpPr>
-          <p:cNvPr id="1024" name="TextBox 1023">
-            <a:extLst>
-              <a:ext uri="{FF2B5EF4-FFF2-40B4-BE49-F238E27FC236}">
-                <a16:creationId xmlns:a16="http://schemas.microsoft.com/office/drawing/2014/main" id="{3CC7E408-93B0-3725-23E8-D91F61F638E2}"/>
-              </a:ext>
-            </a:extLst>
-          </p:cNvPr>
-          <p:cNvSpPr txBox="1"/>
-          <p:nvPr/>
-        </p:nvSpPr>
-        <p:spPr>
-          <a:xfrm>
-            <a:off x="820157" y="4371990"/>
-            <a:ext cx="2284902" cy="738664"/>
-          </a:xfrm>
-          <a:prstGeom prst="rect">
-            <a:avLst/>
-          </a:prstGeom>
-          <a:noFill/>
-        </p:spPr>
-        <p:txBody>
-          <a:bodyPr wrap="square">
-            <a:spAutoFit/>
-          </a:bodyPr>
-          <a:lstStyle/>
-          <a:p>
-            <a:r>
-              <a:rPr lang="en-US" sz="1200" b="1" cap="small" dirty="0">
+              <a:t>Web Developer</a:t>
+            </a:r>
+          </a:p>
+          <a:p>
+            <a:pPr marL="171450" indent="-171450">
+              <a:buFont typeface="Wingdings" panose="05000000000000000000" pitchFamily="2" charset="2"/>
+              <a:buChar char="v"/>
+            </a:pPr>
+            <a:r>
+              <a:rPr lang="en-US" sz="1000" b="1" dirty="0">
                 <a:solidFill>
                   <a:schemeClr val="tx1">
                     <a:lumMod val="50000"/>
@@ -6591,7 +7384,7 @@
                 </a:solidFill>
                 <a:latin typeface="Oxygen" panose="02000503000000000000" pitchFamily="2" charset="0"/>
               </a:rPr>
-              <a:t>Data Analysis Engineer</a:t>
+              <a:t>HTML5, CSS, JavaScript</a:t>
             </a:r>
           </a:p>
           <a:p>
@@ -6609,7 +7402,7 @@
                 </a:solidFill>
                 <a:latin typeface="Oxygen" panose="02000503000000000000" pitchFamily="2" charset="0"/>
               </a:rPr>
-              <a:t>AI Intro, Python, Maths,  Stats</a:t>
+              <a:t>React JS</a:t>
             </a:r>
           </a:p>
           <a:p>
@@ -6627,10 +7420,17 @@
                 </a:solidFill>
                 <a:latin typeface="Oxygen" panose="02000503000000000000" pitchFamily="2" charset="0"/>
               </a:rPr>
-              <a:t>Data Analysis: </a:t>
-            </a:r>
-            <a:r>
-              <a:rPr lang="en-US" sz="1000" b="1" dirty="0" err="1">
+              <a:t>Material UI</a:t>
+            </a:r>
+          </a:p>
+          <a:p>
+            <a:pPr>
+              <a:lnSpc>
+                <a:spcPct val="200000"/>
+              </a:lnSpc>
+            </a:pPr>
+            <a:r>
+              <a:rPr lang="en-US" sz="1000" b="1" dirty="0">
                 <a:solidFill>
                   <a:schemeClr val="tx1">
                     <a:lumMod val="50000"/>
@@ -6639,10 +7439,17 @@
                 </a:solidFill>
                 <a:latin typeface="Oxygen" panose="02000503000000000000" pitchFamily="2" charset="0"/>
               </a:rPr>
-              <a:t>numpy</a:t>
-            </a:r>
-            <a:r>
-              <a:rPr lang="en-US" sz="1000" b="1" dirty="0">
+              <a:t>26 Weeks</a:t>
+            </a:r>
+          </a:p>
+          <a:p>
+            <a:pPr>
+              <a:lnSpc>
+                <a:spcPct val="200000"/>
+              </a:lnSpc>
+            </a:pPr>
+            <a:r>
+              <a:rPr lang="en-IN" sz="1000" b="1" strike="sngStrike" dirty="0">
                 <a:solidFill>
                   <a:schemeClr val="tx1">
                     <a:lumMod val="50000"/>
@@ -6651,144 +7458,26 @@
                 </a:solidFill>
                 <a:latin typeface="Oxygen" panose="02000503000000000000" pitchFamily="2" charset="0"/>
               </a:rPr>
-              <a:t> &amp; pandas</a:t>
-            </a:r>
-          </a:p>
-          <a:p>
-            <a:pPr marL="171450" indent="-171450">
-              <a:buFont typeface="Wingdings" panose="05000000000000000000" pitchFamily="2" charset="2"/>
-              <a:buChar char="v"/>
-            </a:pPr>
-            <a:r>
-              <a:rPr lang="en-US" sz="1000" b="1" dirty="0">
-                <a:solidFill>
-                  <a:schemeClr val="tx1">
-                    <a:lumMod val="50000"/>
-                    <a:lumOff val="50000"/>
-                  </a:schemeClr>
-                </a:solidFill>
-                <a:latin typeface="Oxygen" panose="02000503000000000000" pitchFamily="2" charset="0"/>
-              </a:rPr>
-              <a:t>Visualization: matplotlib</a:t>
-            </a:r>
-          </a:p>
-        </p:txBody>
-      </p:sp>
-      <p:sp>
-        <p:nvSpPr>
-          <p:cNvPr id="1025" name="TextBox 1024">
-            <a:extLst>
-              <a:ext uri="{FF2B5EF4-FFF2-40B4-BE49-F238E27FC236}">
-                <a16:creationId xmlns:a16="http://schemas.microsoft.com/office/drawing/2014/main" id="{492313F8-7E71-D755-AF98-69B1CEEEDCC7}"/>
-              </a:ext>
-            </a:extLst>
-          </p:cNvPr>
-          <p:cNvSpPr txBox="1"/>
-          <p:nvPr/>
-        </p:nvSpPr>
-        <p:spPr>
-          <a:xfrm>
-            <a:off x="820156" y="5092286"/>
-            <a:ext cx="2216834" cy="738664"/>
-          </a:xfrm>
-          <a:prstGeom prst="rect">
-            <a:avLst/>
-          </a:prstGeom>
-          <a:noFill/>
-        </p:spPr>
-        <p:txBody>
-          <a:bodyPr wrap="square">
-            <a:spAutoFit/>
-          </a:bodyPr>
-          <a:lstStyle/>
-          <a:p>
-            <a:r>
-              <a:rPr lang="en-US" sz="1200" b="1" cap="small" dirty="0">
-                <a:solidFill>
-                  <a:schemeClr val="tx1">
-                    <a:lumMod val="50000"/>
-                    <a:lumOff val="50000"/>
-                  </a:schemeClr>
-                </a:solidFill>
-                <a:latin typeface="Oxygen" panose="02000503000000000000" pitchFamily="2" charset="0"/>
-              </a:rPr>
-              <a:t>Gen AI &amp; Prompt Engineer</a:t>
-            </a:r>
-          </a:p>
-          <a:p>
-            <a:pPr marL="171450" indent="-171450">
-              <a:buFont typeface="Wingdings" panose="05000000000000000000" pitchFamily="2" charset="2"/>
-              <a:buChar char="v"/>
-            </a:pPr>
-            <a:r>
-              <a:rPr lang="en-US" sz="1000" b="1" dirty="0">
-                <a:solidFill>
-                  <a:schemeClr val="tx1">
-                    <a:lumMod val="50000"/>
-                    <a:lumOff val="50000"/>
-                  </a:schemeClr>
-                </a:solidFill>
-                <a:latin typeface="Oxygen" panose="02000503000000000000" pitchFamily="2" charset="0"/>
-              </a:rPr>
-              <a:t>LLM – ChatGPT / LLAMA</a:t>
-            </a:r>
-          </a:p>
-          <a:p>
-            <a:pPr marL="171450" indent="-171450">
-              <a:buFont typeface="Wingdings" panose="05000000000000000000" pitchFamily="2" charset="2"/>
-              <a:buChar char="v"/>
-            </a:pPr>
-            <a:r>
-              <a:rPr lang="en-US" sz="1000" b="1" dirty="0" err="1">
-                <a:solidFill>
-                  <a:schemeClr val="tx1">
-                    <a:lumMod val="50000"/>
-                    <a:lumOff val="50000"/>
-                  </a:schemeClr>
-                </a:solidFill>
-                <a:latin typeface="Oxygen" panose="02000503000000000000" pitchFamily="2" charset="0"/>
-              </a:rPr>
-              <a:t>LangChain</a:t>
-            </a:r>
-            <a:r>
-              <a:rPr lang="en-US" sz="1000" b="1" dirty="0">
-                <a:solidFill>
-                  <a:schemeClr val="tx1">
-                    <a:lumMod val="50000"/>
-                    <a:lumOff val="50000"/>
-                  </a:schemeClr>
-                </a:solidFill>
-                <a:latin typeface="Oxygen" panose="02000503000000000000" pitchFamily="2" charset="0"/>
-              </a:rPr>
-              <a:t> &amp; Semantic Search</a:t>
-            </a:r>
-          </a:p>
-          <a:p>
-            <a:pPr marL="171450" indent="-171450">
-              <a:buFont typeface="Wingdings" panose="05000000000000000000" pitchFamily="2" charset="2"/>
-              <a:buChar char="v"/>
-            </a:pPr>
-            <a:r>
-              <a:rPr lang="en-US" sz="1000" b="1" dirty="0">
-                <a:solidFill>
-                  <a:schemeClr val="tx1">
-                    <a:lumMod val="50000"/>
-                    <a:lumOff val="50000"/>
-                  </a:schemeClr>
-                </a:solidFill>
-                <a:latin typeface="Oxygen" panose="02000503000000000000" pitchFamily="2" charset="0"/>
-              </a:rPr>
-              <a:t>Prompt Engineering</a:t>
-            </a:r>
+              <a:t>₹ 20,000/-</a:t>
+            </a:r>
+            <a:endParaRPr lang="en-US" sz="1000" b="1" strike="sngStrike" dirty="0">
+              <a:solidFill>
+                <a:schemeClr val="tx1">
+                  <a:lumMod val="50000"/>
+                  <a:lumOff val="50000"/>
+                </a:schemeClr>
+              </a:solidFill>
+              <a:latin typeface="Oxygen" panose="02000503000000000000" pitchFamily="2" charset="0"/>
+            </a:endParaRPr>
           </a:p>
         </p:txBody>
       </p:sp>
       <p:pic>
         <p:nvPicPr>
-          <p:cNvPr id="1033" name="Picture 14">
-            <a:extLst>
-              <a:ext uri="{FF2B5EF4-FFF2-40B4-BE49-F238E27FC236}">
-                <a16:creationId xmlns:a16="http://schemas.microsoft.com/office/drawing/2014/main" id="{DB494C64-FA74-AD43-5E4A-FB01092C0D72}"/>
+          <p:cNvPr id="35" name="Picture 14">
+            <a:extLst>
+              <a:ext uri="{FF2B5EF4-FFF2-40B4-BE49-F238E27FC236}">
+                <a16:creationId xmlns:a16="http://schemas.microsoft.com/office/drawing/2014/main" id="{C328AA41-AA97-AE30-D9ED-E3E9C34F62F5}"/>
               </a:ext>
             </a:extLst>
           </p:cNvPr>
@@ -6798,7 +7487,7 @@
           <p:nvPr/>
         </p:nvPicPr>
         <p:blipFill>
-          <a:blip r:embed="rId8" cstate="hqprint">
+          <a:blip r:embed="rId18" cstate="hqprint">
             <a:extLst>
               <a:ext uri="{28A0092B-C50C-407E-A947-70E740481C1C}">
                 <a14:useLocalDpi xmlns:a14="http://schemas.microsoft.com/office/drawing/2010/main" val="0"/>
@@ -6812,7 +7501,7 @@
         </p:blipFill>
         <p:spPr bwMode="auto">
           <a:xfrm>
-            <a:off x="564644" y="4413888"/>
+            <a:off x="389248" y="4418289"/>
             <a:ext cx="412675" cy="439890"/>
           </a:xfrm>
           <a:prstGeom prst="rect">
@@ -6830,12 +7519,258 @@
           </a:extLst>
         </p:spPr>
       </p:pic>
+      <p:sp>
+        <p:nvSpPr>
+          <p:cNvPr id="46" name="Star: 32 Points 45">
+            <a:extLst>
+              <a:ext uri="{FF2B5EF4-FFF2-40B4-BE49-F238E27FC236}">
+                <a16:creationId xmlns:a16="http://schemas.microsoft.com/office/drawing/2014/main" id="{6A7413D7-2216-220E-4C33-E3ED5C247C55}"/>
+              </a:ext>
+            </a:extLst>
+          </p:cNvPr>
+          <p:cNvSpPr/>
+          <p:nvPr/>
+        </p:nvSpPr>
+        <p:spPr>
+          <a:xfrm rot="21311287">
+            <a:off x="1440615" y="5273913"/>
+            <a:ext cx="1462073" cy="566744"/>
+          </a:xfrm>
+          <a:prstGeom prst="star32">
+            <a:avLst>
+              <a:gd name="adj" fmla="val 43344"/>
+            </a:avLst>
+          </a:prstGeom>
+          <a:solidFill>
+            <a:srgbClr val="0070C0"/>
+          </a:solidFill>
+          <a:ln w="38100">
+            <a:solidFill>
+              <a:srgbClr val="FF0000"/>
+            </a:solidFill>
+          </a:ln>
+        </p:spPr>
+        <p:style>
+          <a:lnRef idx="2">
+            <a:schemeClr val="accent1">
+              <a:shade val="15000"/>
+            </a:schemeClr>
+          </a:lnRef>
+          <a:fillRef idx="1">
+            <a:schemeClr val="accent1"/>
+          </a:fillRef>
+          <a:effectRef idx="0">
+            <a:schemeClr val="accent1"/>
+          </a:effectRef>
+          <a:fontRef idx="minor">
+            <a:schemeClr val="lt1"/>
+          </a:fontRef>
+        </p:style>
+        <p:txBody>
+          <a:bodyPr rtlCol="0" anchor="ctr"/>
+          <a:lstStyle/>
+          <a:p>
+            <a:pPr algn="ctr"/>
+            <a:r>
+              <a:rPr lang="en-IN" sz="1200" b="1" dirty="0">
+                <a:solidFill>
+                  <a:schemeClr val="bg1"/>
+                </a:solidFill>
+                <a:latin typeface="Oxygen" panose="02000503000000000000" pitchFamily="2" charset="0"/>
+              </a:rPr>
+              <a:t>₹ </a:t>
+            </a:r>
+            <a:r>
+              <a:rPr lang="en-US" sz="1200" b="1" dirty="0">
+                <a:solidFill>
+                  <a:schemeClr val="bg1"/>
+                </a:solidFill>
+                <a:latin typeface="Oxygen" panose="02000503000000000000" pitchFamily="2" charset="0"/>
+              </a:rPr>
+              <a:t>10,000/-</a:t>
+            </a:r>
+            <a:endParaRPr lang="en-US" b="1" dirty="0">
+              <a:solidFill>
+                <a:schemeClr val="bg1"/>
+              </a:solidFill>
+              <a:latin typeface="Oxygen" panose="02000503000000000000" pitchFamily="2" charset="0"/>
+            </a:endParaRPr>
+          </a:p>
+        </p:txBody>
+      </p:sp>
+      <p:sp>
+        <p:nvSpPr>
+          <p:cNvPr id="1027" name="TextBox 1026">
+            <a:extLst>
+              <a:ext uri="{FF2B5EF4-FFF2-40B4-BE49-F238E27FC236}">
+                <a16:creationId xmlns:a16="http://schemas.microsoft.com/office/drawing/2014/main" id="{9A788423-E0D6-39DC-3912-07615D1BEC91}"/>
+              </a:ext>
+            </a:extLst>
+          </p:cNvPr>
+          <p:cNvSpPr txBox="1"/>
+          <p:nvPr/>
+        </p:nvSpPr>
+        <p:spPr>
+          <a:xfrm>
+            <a:off x="3725864" y="4342479"/>
+            <a:ext cx="2284902" cy="1553310"/>
+          </a:xfrm>
+          <a:prstGeom prst="rect">
+            <a:avLst/>
+          </a:prstGeom>
+          <a:noFill/>
+        </p:spPr>
+        <p:txBody>
+          <a:bodyPr wrap="square">
+            <a:spAutoFit/>
+          </a:bodyPr>
+          <a:lstStyle/>
+          <a:p>
+            <a:pPr>
+              <a:lnSpc>
+                <a:spcPct val="150000"/>
+              </a:lnSpc>
+            </a:pPr>
+            <a:r>
+              <a:rPr lang="en-US" sz="1200" b="1" cap="small" dirty="0">
+                <a:solidFill>
+                  <a:schemeClr val="tx1">
+                    <a:lumMod val="50000"/>
+                    <a:lumOff val="50000"/>
+                  </a:schemeClr>
+                </a:solidFill>
+                <a:latin typeface="Oxygen" panose="02000503000000000000" pitchFamily="2" charset="0"/>
+              </a:rPr>
+              <a:t>Java Programmer</a:t>
+            </a:r>
+          </a:p>
+          <a:p>
+            <a:pPr marL="171450" indent="-171450">
+              <a:buFont typeface="Wingdings" panose="05000000000000000000" pitchFamily="2" charset="2"/>
+              <a:buChar char="v"/>
+            </a:pPr>
+            <a:r>
+              <a:rPr lang="en-US" sz="1000" b="1" dirty="0">
+                <a:solidFill>
+                  <a:schemeClr val="tx1">
+                    <a:lumMod val="50000"/>
+                    <a:lumOff val="50000"/>
+                  </a:schemeClr>
+                </a:solidFill>
+                <a:latin typeface="Oxygen" panose="02000503000000000000" pitchFamily="2" charset="0"/>
+              </a:rPr>
+              <a:t>Core Java</a:t>
+            </a:r>
+          </a:p>
+          <a:p>
+            <a:pPr marL="171450" indent="-171450">
+              <a:buFont typeface="Wingdings" panose="05000000000000000000" pitchFamily="2" charset="2"/>
+              <a:buChar char="v"/>
+            </a:pPr>
+            <a:r>
+              <a:rPr lang="en-US" sz="1000" b="1" dirty="0">
+                <a:solidFill>
+                  <a:schemeClr val="tx1">
+                    <a:lumMod val="50000"/>
+                    <a:lumOff val="50000"/>
+                  </a:schemeClr>
+                </a:solidFill>
+                <a:latin typeface="Oxygen" panose="02000503000000000000" pitchFamily="2" charset="0"/>
+              </a:rPr>
+              <a:t>Advanced Java (Spring Boot)</a:t>
+            </a:r>
+          </a:p>
+          <a:p>
+            <a:pPr marL="171450" indent="-171450">
+              <a:buFont typeface="Wingdings" panose="05000000000000000000" pitchFamily="2" charset="2"/>
+              <a:buChar char="v"/>
+            </a:pPr>
+            <a:r>
+              <a:rPr lang="en-US" sz="1000" b="1" dirty="0">
+                <a:solidFill>
+                  <a:schemeClr val="tx1">
+                    <a:lumMod val="50000"/>
+                    <a:lumOff val="50000"/>
+                  </a:schemeClr>
+                </a:solidFill>
+                <a:latin typeface="Oxygen" panose="02000503000000000000" pitchFamily="2" charset="0"/>
+              </a:rPr>
+              <a:t>MySQL</a:t>
+            </a:r>
+          </a:p>
+          <a:p>
+            <a:pPr marL="171450" indent="-171450">
+              <a:buFont typeface="Wingdings" panose="05000000000000000000" pitchFamily="2" charset="2"/>
+              <a:buChar char="v"/>
+            </a:pPr>
+            <a:r>
+              <a:rPr lang="en-US" sz="1000" b="1" dirty="0">
+                <a:solidFill>
+                  <a:schemeClr val="tx1">
+                    <a:lumMod val="50000"/>
+                    <a:lumOff val="50000"/>
+                  </a:schemeClr>
+                </a:solidFill>
+                <a:latin typeface="Oxygen" panose="02000503000000000000" pitchFamily="2" charset="0"/>
+              </a:rPr>
+              <a:t>Firebase</a:t>
+            </a:r>
+          </a:p>
+          <a:p>
+            <a:pPr>
+              <a:lnSpc>
+                <a:spcPct val="200000"/>
+              </a:lnSpc>
+            </a:pPr>
+            <a:r>
+              <a:rPr lang="en-US" sz="1000" b="1" dirty="0">
+                <a:solidFill>
+                  <a:schemeClr val="tx1">
+                    <a:lumMod val="50000"/>
+                    <a:lumOff val="50000"/>
+                  </a:schemeClr>
+                </a:solidFill>
+                <a:latin typeface="Oxygen" panose="02000503000000000000" pitchFamily="2" charset="0"/>
+              </a:rPr>
+              <a:t>26 Weeks</a:t>
+            </a:r>
+          </a:p>
+          <a:p>
+            <a:pPr>
+              <a:lnSpc>
+                <a:spcPct val="200000"/>
+              </a:lnSpc>
+            </a:pPr>
+            <a:r>
+              <a:rPr lang="en-IN" sz="1000" b="1" strike="sngStrike" dirty="0">
+                <a:solidFill>
+                  <a:schemeClr val="tx1">
+                    <a:lumMod val="50000"/>
+                    <a:lumOff val="50000"/>
+                  </a:schemeClr>
+                </a:solidFill>
+                <a:latin typeface="Oxygen" panose="02000503000000000000" pitchFamily="2" charset="0"/>
+              </a:rPr>
+              <a:t>₹ 20,000/-</a:t>
+            </a:r>
+            <a:endParaRPr lang="en-US" sz="1000" b="1" strike="sngStrike" dirty="0">
+              <a:solidFill>
+                <a:schemeClr val="tx1">
+                  <a:lumMod val="50000"/>
+                  <a:lumOff val="50000"/>
+                </a:schemeClr>
+              </a:solidFill>
+              <a:latin typeface="Oxygen" panose="02000503000000000000" pitchFamily="2" charset="0"/>
+            </a:endParaRPr>
+          </a:p>
+        </p:txBody>
+      </p:sp>
       <p:pic>
         <p:nvPicPr>
-          <p:cNvPr id="1035" name="Picture 14">
-            <a:extLst>
-              <a:ext uri="{FF2B5EF4-FFF2-40B4-BE49-F238E27FC236}">
-                <a16:creationId xmlns:a16="http://schemas.microsoft.com/office/drawing/2014/main" id="{7826C10D-66EC-CAB3-B63D-4CF78B079C4D}"/>
+          <p:cNvPr id="1028" name="Picture 14">
+            <a:extLst>
+              <a:ext uri="{FF2B5EF4-FFF2-40B4-BE49-F238E27FC236}">
+                <a16:creationId xmlns:a16="http://schemas.microsoft.com/office/drawing/2014/main" id="{48C9F5B1-5E70-8F06-5DDE-13DDEEE97672}"/>
               </a:ext>
             </a:extLst>
           </p:cNvPr>
@@ -6845,7 +7780,7 @@
           <p:nvPr/>
         </p:nvPicPr>
         <p:blipFill>
-          <a:blip r:embed="rId9" cstate="hqprint">
+          <a:blip r:embed="rId18" cstate="hqprint">
             <a:extLst>
               <a:ext uri="{28A0092B-C50C-407E-A947-70E740481C1C}">
                 <a14:useLocalDpi xmlns:a14="http://schemas.microsoft.com/office/drawing/2010/main" val="0"/>
@@ -6859,8 +7794,8 @@
         </p:blipFill>
         <p:spPr bwMode="auto">
           <a:xfrm>
-            <a:off x="569021" y="5125480"/>
-            <a:ext cx="439890" cy="439890"/>
+            <a:off x="3417845" y="4404429"/>
+            <a:ext cx="412675" cy="439890"/>
           </a:xfrm>
           <a:prstGeom prst="rect">
             <a:avLst/>
@@ -6877,12 +7812,222 @@
           </a:extLst>
         </p:spPr>
       </p:pic>
+      <p:sp>
+        <p:nvSpPr>
+          <p:cNvPr id="1029" name="Star: 32 Points 1028">
+            <a:extLst>
+              <a:ext uri="{FF2B5EF4-FFF2-40B4-BE49-F238E27FC236}">
+                <a16:creationId xmlns:a16="http://schemas.microsoft.com/office/drawing/2014/main" id="{CF6019E1-BA3A-B6E1-1120-3F10ABA5300D}"/>
+              </a:ext>
+            </a:extLst>
+          </p:cNvPr>
+          <p:cNvSpPr/>
+          <p:nvPr/>
+        </p:nvSpPr>
+        <p:spPr>
+          <a:xfrm rot="21311287">
+            <a:off x="4469212" y="5293305"/>
+            <a:ext cx="1462073" cy="566744"/>
+          </a:xfrm>
+          <a:prstGeom prst="star32">
+            <a:avLst>
+              <a:gd name="adj" fmla="val 43344"/>
+            </a:avLst>
+          </a:prstGeom>
+          <a:solidFill>
+            <a:srgbClr val="0070C0"/>
+          </a:solidFill>
+          <a:ln w="38100">
+            <a:solidFill>
+              <a:srgbClr val="FF0000"/>
+            </a:solidFill>
+          </a:ln>
+        </p:spPr>
+        <p:style>
+          <a:lnRef idx="2">
+            <a:schemeClr val="accent1">
+              <a:shade val="15000"/>
+            </a:schemeClr>
+          </a:lnRef>
+          <a:fillRef idx="1">
+            <a:schemeClr val="accent1"/>
+          </a:fillRef>
+          <a:effectRef idx="0">
+            <a:schemeClr val="accent1"/>
+          </a:effectRef>
+          <a:fontRef idx="minor">
+            <a:schemeClr val="lt1"/>
+          </a:fontRef>
+        </p:style>
+        <p:txBody>
+          <a:bodyPr rtlCol="0" anchor="ctr"/>
+          <a:lstStyle/>
+          <a:p>
+            <a:pPr algn="ctr"/>
+            <a:r>
+              <a:rPr lang="en-IN" sz="1200" b="1" dirty="0">
+                <a:solidFill>
+                  <a:schemeClr val="bg1"/>
+                </a:solidFill>
+                <a:latin typeface="Oxygen" panose="02000503000000000000" pitchFamily="2" charset="0"/>
+              </a:rPr>
+              <a:t>₹ </a:t>
+            </a:r>
+            <a:r>
+              <a:rPr lang="en-US" sz="1200" b="1" dirty="0">
+                <a:solidFill>
+                  <a:schemeClr val="bg1"/>
+                </a:solidFill>
+                <a:latin typeface="Oxygen" panose="02000503000000000000" pitchFamily="2" charset="0"/>
+              </a:rPr>
+              <a:t>10,000/-</a:t>
+            </a:r>
+            <a:endParaRPr lang="en-US" b="1" dirty="0">
+              <a:solidFill>
+                <a:schemeClr val="bg1"/>
+              </a:solidFill>
+              <a:latin typeface="Oxygen" panose="02000503000000000000" pitchFamily="2" charset="0"/>
+            </a:endParaRPr>
+          </a:p>
+        </p:txBody>
+      </p:sp>
+      <p:sp>
+        <p:nvSpPr>
+          <p:cNvPr id="1030" name="TextBox 1029">
+            <a:extLst>
+              <a:ext uri="{FF2B5EF4-FFF2-40B4-BE49-F238E27FC236}">
+                <a16:creationId xmlns:a16="http://schemas.microsoft.com/office/drawing/2014/main" id="{64B52DC6-87DE-43D8-9A98-0FBF762904D4}"/>
+              </a:ext>
+            </a:extLst>
+          </p:cNvPr>
+          <p:cNvSpPr txBox="1"/>
+          <p:nvPr/>
+        </p:nvSpPr>
+        <p:spPr>
+          <a:xfrm>
+            <a:off x="666785" y="6295977"/>
+            <a:ext cx="2284902" cy="1245534"/>
+          </a:xfrm>
+          <a:prstGeom prst="rect">
+            <a:avLst/>
+          </a:prstGeom>
+          <a:noFill/>
+        </p:spPr>
+        <p:txBody>
+          <a:bodyPr wrap="square">
+            <a:spAutoFit/>
+          </a:bodyPr>
+          <a:lstStyle/>
+          <a:p>
+            <a:pPr>
+              <a:lnSpc>
+                <a:spcPct val="150000"/>
+              </a:lnSpc>
+            </a:pPr>
+            <a:r>
+              <a:rPr lang="en-US" sz="1200" b="1" cap="small" dirty="0">
+                <a:solidFill>
+                  <a:schemeClr val="tx1">
+                    <a:lumMod val="50000"/>
+                    <a:lumOff val="50000"/>
+                  </a:schemeClr>
+                </a:solidFill>
+                <a:latin typeface="Oxygen" panose="02000503000000000000" pitchFamily="2" charset="0"/>
+              </a:rPr>
+              <a:t>Mobile Developer</a:t>
+            </a:r>
+          </a:p>
+          <a:p>
+            <a:pPr marL="171450" indent="-171450">
+              <a:buFont typeface="Wingdings" panose="05000000000000000000" pitchFamily="2" charset="2"/>
+              <a:buChar char="v"/>
+            </a:pPr>
+            <a:r>
+              <a:rPr lang="en-US" sz="1000" b="1" dirty="0">
+                <a:solidFill>
+                  <a:schemeClr val="tx1">
+                    <a:lumMod val="50000"/>
+                    <a:lumOff val="50000"/>
+                  </a:schemeClr>
+                </a:solidFill>
+                <a:latin typeface="Oxygen" panose="02000503000000000000" pitchFamily="2" charset="0"/>
+              </a:rPr>
+              <a:t>React Native (Android, IOS)</a:t>
+            </a:r>
+          </a:p>
+          <a:p>
+            <a:pPr marL="171450" indent="-171450">
+              <a:buFont typeface="Wingdings" panose="05000000000000000000" pitchFamily="2" charset="2"/>
+              <a:buChar char="v"/>
+            </a:pPr>
+            <a:r>
+              <a:rPr lang="en-US" sz="1000" b="1" dirty="0">
+                <a:solidFill>
+                  <a:schemeClr val="tx1">
+                    <a:lumMod val="50000"/>
+                    <a:lumOff val="50000"/>
+                  </a:schemeClr>
+                </a:solidFill>
+                <a:latin typeface="Oxygen" panose="02000503000000000000" pitchFamily="2" charset="0"/>
+              </a:rPr>
+              <a:t>Responsive Web Design</a:t>
+            </a:r>
+          </a:p>
+          <a:p>
+            <a:pPr>
+              <a:lnSpc>
+                <a:spcPct val="200000"/>
+              </a:lnSpc>
+            </a:pPr>
+            <a:r>
+              <a:rPr lang="en-US" sz="1000" b="1" dirty="0">
+                <a:solidFill>
+                  <a:schemeClr val="tx1">
+                    <a:lumMod val="50000"/>
+                    <a:lumOff val="50000"/>
+                  </a:schemeClr>
+                </a:solidFill>
+                <a:latin typeface="Oxygen" panose="02000503000000000000" pitchFamily="2" charset="0"/>
+              </a:rPr>
+              <a:t>26 Weeks</a:t>
+            </a:r>
+          </a:p>
+          <a:p>
+            <a:pPr>
+              <a:lnSpc>
+                <a:spcPct val="200000"/>
+              </a:lnSpc>
+            </a:pPr>
+            <a:r>
+              <a:rPr lang="en-IN" sz="1000" b="1" strike="sngStrike" dirty="0">
+                <a:solidFill>
+                  <a:schemeClr val="tx1">
+                    <a:lumMod val="50000"/>
+                    <a:lumOff val="50000"/>
+                  </a:schemeClr>
+                </a:solidFill>
+                <a:latin typeface="Oxygen" panose="02000503000000000000" pitchFamily="2" charset="0"/>
+              </a:rPr>
+              <a:t>₹ 20,000/-</a:t>
+            </a:r>
+            <a:endParaRPr lang="en-US" sz="1000" b="1" strike="sngStrike" dirty="0">
+              <a:solidFill>
+                <a:schemeClr val="tx1">
+                  <a:lumMod val="50000"/>
+                  <a:lumOff val="50000"/>
+                </a:schemeClr>
+              </a:solidFill>
+              <a:latin typeface="Oxygen" panose="02000503000000000000" pitchFamily="2" charset="0"/>
+            </a:endParaRPr>
+          </a:p>
+        </p:txBody>
+      </p:sp>
       <p:pic>
         <p:nvPicPr>
-          <p:cNvPr id="50" name="Picture 8" descr="YouTube">
-            <a:extLst>
-              <a:ext uri="{FF2B5EF4-FFF2-40B4-BE49-F238E27FC236}">
-                <a16:creationId xmlns:a16="http://schemas.microsoft.com/office/drawing/2014/main" id="{09B174C1-FD9F-471A-1364-8517DAF38C55}"/>
+          <p:cNvPr id="1031" name="Picture 14">
+            <a:extLst>
+              <a:ext uri="{FF2B5EF4-FFF2-40B4-BE49-F238E27FC236}">
+                <a16:creationId xmlns:a16="http://schemas.microsoft.com/office/drawing/2014/main" id="{5A1870F2-D7E6-BFEF-5276-309F922D04A3}"/>
               </a:ext>
             </a:extLst>
           </p:cNvPr>
@@ -6892,7 +8037,7 @@
           <p:nvPr/>
         </p:nvPicPr>
         <p:blipFill>
-          <a:blip r:embed="rId10">
+          <a:blip r:embed="rId18" cstate="hqprint">
             <a:extLst>
               <a:ext uri="{28A0092B-C50C-407E-A947-70E740481C1C}">
                 <a14:useLocalDpi xmlns:a14="http://schemas.microsoft.com/office/drawing/2010/main" val="0"/>
@@ -6906,8 +8051,8 @@
         </p:blipFill>
         <p:spPr bwMode="auto">
           <a:xfrm>
-            <a:off x="4944377" y="8651326"/>
-            <a:ext cx="400751" cy="400751"/>
+            <a:off x="358766" y="6357927"/>
+            <a:ext cx="412675" cy="439890"/>
           </a:xfrm>
           <a:prstGeom prst="rect">
             <a:avLst/>
@@ -6924,42 +8069,258 @@
           </a:extLst>
         </p:spPr>
       </p:pic>
+      <p:sp>
+        <p:nvSpPr>
+          <p:cNvPr id="1032" name="Star: 32 Points 1031">
+            <a:extLst>
+              <a:ext uri="{FF2B5EF4-FFF2-40B4-BE49-F238E27FC236}">
+                <a16:creationId xmlns:a16="http://schemas.microsoft.com/office/drawing/2014/main" id="{F963EAF6-C33B-3274-4BD6-C66D5C5F8EDD}"/>
+              </a:ext>
+            </a:extLst>
+          </p:cNvPr>
+          <p:cNvSpPr/>
+          <p:nvPr/>
+        </p:nvSpPr>
+        <p:spPr>
+          <a:xfrm rot="21311287">
+            <a:off x="1410133" y="7147047"/>
+            <a:ext cx="1462073" cy="566744"/>
+          </a:xfrm>
+          <a:prstGeom prst="star32">
+            <a:avLst>
+              <a:gd name="adj" fmla="val 43344"/>
+            </a:avLst>
+          </a:prstGeom>
+          <a:solidFill>
+            <a:srgbClr val="0070C0"/>
+          </a:solidFill>
+          <a:ln w="38100">
+            <a:solidFill>
+              <a:srgbClr val="FF0000"/>
+            </a:solidFill>
+          </a:ln>
+        </p:spPr>
+        <p:style>
+          <a:lnRef idx="2">
+            <a:schemeClr val="accent1">
+              <a:shade val="15000"/>
+            </a:schemeClr>
+          </a:lnRef>
+          <a:fillRef idx="1">
+            <a:schemeClr val="accent1"/>
+          </a:fillRef>
+          <a:effectRef idx="0">
+            <a:schemeClr val="accent1"/>
+          </a:effectRef>
+          <a:fontRef idx="minor">
+            <a:schemeClr val="lt1"/>
+          </a:fontRef>
+        </p:style>
+        <p:txBody>
+          <a:bodyPr rtlCol="0" anchor="ctr"/>
+          <a:lstStyle/>
+          <a:p>
+            <a:pPr algn="ctr"/>
+            <a:r>
+              <a:rPr lang="en-IN" sz="1200" b="1" dirty="0">
+                <a:solidFill>
+                  <a:schemeClr val="bg1"/>
+                </a:solidFill>
+                <a:latin typeface="Oxygen" panose="02000503000000000000" pitchFamily="2" charset="0"/>
+              </a:rPr>
+              <a:t>₹ </a:t>
+            </a:r>
+            <a:r>
+              <a:rPr lang="en-US" sz="1200" b="1" dirty="0">
+                <a:solidFill>
+                  <a:schemeClr val="bg1"/>
+                </a:solidFill>
+                <a:latin typeface="Oxygen" panose="02000503000000000000" pitchFamily="2" charset="0"/>
+              </a:rPr>
+              <a:t>10,000/-</a:t>
+            </a:r>
+            <a:endParaRPr lang="en-US" b="1" dirty="0">
+              <a:solidFill>
+                <a:schemeClr val="bg1"/>
+              </a:solidFill>
+              <a:latin typeface="Oxygen" panose="02000503000000000000" pitchFamily="2" charset="0"/>
+            </a:endParaRPr>
+          </a:p>
+        </p:txBody>
+      </p:sp>
+      <p:sp>
+        <p:nvSpPr>
+          <p:cNvPr id="1034" name="TextBox 1033">
+            <a:extLst>
+              <a:ext uri="{FF2B5EF4-FFF2-40B4-BE49-F238E27FC236}">
+                <a16:creationId xmlns:a16="http://schemas.microsoft.com/office/drawing/2014/main" id="{3D928499-24FB-7339-660C-BE95B3513014}"/>
+              </a:ext>
+            </a:extLst>
+          </p:cNvPr>
+          <p:cNvSpPr txBox="1"/>
+          <p:nvPr/>
+        </p:nvSpPr>
+        <p:spPr>
+          <a:xfrm>
+            <a:off x="3642741" y="6204540"/>
+            <a:ext cx="2284902" cy="1553310"/>
+          </a:xfrm>
+          <a:prstGeom prst="rect">
+            <a:avLst/>
+          </a:prstGeom>
+          <a:noFill/>
+        </p:spPr>
+        <p:txBody>
+          <a:bodyPr wrap="square">
+            <a:spAutoFit/>
+          </a:bodyPr>
+          <a:lstStyle/>
+          <a:p>
+            <a:pPr>
+              <a:lnSpc>
+                <a:spcPct val="150000"/>
+              </a:lnSpc>
+            </a:pPr>
+            <a:r>
+              <a:rPr lang="en-US" sz="1200" b="1" cap="small" dirty="0">
+                <a:solidFill>
+                  <a:schemeClr val="tx1">
+                    <a:lumMod val="50000"/>
+                    <a:lumOff val="50000"/>
+                  </a:schemeClr>
+                </a:solidFill>
+                <a:latin typeface="Oxygen" panose="02000503000000000000" pitchFamily="2" charset="0"/>
+              </a:rPr>
+              <a:t>Full Stack Architect</a:t>
+            </a:r>
+          </a:p>
+          <a:p>
+            <a:pPr marL="171450" indent="-171450">
+              <a:buFont typeface="Wingdings" panose="05000000000000000000" pitchFamily="2" charset="2"/>
+              <a:buChar char="v"/>
+            </a:pPr>
+            <a:r>
+              <a:rPr lang="en-US" sz="1000" b="1" dirty="0">
+                <a:solidFill>
+                  <a:schemeClr val="tx1">
+                    <a:lumMod val="50000"/>
+                    <a:lumOff val="50000"/>
+                  </a:schemeClr>
+                </a:solidFill>
+                <a:latin typeface="Oxygen" panose="02000503000000000000" pitchFamily="2" charset="0"/>
+              </a:rPr>
+              <a:t>AWS Cloud</a:t>
+            </a:r>
+          </a:p>
+          <a:p>
+            <a:pPr marL="171450" indent="-171450">
+              <a:buFont typeface="Wingdings" panose="05000000000000000000" pitchFamily="2" charset="2"/>
+              <a:buChar char="v"/>
+            </a:pPr>
+            <a:r>
+              <a:rPr lang="en-US" sz="1000" b="1" dirty="0">
+                <a:solidFill>
+                  <a:schemeClr val="tx1">
+                    <a:lumMod val="50000"/>
+                    <a:lumOff val="50000"/>
+                  </a:schemeClr>
+                </a:solidFill>
+                <a:latin typeface="Oxygen" panose="02000503000000000000" pitchFamily="2" charset="0"/>
+              </a:rPr>
+              <a:t>Dev Ops</a:t>
+            </a:r>
+          </a:p>
+          <a:p>
+            <a:pPr marL="171450" indent="-171450">
+              <a:buFont typeface="Wingdings" panose="05000000000000000000" pitchFamily="2" charset="2"/>
+              <a:buChar char="v"/>
+            </a:pPr>
+            <a:r>
+              <a:rPr lang="en-US" sz="1000" b="1" dirty="0">
+                <a:solidFill>
+                  <a:schemeClr val="tx1">
+                    <a:lumMod val="50000"/>
+                    <a:lumOff val="50000"/>
+                  </a:schemeClr>
+                </a:solidFill>
+                <a:latin typeface="Oxygen" panose="02000503000000000000" pitchFamily="2" charset="0"/>
+              </a:rPr>
+              <a:t>Agile Project Management</a:t>
+            </a:r>
+          </a:p>
+          <a:p>
+            <a:pPr marL="171450" indent="-171450">
+              <a:buFont typeface="Wingdings" panose="05000000000000000000" pitchFamily="2" charset="2"/>
+              <a:buChar char="v"/>
+            </a:pPr>
+            <a:r>
+              <a:rPr lang="en-US" sz="1000" b="1" dirty="0">
+                <a:solidFill>
+                  <a:schemeClr val="tx1">
+                    <a:lumMod val="50000"/>
+                    <a:lumOff val="50000"/>
+                  </a:schemeClr>
+                </a:solidFill>
+                <a:latin typeface="Oxygen" panose="02000503000000000000" pitchFamily="2" charset="0"/>
+              </a:rPr>
+              <a:t>Live Project</a:t>
+            </a:r>
+          </a:p>
+          <a:p>
+            <a:pPr>
+              <a:lnSpc>
+                <a:spcPct val="200000"/>
+              </a:lnSpc>
+            </a:pPr>
+            <a:r>
+              <a:rPr lang="en-US" sz="1000" b="1" dirty="0">
+                <a:solidFill>
+                  <a:schemeClr val="tx1">
+                    <a:lumMod val="50000"/>
+                    <a:lumOff val="50000"/>
+                  </a:schemeClr>
+                </a:solidFill>
+                <a:latin typeface="Oxygen" panose="02000503000000000000" pitchFamily="2" charset="0"/>
+              </a:rPr>
+              <a:t>26 Weeks</a:t>
+            </a:r>
+          </a:p>
+          <a:p>
+            <a:pPr>
+              <a:lnSpc>
+                <a:spcPct val="200000"/>
+              </a:lnSpc>
+            </a:pPr>
+            <a:r>
+              <a:rPr lang="en-IN" sz="1000" b="1" strike="sngStrike" dirty="0">
+                <a:solidFill>
+                  <a:schemeClr val="tx1">
+                    <a:lumMod val="50000"/>
+                    <a:lumOff val="50000"/>
+                  </a:schemeClr>
+                </a:solidFill>
+                <a:latin typeface="Oxygen" panose="02000503000000000000" pitchFamily="2" charset="0"/>
+              </a:rPr>
+              <a:t>₹ 20,000/-</a:t>
+            </a:r>
+            <a:endParaRPr lang="en-US" sz="1000" b="1" strike="sngStrike" dirty="0">
+              <a:solidFill>
+                <a:schemeClr val="tx1">
+                  <a:lumMod val="50000"/>
+                  <a:lumOff val="50000"/>
+                </a:schemeClr>
+              </a:solidFill>
+              <a:latin typeface="Oxygen" panose="02000503000000000000" pitchFamily="2" charset="0"/>
+            </a:endParaRPr>
+          </a:p>
+        </p:txBody>
+      </p:sp>
       <p:pic>
         <p:nvPicPr>
-          <p:cNvPr id="51" name="Picture 50">
-            <a:extLst>
-              <a:ext uri="{FF2B5EF4-FFF2-40B4-BE49-F238E27FC236}">
-                <a16:creationId xmlns:a16="http://schemas.microsoft.com/office/drawing/2014/main" id="{1B10D8FB-DD14-ED8F-3663-7285F6D36A95}"/>
-              </a:ext>
-            </a:extLst>
-          </p:cNvPr>
-          <p:cNvPicPr>
-            <a:picLocks noChangeAspect="1"/>
-          </p:cNvPicPr>
-          <p:nvPr/>
-        </p:nvPicPr>
-        <p:blipFill>
-          <a:blip r:embed="rId11"/>
-          <a:stretch>
-            <a:fillRect/>
-          </a:stretch>
-        </p:blipFill>
-        <p:spPr>
-          <a:xfrm>
-            <a:off x="5707228" y="8721116"/>
-            <a:ext cx="284384" cy="284384"/>
-          </a:xfrm>
-          <a:prstGeom prst="rect">
-            <a:avLst/>
-          </a:prstGeom>
-        </p:spPr>
-      </p:pic>
-      <p:pic>
-        <p:nvPicPr>
-          <p:cNvPr id="52" name="Picture 12" descr="LinkedIn">
-            <a:extLst>
-              <a:ext uri="{FF2B5EF4-FFF2-40B4-BE49-F238E27FC236}">
-                <a16:creationId xmlns:a16="http://schemas.microsoft.com/office/drawing/2014/main" id="{B8728633-2A06-8D51-9CB4-DD25478D0E4D}"/>
+          <p:cNvPr id="1035" name="Picture 14">
+            <a:extLst>
+              <a:ext uri="{FF2B5EF4-FFF2-40B4-BE49-F238E27FC236}">
+                <a16:creationId xmlns:a16="http://schemas.microsoft.com/office/drawing/2014/main" id="{14D87A1F-68D3-2BCB-6570-432BEC241C38}"/>
               </a:ext>
             </a:extLst>
           </p:cNvPr>
@@ -6969,7 +8330,7 @@
           <p:nvPr/>
         </p:nvPicPr>
         <p:blipFill>
-          <a:blip r:embed="rId12">
+          <a:blip r:embed="rId18" cstate="hqprint">
             <a:extLst>
               <a:ext uri="{28A0092B-C50C-407E-A947-70E740481C1C}">
                 <a14:useLocalDpi xmlns:a14="http://schemas.microsoft.com/office/drawing/2010/main" val="0"/>
@@ -6983,8 +8344,8 @@
         </p:blipFill>
         <p:spPr bwMode="auto">
           <a:xfrm>
-            <a:off x="4565844" y="8662933"/>
-            <a:ext cx="400751" cy="400751"/>
+            <a:off x="3334722" y="6266490"/>
+            <a:ext cx="412675" cy="439890"/>
           </a:xfrm>
           <a:prstGeom prst="rect">
             <a:avLst/>
@@ -7001,482 +8362,85 @@
           </a:extLst>
         </p:spPr>
       </p:pic>
-      <p:pic>
-        <p:nvPicPr>
-          <p:cNvPr id="53" name="Picture 14" descr="Instagram">
-            <a:extLst>
-              <a:ext uri="{FF2B5EF4-FFF2-40B4-BE49-F238E27FC236}">
-                <a16:creationId xmlns:a16="http://schemas.microsoft.com/office/drawing/2014/main" id="{5B65458A-DA92-EF42-2471-59EB8411655C}"/>
-              </a:ext>
-            </a:extLst>
-          </p:cNvPr>
-          <p:cNvPicPr>
-            <a:picLocks noChangeAspect="1" noChangeArrowheads="1"/>
-          </p:cNvPicPr>
-          <p:nvPr/>
-        </p:nvPicPr>
-        <p:blipFill>
-          <a:blip r:embed="rId13">
-            <a:extLst>
-              <a:ext uri="{28A0092B-C50C-407E-A947-70E740481C1C}">
-                <a14:useLocalDpi xmlns:a14="http://schemas.microsoft.com/office/drawing/2010/main" val="0"/>
-              </a:ext>
-            </a:extLst>
-          </a:blip>
-          <a:srcRect/>
-          <a:stretch>
-            <a:fillRect/>
-          </a:stretch>
-        </p:blipFill>
-        <p:spPr bwMode="auto">
-          <a:xfrm>
-            <a:off x="4233267" y="8681149"/>
-            <a:ext cx="364319" cy="364319"/>
-          </a:xfrm>
-          <a:prstGeom prst="rect">
-            <a:avLst/>
-          </a:prstGeom>
-          <a:noFill/>
-          <a:extLst>
-            <a:ext uri="{909E8E84-426E-40DD-AFC4-6F175D3DCCD1}">
-              <a14:hiddenFill xmlns:a14="http://schemas.microsoft.com/office/drawing/2010/main">
-                <a:solidFill>
-                  <a:srgbClr val="FFFFFF"/>
-                </a:solidFill>
-              </a14:hiddenFill>
-            </a:ext>
-          </a:extLst>
-        </p:spPr>
-      </p:pic>
-      <p:pic>
-        <p:nvPicPr>
-          <p:cNvPr id="54" name="Picture 16" descr="Facebook">
-            <a:extLst>
-              <a:ext uri="{FF2B5EF4-FFF2-40B4-BE49-F238E27FC236}">
-                <a16:creationId xmlns:a16="http://schemas.microsoft.com/office/drawing/2014/main" id="{B4A5D98E-C1D2-6716-5F84-4EE2F8A69089}"/>
-              </a:ext>
-            </a:extLst>
-          </p:cNvPr>
-          <p:cNvPicPr>
-            <a:picLocks noChangeAspect="1" noChangeArrowheads="1"/>
-          </p:cNvPicPr>
-          <p:nvPr/>
-        </p:nvPicPr>
-        <p:blipFill>
-          <a:blip r:embed="rId14">
-            <a:extLst>
-              <a:ext uri="{28A0092B-C50C-407E-A947-70E740481C1C}">
-                <a14:useLocalDpi xmlns:a14="http://schemas.microsoft.com/office/drawing/2010/main" val="0"/>
-              </a:ext>
-            </a:extLst>
-          </a:blip>
-          <a:srcRect/>
-          <a:stretch>
-            <a:fillRect/>
-          </a:stretch>
-        </p:blipFill>
-        <p:spPr bwMode="auto">
-          <a:xfrm>
-            <a:off x="5280954" y="8655456"/>
-            <a:ext cx="396751" cy="396751"/>
-          </a:xfrm>
-          <a:prstGeom prst="rect">
-            <a:avLst/>
-          </a:prstGeom>
-          <a:noFill/>
-          <a:extLst>
-            <a:ext uri="{909E8E84-426E-40DD-AFC4-6F175D3DCCD1}">
-              <a14:hiddenFill xmlns:a14="http://schemas.microsoft.com/office/drawing/2010/main">
-                <a:solidFill>
-                  <a:srgbClr val="FFFFFF"/>
-                </a:solidFill>
-              </a14:hiddenFill>
-            </a:ext>
-          </a:extLst>
-        </p:spPr>
-      </p:pic>
-      <p:sp>
-        <p:nvSpPr>
-          <p:cNvPr id="55" name="TextBox 54">
-            <a:extLst>
-              <a:ext uri="{FF2B5EF4-FFF2-40B4-BE49-F238E27FC236}">
-                <a16:creationId xmlns:a16="http://schemas.microsoft.com/office/drawing/2014/main" id="{86454AE3-F3EA-647E-7691-F4A099F3977E}"/>
-              </a:ext>
-            </a:extLst>
-          </p:cNvPr>
-          <p:cNvSpPr txBox="1"/>
+      <p:sp>
+        <p:nvSpPr>
+          <p:cNvPr id="1036" name="Star: 32 Points 1035">
+            <a:extLst>
+              <a:ext uri="{FF2B5EF4-FFF2-40B4-BE49-F238E27FC236}">
+                <a16:creationId xmlns:a16="http://schemas.microsoft.com/office/drawing/2014/main" id="{D3E60A90-55F8-05C5-EDEB-53FCE7C800BB}"/>
+              </a:ext>
+            </a:extLst>
+          </p:cNvPr>
+          <p:cNvSpPr/>
           <p:nvPr/>
         </p:nvSpPr>
         <p:spPr>
-          <a:xfrm>
-            <a:off x="-117" y="7925439"/>
-            <a:ext cx="2566666" cy="307777"/>
-          </a:xfrm>
-          <a:prstGeom prst="rect">
-            <a:avLst/>
-          </a:prstGeom>
-          <a:noFill/>
-        </p:spPr>
-        <p:txBody>
-          <a:bodyPr wrap="square" rtlCol="0">
-            <a:spAutoFit/>
-          </a:bodyPr>
-          <a:lstStyle/>
-          <a:p>
-            <a:pPr algn="r"/>
-            <a:r>
-              <a:rPr lang="en-US" sz="1400" b="1" u="sng" dirty="0">
-                <a:solidFill>
-                  <a:srgbClr val="0070C0"/>
-                </a:solidFill>
-                <a:latin typeface="Oxygen" panose="02000503000000000000" pitchFamily="2" charset="0"/>
-              </a:rPr>
-              <a:t>https://www.anodiam.com</a:t>
-            </a:r>
-          </a:p>
-        </p:txBody>
-      </p:sp>
-      <p:pic>
-        <p:nvPicPr>
-          <p:cNvPr id="56" name="Picture 18">
-            <a:extLst>
-              <a:ext uri="{FF2B5EF4-FFF2-40B4-BE49-F238E27FC236}">
-                <a16:creationId xmlns:a16="http://schemas.microsoft.com/office/drawing/2014/main" id="{D0E7CDB8-793D-8E2C-6369-7D35A165B777}"/>
-              </a:ext>
-            </a:extLst>
-          </p:cNvPr>
-          <p:cNvPicPr>
-            <a:picLocks noChangeAspect="1" noChangeArrowheads="1"/>
-          </p:cNvPicPr>
-          <p:nvPr/>
-        </p:nvPicPr>
-        <p:blipFill>
-          <a:blip r:embed="rId15" cstate="hqprint">
-            <a:extLst>
-              <a:ext uri="{28A0092B-C50C-407E-A947-70E740481C1C}">
-                <a14:useLocalDpi xmlns:a14="http://schemas.microsoft.com/office/drawing/2010/main" val="0"/>
-              </a:ext>
-            </a:extLst>
-          </a:blip>
-          <a:srcRect/>
-          <a:stretch>
-            <a:fillRect/>
-          </a:stretch>
-        </p:blipFill>
-        <p:spPr bwMode="auto">
-          <a:xfrm>
-            <a:off x="180964" y="8233659"/>
-            <a:ext cx="250134" cy="250134"/>
-          </a:xfrm>
-          <a:prstGeom prst="rect">
-            <a:avLst/>
-          </a:prstGeom>
-          <a:noFill/>
-          <a:extLst>
-            <a:ext uri="{909E8E84-426E-40DD-AFC4-6F175D3DCCD1}">
-              <a14:hiddenFill xmlns:a14="http://schemas.microsoft.com/office/drawing/2010/main">
-                <a:solidFill>
-                  <a:srgbClr val="FFFFFF"/>
-                </a:solidFill>
-              </a14:hiddenFill>
-            </a:ext>
-          </a:extLst>
-        </p:spPr>
-      </p:pic>
-      <p:sp>
-        <p:nvSpPr>
-          <p:cNvPr id="57" name="TextBox 56">
-            <a:extLst>
-              <a:ext uri="{FF2B5EF4-FFF2-40B4-BE49-F238E27FC236}">
-                <a16:creationId xmlns:a16="http://schemas.microsoft.com/office/drawing/2014/main" id="{B022CFE3-2EFE-7D26-730F-B712DDA0804C}"/>
-              </a:ext>
-            </a:extLst>
-          </p:cNvPr>
-          <p:cNvSpPr txBox="1"/>
-          <p:nvPr/>
-        </p:nvSpPr>
-        <p:spPr>
-          <a:xfrm>
-            <a:off x="373517" y="8265696"/>
-            <a:ext cx="2526942" cy="276999"/>
-          </a:xfrm>
-          <a:prstGeom prst="rect">
-            <a:avLst/>
-          </a:prstGeom>
-          <a:noFill/>
-        </p:spPr>
-        <p:txBody>
-          <a:bodyPr wrap="square">
-            <a:spAutoFit/>
-          </a:bodyPr>
-          <a:lstStyle/>
-          <a:p>
-            <a:pPr rtl="0" fontAlgn="t"/>
+          <a:xfrm rot="21311287">
+            <a:off x="4386089" y="7122114"/>
+            <a:ext cx="1462073" cy="566744"/>
+          </a:xfrm>
+          <a:prstGeom prst="star32">
+            <a:avLst>
+              <a:gd name="adj" fmla="val 43344"/>
+            </a:avLst>
+          </a:prstGeom>
+          <a:solidFill>
+            <a:srgbClr val="0070C0"/>
+          </a:solidFill>
+          <a:ln w="38100">
+            <a:solidFill>
+              <a:srgbClr val="FF0000"/>
+            </a:solidFill>
+          </a:ln>
+        </p:spPr>
+        <p:style>
+          <a:lnRef idx="2">
+            <a:schemeClr val="accent1">
+              <a:shade val="15000"/>
+            </a:schemeClr>
+          </a:lnRef>
+          <a:fillRef idx="1">
+            <a:schemeClr val="accent1"/>
+          </a:fillRef>
+          <a:effectRef idx="0">
+            <a:schemeClr val="accent1"/>
+          </a:effectRef>
+          <a:fontRef idx="minor">
+            <a:schemeClr val="lt1"/>
+          </a:fontRef>
+        </p:style>
+        <p:txBody>
+          <a:bodyPr rtlCol="0" anchor="ctr"/>
+          <a:lstStyle/>
+          <a:p>
+            <a:pPr algn="ctr"/>
+            <a:r>
+              <a:rPr lang="en-IN" sz="1200" b="1" dirty="0">
+                <a:solidFill>
+                  <a:schemeClr val="bg1"/>
+                </a:solidFill>
+                <a:latin typeface="Oxygen" panose="02000503000000000000" pitchFamily="2" charset="0"/>
+              </a:rPr>
+              <a:t>₹ </a:t>
+            </a:r>
             <a:r>
               <a:rPr lang="en-US" sz="1200" b="1" dirty="0">
                 <a:solidFill>
-                  <a:srgbClr val="FF8C53"/>
-                </a:solidFill>
-                <a:effectLst>
-                  <a:outerShdw blurRad="38100" dist="38100" dir="2700000" algn="tl">
-                    <a:srgbClr val="000000">
-                      <a:alpha val="43137"/>
-                    </a:srgbClr>
-                  </a:outerShdw>
-                </a:effectLst>
-                <a:latin typeface="Oxygen" panose="02000503000000000000" pitchFamily="2" charset="0"/>
-              </a:rPr>
-              <a:t>N-1/25 Patuli Kolkata 700094</a:t>
-            </a:r>
-          </a:p>
-        </p:txBody>
-      </p:sp>
-      <p:sp>
-        <p:nvSpPr>
-          <p:cNvPr id="58" name="TextBox 57">
-            <a:extLst>
-              <a:ext uri="{FF2B5EF4-FFF2-40B4-BE49-F238E27FC236}">
-                <a16:creationId xmlns:a16="http://schemas.microsoft.com/office/drawing/2014/main" id="{0960518D-238A-76F3-AF24-538B464A60B9}"/>
-              </a:ext>
-            </a:extLst>
-          </p:cNvPr>
-          <p:cNvSpPr txBox="1"/>
-          <p:nvPr/>
-        </p:nvSpPr>
-        <p:spPr>
-          <a:xfrm>
-            <a:off x="369989" y="8501340"/>
-            <a:ext cx="2667000" cy="276999"/>
-          </a:xfrm>
-          <a:prstGeom prst="rect">
-            <a:avLst/>
-          </a:prstGeom>
-          <a:noFill/>
-        </p:spPr>
-        <p:txBody>
-          <a:bodyPr wrap="square">
-            <a:spAutoFit/>
-          </a:bodyPr>
-          <a:lstStyle/>
-          <a:p>
-            <a:pPr rtl="0" fontAlgn="t"/>
-            <a:r>
-              <a:rPr lang="en-US" sz="1200" b="1" i="0" u="sng" strike="noStrike" dirty="0">
-                <a:solidFill>
-                  <a:srgbClr val="000000"/>
-                </a:solidFill>
-                <a:effectLst/>
-                <a:latin typeface="Oxygen" panose="02000503000000000000" pitchFamily="2" charset="0"/>
-                <a:hlinkClick r:id="rId16"/>
-              </a:rPr>
-              <a:t>anirban@anodiam.com</a:t>
-            </a:r>
-            <a:endParaRPr lang="en-US" sz="1200" b="0" i="0" dirty="0">
+                  <a:schemeClr val="bg1"/>
+                </a:solidFill>
+                <a:latin typeface="Oxygen" panose="02000503000000000000" pitchFamily="2" charset="0"/>
+              </a:rPr>
+              <a:t>10,000/-</a:t>
+            </a:r>
+            <a:endParaRPr lang="en-US" b="1" dirty="0">
               <a:solidFill>
-                <a:srgbClr val="212121"/>
+                <a:schemeClr val="bg1"/>
               </a:solidFill>
-              <a:effectLst/>
-              <a:latin typeface="Lato" panose="020F0502020204030204" pitchFamily="34" charset="0"/>
+              <a:latin typeface="Oxygen" panose="02000503000000000000" pitchFamily="2" charset="0"/>
             </a:endParaRPr>
           </a:p>
         </p:txBody>
       </p:sp>
-      <p:pic>
-        <p:nvPicPr>
-          <p:cNvPr id="59" name="Picture 22" descr="Mail Icon PNG Image | Mail icon, Email icon, Icon set design">
-            <a:extLst>
-              <a:ext uri="{FF2B5EF4-FFF2-40B4-BE49-F238E27FC236}">
-                <a16:creationId xmlns:a16="http://schemas.microsoft.com/office/drawing/2014/main" id="{F567ED39-0FD3-4DD0-977B-ED5C9666207E}"/>
-              </a:ext>
-            </a:extLst>
-          </p:cNvPr>
-          <p:cNvPicPr>
-            <a:picLocks noChangeAspect="1" noChangeArrowheads="1"/>
-          </p:cNvPicPr>
-          <p:nvPr/>
-        </p:nvPicPr>
-        <p:blipFill>
-          <a:blip r:embed="rId17" cstate="hqprint">
-            <a:extLst>
-              <a:ext uri="{28A0092B-C50C-407E-A947-70E740481C1C}">
-                <a14:useLocalDpi xmlns:a14="http://schemas.microsoft.com/office/drawing/2010/main" val="0"/>
-              </a:ext>
-            </a:extLst>
-          </a:blip>
-          <a:srcRect/>
-          <a:stretch>
-            <a:fillRect/>
-          </a:stretch>
-        </p:blipFill>
-        <p:spPr bwMode="auto">
-          <a:xfrm>
-            <a:off x="169366" y="8516277"/>
-            <a:ext cx="262573" cy="247127"/>
-          </a:xfrm>
-          <a:prstGeom prst="rect">
-            <a:avLst/>
-          </a:prstGeom>
-          <a:noFill/>
-          <a:extLst>
-            <a:ext uri="{909E8E84-426E-40DD-AFC4-6F175D3DCCD1}">
-              <a14:hiddenFill xmlns:a14="http://schemas.microsoft.com/office/drawing/2010/main">
-                <a:solidFill>
-                  <a:srgbClr val="FFFFFF"/>
-                </a:solidFill>
-              </a14:hiddenFill>
-            </a:ext>
-          </a:extLst>
-        </p:spPr>
-      </p:pic>
-      <p:pic>
-        <p:nvPicPr>
-          <p:cNvPr id="60" name="Picture 59">
-            <a:extLst>
-              <a:ext uri="{FF2B5EF4-FFF2-40B4-BE49-F238E27FC236}">
-                <a16:creationId xmlns:a16="http://schemas.microsoft.com/office/drawing/2014/main" id="{34E9D7A9-447C-35E7-A464-E466D806505F}"/>
-              </a:ext>
-            </a:extLst>
-          </p:cNvPr>
-          <p:cNvPicPr>
-            <a:picLocks noChangeAspect="1"/>
-          </p:cNvPicPr>
-          <p:nvPr/>
-        </p:nvPicPr>
-        <p:blipFill>
-          <a:blip r:embed="rId18"/>
-          <a:stretch>
-            <a:fillRect/>
-          </a:stretch>
-        </p:blipFill>
-        <p:spPr>
-          <a:xfrm>
-            <a:off x="138906" y="8735626"/>
-            <a:ext cx="313427" cy="294990"/>
-          </a:xfrm>
-          <a:prstGeom prst="rect">
-            <a:avLst/>
-          </a:prstGeom>
-        </p:spPr>
-      </p:pic>
-      <p:sp>
-        <p:nvSpPr>
-          <p:cNvPr id="61" name="TextBox 60">
-            <a:extLst>
-              <a:ext uri="{FF2B5EF4-FFF2-40B4-BE49-F238E27FC236}">
-                <a16:creationId xmlns:a16="http://schemas.microsoft.com/office/drawing/2014/main" id="{7032E583-8E63-F67E-D5BA-476D86FF8088}"/>
-              </a:ext>
-            </a:extLst>
-          </p:cNvPr>
-          <p:cNvSpPr txBox="1"/>
-          <p:nvPr/>
-        </p:nvSpPr>
-        <p:spPr>
-          <a:xfrm>
-            <a:off x="373921" y="8771709"/>
-            <a:ext cx="1563862" cy="276999"/>
-          </a:xfrm>
-          <a:prstGeom prst="rect">
-            <a:avLst/>
-          </a:prstGeom>
-          <a:noFill/>
-        </p:spPr>
-        <p:txBody>
-          <a:bodyPr wrap="square">
-            <a:spAutoFit/>
-          </a:bodyPr>
-          <a:lstStyle/>
-          <a:p>
-            <a:r>
-              <a:rPr lang="en-US" sz="1200" b="1" dirty="0">
-                <a:solidFill>
-                  <a:srgbClr val="FF8C53"/>
-                </a:solidFill>
-                <a:effectLst>
-                  <a:outerShdw blurRad="38100" dist="38100" dir="2700000" algn="tl">
-                    <a:srgbClr val="000000">
-                      <a:alpha val="43137"/>
-                    </a:srgbClr>
-                  </a:outerShdw>
-                </a:effectLst>
-                <a:latin typeface="Oxygen" panose="02000503000000000000" pitchFamily="2" charset="0"/>
-              </a:rPr>
-              <a:t>9073 700094</a:t>
-            </a:r>
-          </a:p>
-        </p:txBody>
-      </p:sp>
-      <p:sp>
-        <p:nvSpPr>
-          <p:cNvPr id="62" name="TextBox 61">
-            <a:extLst>
-              <a:ext uri="{FF2B5EF4-FFF2-40B4-BE49-F238E27FC236}">
-                <a16:creationId xmlns:a16="http://schemas.microsoft.com/office/drawing/2014/main" id="{C32427AD-B0C8-CFB2-C695-AC02473C8830}"/>
-              </a:ext>
-            </a:extLst>
-          </p:cNvPr>
-          <p:cNvSpPr txBox="1"/>
-          <p:nvPr/>
-        </p:nvSpPr>
-        <p:spPr>
-          <a:xfrm>
-            <a:off x="4213746" y="8464897"/>
-            <a:ext cx="1211351" cy="276999"/>
-          </a:xfrm>
-          <a:prstGeom prst="rect">
-            <a:avLst/>
-          </a:prstGeom>
-          <a:noFill/>
-        </p:spPr>
-        <p:txBody>
-          <a:bodyPr wrap="square">
-            <a:spAutoFit/>
-          </a:bodyPr>
-          <a:lstStyle/>
-          <a:p>
-            <a:pPr rtl="0" fontAlgn="t"/>
-            <a:r>
-              <a:rPr lang="en-US" sz="1200" b="1" dirty="0">
-                <a:solidFill>
-                  <a:srgbClr val="FF8C53"/>
-                </a:solidFill>
-                <a:effectLst>
-                  <a:outerShdw blurRad="38100" dist="38100" dir="2700000" algn="tl">
-                    <a:srgbClr val="000000">
-                      <a:alpha val="43137"/>
-                    </a:srgbClr>
-                  </a:outerShdw>
-                </a:effectLst>
-                <a:latin typeface="Oxygen" panose="02000503000000000000" pitchFamily="2" charset="0"/>
-              </a:rPr>
-              <a:t>Follow us on:</a:t>
-            </a:r>
-          </a:p>
-        </p:txBody>
-      </p:sp>
-      <p:pic>
-        <p:nvPicPr>
-          <p:cNvPr id="63" name="Picture 62"/>
-          <p:cNvPicPr>
-            <a:picLocks noChangeAspect="1"/>
-          </p:cNvPicPr>
-          <p:nvPr/>
-        </p:nvPicPr>
-        <p:blipFill>
-          <a:blip r:embed="rId19"/>
-          <a:stretch>
-            <a:fillRect/>
-          </a:stretch>
-        </p:blipFill>
-        <p:spPr>
-          <a:xfrm>
-            <a:off x="4286874" y="7978206"/>
-            <a:ext cx="1468120" cy="519550"/>
-          </a:xfrm>
-          <a:prstGeom prst="rect">
-            <a:avLst/>
-          </a:prstGeom>
-        </p:spPr>
-      </p:pic>
     </p:spTree>
     <p:extLst>
       <p:ext uri="{BB962C8B-B14F-4D97-AF65-F5344CB8AC3E}">
@@ -7487,13 +8451,6 @@
   <p:clrMapOvr>
     <a:masterClrMapping/>
   </p:clrMapOvr>
-  <p:timing>
-    <p:tnLst>
-      <p:par>
-        <p:cTn id="1" dur="indefinite" restart="never" nodeType="tmRoot"/>
-      </p:par>
-    </p:tnLst>
-  </p:timing>
 </p:sld>
 </file>
 

--- a/Offline/BusinessManagement/Marketing/AI marketing/AIBrochure.pptx
+++ b/Offline/BusinessManagement/Marketing/AI marketing/AIBrochure.pptx
@@ -8227,7 +8227,7 @@
                 </a:solidFill>
                 <a:latin typeface="Oxygen" panose="02000503000000000000" pitchFamily="2" charset="0"/>
               </a:rPr>
-              <a:t>Dev Ops</a:t>
+              <a:t>Dev Ops (Kubernetes)</a:t>
             </a:r>
           </a:p>
           <a:p>
@@ -8301,7 +8301,7 @@
                 </a:solidFill>
                 <a:latin typeface="Oxygen" panose="02000503000000000000" pitchFamily="2" charset="0"/>
               </a:rPr>
-              <a:t>₹ 20,000/-</a:t>
+              <a:t>₹ 40,000/-</a:t>
             </a:r>
             <a:endParaRPr lang="en-US" sz="1000" b="1" strike="sngStrike" dirty="0">
               <a:solidFill>
@@ -8376,8 +8376,8 @@
         </p:nvSpPr>
         <p:spPr>
           <a:xfrm rot="21311287">
-            <a:off x="4386089" y="7122114"/>
-            <a:ext cx="1462073" cy="566744"/>
+            <a:off x="4385945" y="7118688"/>
+            <a:ext cx="1543756" cy="566744"/>
           </a:xfrm>
           <a:prstGeom prst="star32">
             <a:avLst>
@@ -8430,7 +8430,7 @@
                 </a:solidFill>
                 <a:latin typeface="Oxygen" panose="02000503000000000000" pitchFamily="2" charset="0"/>
               </a:rPr>
-              <a:t>10,000/-</a:t>
+              <a:t>20,000/-</a:t>
             </a:r>
             <a:endParaRPr lang="en-US" b="1" dirty="0">
               <a:solidFill>
